--- a/OJ_presentation.pptx
+++ b/OJ_presentation.pptx
@@ -4,21 +4,25 @@
   <p:sldMasterIdLst>
     <p:sldMasterId id="2147483648" r:id="rId2"/>
     <p:sldMasterId id="2147483661" r:id="rId3"/>
+    <p:sldMasterId id="2147483674" r:id="rId4"/>
+    <p:sldMasterId id="2147483687" r:id="rId5"/>
   </p:sldMasterIdLst>
   <p:sldIdLst>
-    <p:sldId id="256" r:id="rId4"/>
-    <p:sldId id="257" r:id="rId5"/>
-    <p:sldId id="258" r:id="rId6"/>
-    <p:sldId id="259" r:id="rId7"/>
-    <p:sldId id="260" r:id="rId8"/>
-    <p:sldId id="261" r:id="rId9"/>
-    <p:sldId id="262" r:id="rId10"/>
-    <p:sldId id="263" r:id="rId11"/>
-    <p:sldId id="264" r:id="rId12"/>
-    <p:sldId id="265" r:id="rId13"/>
+    <p:sldId id="256" r:id="rId6"/>
+    <p:sldId id="257" r:id="rId7"/>
+    <p:sldId id="258" r:id="rId8"/>
+    <p:sldId id="259" r:id="rId9"/>
+    <p:sldId id="260" r:id="rId10"/>
+    <p:sldId id="261" r:id="rId11"/>
+    <p:sldId id="262" r:id="rId12"/>
+    <p:sldId id="263" r:id="rId13"/>
+    <p:sldId id="264" r:id="rId14"/>
+    <p:sldId id="265" r:id="rId15"/>
+    <p:sldId id="266" r:id="rId16"/>
+    <p:sldId id="267" r:id="rId17"/>
   </p:sldIdLst>
   <p:sldSz cx="10080625" cy="7559675"/>
-  <p:notesSz cx="7559675" cy="10691812"/>
+  <p:notesSz cx="7772400" cy="10058400"/>
 </p:presentation>
 </file>
 
@@ -63,7 +67,7 @@
       </p:grpSpPr>
       <p:sp>
         <p:nvSpPr>
-          <p:cNvPr id="27" name="PlaceHolder 1"/>
+          <p:cNvPr id="24" name="PlaceHolder 1"/>
           <p:cNvSpPr>
             <a:spLocks noGrp="1"/>
           </p:cNvSpPr>
@@ -74,7 +78,7 @@
         <p:spPr>
           <a:xfrm>
             <a:off x="720000" y="300960"/>
-            <a:ext cx="8855640" cy="1262520"/>
+            <a:ext cx="8855280" cy="1262160"/>
           </a:xfrm>
           <a:prstGeom prst="rect">
             <a:avLst/>
@@ -83,18 +87,16 @@
         <p:txBody>
           <a:bodyPr lIns="0" rIns="0" tIns="0" bIns="0" anchor="ctr"/>
           <a:p>
-            <a:endParaRPr b="1" lang="en-GB" sz="4400" spc="-1" strike="noStrike">
-              <a:solidFill>
-                <a:srgbClr val="333333"/>
-              </a:solidFill>
-              <a:latin typeface="Noto Sans Regular"/>
-            </a:endParaRPr>
-          </a:p>
-        </p:txBody>
-      </p:sp>
-      <p:sp>
-        <p:nvSpPr>
-          <p:cNvPr id="28" name="PlaceHolder 2"/>
+            <a:pPr algn="ctr"/>
+            <a:endParaRPr b="0" lang="en-GB" sz="4400" spc="-1" strike="noStrike">
+              <a:latin typeface="Arial"/>
+            </a:endParaRPr>
+          </a:p>
+        </p:txBody>
+      </p:sp>
+      <p:sp>
+        <p:nvSpPr>
+          <p:cNvPr id="25" name="PlaceHolder 2"/>
           <p:cNvSpPr>
             <a:spLocks noGrp="1"/>
           </p:cNvSpPr>
@@ -105,27 +107,26 @@
         <p:spPr>
           <a:xfrm>
             <a:off x="720000" y="2160000"/>
-            <a:ext cx="8640000" cy="2091240"/>
-          </a:xfrm>
-          <a:prstGeom prst="rect">
-            <a:avLst/>
-          </a:prstGeom>
-        </p:spPr>
-        <p:txBody>
-          <a:bodyPr lIns="0" rIns="0" tIns="0" bIns="0"/>
-          <a:p>
-            <a:endParaRPr b="0" lang="en-GB" sz="2800" spc="-1" strike="noStrike">
-              <a:solidFill>
-                <a:srgbClr val="333333"/>
-              </a:solidFill>
-              <a:latin typeface="Noto Sans Regular"/>
-            </a:endParaRPr>
-          </a:p>
-        </p:txBody>
-      </p:sp>
-      <p:sp>
-        <p:nvSpPr>
-          <p:cNvPr id="29" name="PlaceHolder 3"/>
+            <a:ext cx="8639640" cy="2091240"/>
+          </a:xfrm>
+          <a:prstGeom prst="rect">
+            <a:avLst/>
+          </a:prstGeom>
+        </p:spPr>
+        <p:txBody>
+          <a:bodyPr lIns="0" rIns="0" tIns="0" bIns="0">
+            <a:normAutofit/>
+          </a:bodyPr>
+          <a:p>
+            <a:endParaRPr b="0" lang="en-GB" sz="3200" spc="-1" strike="noStrike">
+              <a:latin typeface="Arial"/>
+            </a:endParaRPr>
+          </a:p>
+        </p:txBody>
+      </p:sp>
+      <p:sp>
+        <p:nvSpPr>
+          <p:cNvPr id="26" name="PlaceHolder 3"/>
           <p:cNvSpPr>
             <a:spLocks noGrp="1"/>
           </p:cNvSpPr>
@@ -136,20 +137,19 @@
         <p:spPr>
           <a:xfrm>
             <a:off x="720000" y="4450320"/>
-            <a:ext cx="8640000" cy="2091240"/>
-          </a:xfrm>
-          <a:prstGeom prst="rect">
-            <a:avLst/>
-          </a:prstGeom>
-        </p:spPr>
-        <p:txBody>
-          <a:bodyPr lIns="0" rIns="0" tIns="0" bIns="0"/>
-          <a:p>
-            <a:endParaRPr b="0" lang="en-GB" sz="2800" spc="-1" strike="noStrike">
-              <a:solidFill>
-                <a:srgbClr val="333333"/>
-              </a:solidFill>
-              <a:latin typeface="Noto Sans Regular"/>
+            <a:ext cx="8639640" cy="2091240"/>
+          </a:xfrm>
+          <a:prstGeom prst="rect">
+            <a:avLst/>
+          </a:prstGeom>
+        </p:spPr>
+        <p:txBody>
+          <a:bodyPr lIns="0" rIns="0" tIns="0" bIns="0">
+            <a:normAutofit/>
+          </a:bodyPr>
+          <a:p>
+            <a:endParaRPr b="0" lang="en-GB" sz="3200" spc="-1" strike="noStrike">
+              <a:latin typeface="Arial"/>
             </a:endParaRPr>
           </a:p>
         </p:txBody>
@@ -178,7 +178,7 @@
       </p:grpSpPr>
       <p:sp>
         <p:nvSpPr>
-          <p:cNvPr id="30" name="PlaceHolder 1"/>
+          <p:cNvPr id="27" name="PlaceHolder 1"/>
           <p:cNvSpPr>
             <a:spLocks noGrp="1"/>
           </p:cNvSpPr>
@@ -189,7 +189,7 @@
         <p:spPr>
           <a:xfrm>
             <a:off x="720000" y="300960"/>
-            <a:ext cx="8855640" cy="1262520"/>
+            <a:ext cx="8855280" cy="1262160"/>
           </a:xfrm>
           <a:prstGeom prst="rect">
             <a:avLst/>
@@ -198,18 +198,16 @@
         <p:txBody>
           <a:bodyPr lIns="0" rIns="0" tIns="0" bIns="0" anchor="ctr"/>
           <a:p>
-            <a:endParaRPr b="1" lang="en-GB" sz="4400" spc="-1" strike="noStrike">
-              <a:solidFill>
-                <a:srgbClr val="333333"/>
-              </a:solidFill>
-              <a:latin typeface="Noto Sans Regular"/>
-            </a:endParaRPr>
-          </a:p>
-        </p:txBody>
-      </p:sp>
-      <p:sp>
-        <p:nvSpPr>
-          <p:cNvPr id="31" name="PlaceHolder 2"/>
+            <a:pPr algn="ctr"/>
+            <a:endParaRPr b="0" lang="en-GB" sz="4400" spc="-1" strike="noStrike">
+              <a:latin typeface="Arial"/>
+            </a:endParaRPr>
+          </a:p>
+        </p:txBody>
+      </p:sp>
+      <p:sp>
+        <p:nvSpPr>
+          <p:cNvPr id="28" name="PlaceHolder 2"/>
           <p:cNvSpPr>
             <a:spLocks noGrp="1"/>
           </p:cNvSpPr>
@@ -227,20 +225,19 @@
           </a:prstGeom>
         </p:spPr>
         <p:txBody>
-          <a:bodyPr lIns="0" rIns="0" tIns="0" bIns="0"/>
-          <a:p>
-            <a:endParaRPr b="0" lang="en-GB" sz="2800" spc="-1" strike="noStrike">
-              <a:solidFill>
-                <a:srgbClr val="333333"/>
-              </a:solidFill>
-              <a:latin typeface="Noto Sans Regular"/>
-            </a:endParaRPr>
-          </a:p>
-        </p:txBody>
-      </p:sp>
-      <p:sp>
-        <p:nvSpPr>
-          <p:cNvPr id="32" name="PlaceHolder 3"/>
+          <a:bodyPr lIns="0" rIns="0" tIns="0" bIns="0">
+            <a:normAutofit/>
+          </a:bodyPr>
+          <a:p>
+            <a:endParaRPr b="0" lang="en-GB" sz="3200" spc="-1" strike="noStrike">
+              <a:latin typeface="Arial"/>
+            </a:endParaRPr>
+          </a:p>
+        </p:txBody>
+      </p:sp>
+      <p:sp>
+        <p:nvSpPr>
+          <p:cNvPr id="29" name="PlaceHolder 3"/>
           <p:cNvSpPr>
             <a:spLocks noGrp="1"/>
           </p:cNvSpPr>
@@ -258,20 +255,19 @@
           </a:prstGeom>
         </p:spPr>
         <p:txBody>
-          <a:bodyPr lIns="0" rIns="0" tIns="0" bIns="0"/>
-          <a:p>
-            <a:endParaRPr b="0" lang="en-GB" sz="2800" spc="-1" strike="noStrike">
-              <a:solidFill>
-                <a:srgbClr val="333333"/>
-              </a:solidFill>
-              <a:latin typeface="Noto Sans Regular"/>
-            </a:endParaRPr>
-          </a:p>
-        </p:txBody>
-      </p:sp>
-      <p:sp>
-        <p:nvSpPr>
-          <p:cNvPr id="33" name="PlaceHolder 4"/>
+          <a:bodyPr lIns="0" rIns="0" tIns="0" bIns="0">
+            <a:normAutofit/>
+          </a:bodyPr>
+          <a:p>
+            <a:endParaRPr b="0" lang="en-GB" sz="3200" spc="-1" strike="noStrike">
+              <a:latin typeface="Arial"/>
+            </a:endParaRPr>
+          </a:p>
+        </p:txBody>
+      </p:sp>
+      <p:sp>
+        <p:nvSpPr>
+          <p:cNvPr id="30" name="PlaceHolder 4"/>
           <p:cNvSpPr>
             <a:spLocks noGrp="1"/>
           </p:cNvSpPr>
@@ -289,20 +285,19 @@
           </a:prstGeom>
         </p:spPr>
         <p:txBody>
-          <a:bodyPr lIns="0" rIns="0" tIns="0" bIns="0"/>
-          <a:p>
-            <a:endParaRPr b="0" lang="en-GB" sz="2800" spc="-1" strike="noStrike">
-              <a:solidFill>
-                <a:srgbClr val="333333"/>
-              </a:solidFill>
-              <a:latin typeface="Noto Sans Regular"/>
-            </a:endParaRPr>
-          </a:p>
-        </p:txBody>
-      </p:sp>
-      <p:sp>
-        <p:nvSpPr>
-          <p:cNvPr id="34" name="PlaceHolder 5"/>
+          <a:bodyPr lIns="0" rIns="0" tIns="0" bIns="0">
+            <a:normAutofit/>
+          </a:bodyPr>
+          <a:p>
+            <a:endParaRPr b="0" lang="en-GB" sz="3200" spc="-1" strike="noStrike">
+              <a:latin typeface="Arial"/>
+            </a:endParaRPr>
+          </a:p>
+        </p:txBody>
+      </p:sp>
+      <p:sp>
+        <p:nvSpPr>
+          <p:cNvPr id="31" name="PlaceHolder 5"/>
           <p:cNvSpPr>
             <a:spLocks noGrp="1"/>
           </p:cNvSpPr>
@@ -320,13 +315,12 @@
           </a:prstGeom>
         </p:spPr>
         <p:txBody>
-          <a:bodyPr lIns="0" rIns="0" tIns="0" bIns="0"/>
-          <a:p>
-            <a:endParaRPr b="0" lang="en-GB" sz="2800" spc="-1" strike="noStrike">
-              <a:solidFill>
-                <a:srgbClr val="333333"/>
-              </a:solidFill>
-              <a:latin typeface="Noto Sans Regular"/>
+          <a:bodyPr lIns="0" rIns="0" tIns="0" bIns="0">
+            <a:normAutofit/>
+          </a:bodyPr>
+          <a:p>
+            <a:endParaRPr b="0" lang="en-GB" sz="3200" spc="-1" strike="noStrike">
+              <a:latin typeface="Arial"/>
             </a:endParaRPr>
           </a:p>
         </p:txBody>
@@ -355,7 +349,7 @@
       </p:grpSpPr>
       <p:sp>
         <p:nvSpPr>
-          <p:cNvPr id="35" name="PlaceHolder 1"/>
+          <p:cNvPr id="32" name="PlaceHolder 1"/>
           <p:cNvSpPr>
             <a:spLocks noGrp="1"/>
           </p:cNvSpPr>
@@ -366,7 +360,7 @@
         <p:spPr>
           <a:xfrm>
             <a:off x="720000" y="300960"/>
-            <a:ext cx="8855640" cy="1262520"/>
+            <a:ext cx="8855280" cy="1262160"/>
           </a:xfrm>
           <a:prstGeom prst="rect">
             <a:avLst/>
@@ -375,18 +369,16 @@
         <p:txBody>
           <a:bodyPr lIns="0" rIns="0" tIns="0" bIns="0" anchor="ctr"/>
           <a:p>
-            <a:endParaRPr b="1" lang="en-GB" sz="4400" spc="-1" strike="noStrike">
-              <a:solidFill>
-                <a:srgbClr val="333333"/>
-              </a:solidFill>
-              <a:latin typeface="Noto Sans Regular"/>
-            </a:endParaRPr>
-          </a:p>
-        </p:txBody>
-      </p:sp>
-      <p:sp>
-        <p:nvSpPr>
-          <p:cNvPr id="36" name="PlaceHolder 2"/>
+            <a:pPr algn="ctr"/>
+            <a:endParaRPr b="0" lang="en-GB" sz="4400" spc="-1" strike="noStrike">
+              <a:latin typeface="Arial"/>
+            </a:endParaRPr>
+          </a:p>
+        </p:txBody>
+      </p:sp>
+      <p:sp>
+        <p:nvSpPr>
+          <p:cNvPr id="33" name="PlaceHolder 2"/>
           <p:cNvSpPr>
             <a:spLocks noGrp="1"/>
           </p:cNvSpPr>
@@ -404,20 +396,19 @@
           </a:prstGeom>
         </p:spPr>
         <p:txBody>
-          <a:bodyPr lIns="0" rIns="0" tIns="0" bIns="0"/>
-          <a:p>
-            <a:endParaRPr b="0" lang="en-GB" sz="2800" spc="-1" strike="noStrike">
-              <a:solidFill>
-                <a:srgbClr val="333333"/>
-              </a:solidFill>
-              <a:latin typeface="Noto Sans Regular"/>
-            </a:endParaRPr>
-          </a:p>
-        </p:txBody>
-      </p:sp>
-      <p:sp>
-        <p:nvSpPr>
-          <p:cNvPr id="37" name="PlaceHolder 3"/>
+          <a:bodyPr lIns="0" rIns="0" tIns="0" bIns="0">
+            <a:normAutofit/>
+          </a:bodyPr>
+          <a:p>
+            <a:endParaRPr b="0" lang="en-GB" sz="3200" spc="-1" strike="noStrike">
+              <a:latin typeface="Arial"/>
+            </a:endParaRPr>
+          </a:p>
+        </p:txBody>
+      </p:sp>
+      <p:sp>
+        <p:nvSpPr>
+          <p:cNvPr id="34" name="PlaceHolder 3"/>
           <p:cNvSpPr>
             <a:spLocks noGrp="1"/>
           </p:cNvSpPr>
@@ -435,20 +426,19 @@
           </a:prstGeom>
         </p:spPr>
         <p:txBody>
-          <a:bodyPr lIns="0" rIns="0" tIns="0" bIns="0"/>
-          <a:p>
-            <a:endParaRPr b="0" lang="en-GB" sz="2800" spc="-1" strike="noStrike">
-              <a:solidFill>
-                <a:srgbClr val="333333"/>
-              </a:solidFill>
-              <a:latin typeface="Noto Sans Regular"/>
-            </a:endParaRPr>
-          </a:p>
-        </p:txBody>
-      </p:sp>
-      <p:sp>
-        <p:nvSpPr>
-          <p:cNvPr id="38" name="PlaceHolder 4"/>
+          <a:bodyPr lIns="0" rIns="0" tIns="0" bIns="0">
+            <a:normAutofit/>
+          </a:bodyPr>
+          <a:p>
+            <a:endParaRPr b="0" lang="en-GB" sz="3200" spc="-1" strike="noStrike">
+              <a:latin typeface="Arial"/>
+            </a:endParaRPr>
+          </a:p>
+        </p:txBody>
+      </p:sp>
+      <p:sp>
+        <p:nvSpPr>
+          <p:cNvPr id="35" name="PlaceHolder 4"/>
           <p:cNvSpPr>
             <a:spLocks noGrp="1"/>
           </p:cNvSpPr>
@@ -466,20 +456,19 @@
           </a:prstGeom>
         </p:spPr>
         <p:txBody>
-          <a:bodyPr lIns="0" rIns="0" tIns="0" bIns="0"/>
-          <a:p>
-            <a:endParaRPr b="0" lang="en-GB" sz="2800" spc="-1" strike="noStrike">
-              <a:solidFill>
-                <a:srgbClr val="333333"/>
-              </a:solidFill>
-              <a:latin typeface="Noto Sans Regular"/>
-            </a:endParaRPr>
-          </a:p>
-        </p:txBody>
-      </p:sp>
-      <p:sp>
-        <p:nvSpPr>
-          <p:cNvPr id="39" name="PlaceHolder 5"/>
+          <a:bodyPr lIns="0" rIns="0" tIns="0" bIns="0">
+            <a:normAutofit/>
+          </a:bodyPr>
+          <a:p>
+            <a:endParaRPr b="0" lang="en-GB" sz="3200" spc="-1" strike="noStrike">
+              <a:latin typeface="Arial"/>
+            </a:endParaRPr>
+          </a:p>
+        </p:txBody>
+      </p:sp>
+      <p:sp>
+        <p:nvSpPr>
+          <p:cNvPr id="36" name="PlaceHolder 5"/>
           <p:cNvSpPr>
             <a:spLocks noGrp="1"/>
           </p:cNvSpPr>
@@ -497,20 +486,19 @@
           </a:prstGeom>
         </p:spPr>
         <p:txBody>
-          <a:bodyPr lIns="0" rIns="0" tIns="0" bIns="0"/>
-          <a:p>
-            <a:endParaRPr b="0" lang="en-GB" sz="2800" spc="-1" strike="noStrike">
-              <a:solidFill>
-                <a:srgbClr val="333333"/>
-              </a:solidFill>
-              <a:latin typeface="Noto Sans Regular"/>
-            </a:endParaRPr>
-          </a:p>
-        </p:txBody>
-      </p:sp>
-      <p:sp>
-        <p:nvSpPr>
-          <p:cNvPr id="40" name="PlaceHolder 6"/>
+          <a:bodyPr lIns="0" rIns="0" tIns="0" bIns="0">
+            <a:normAutofit/>
+          </a:bodyPr>
+          <a:p>
+            <a:endParaRPr b="0" lang="en-GB" sz="3200" spc="-1" strike="noStrike">
+              <a:latin typeface="Arial"/>
+            </a:endParaRPr>
+          </a:p>
+        </p:txBody>
+      </p:sp>
+      <p:sp>
+        <p:nvSpPr>
+          <p:cNvPr id="37" name="PlaceHolder 6"/>
           <p:cNvSpPr>
             <a:spLocks noGrp="1"/>
           </p:cNvSpPr>
@@ -528,20 +516,19 @@
           </a:prstGeom>
         </p:spPr>
         <p:txBody>
-          <a:bodyPr lIns="0" rIns="0" tIns="0" bIns="0"/>
-          <a:p>
-            <a:endParaRPr b="0" lang="en-GB" sz="2800" spc="-1" strike="noStrike">
-              <a:solidFill>
-                <a:srgbClr val="333333"/>
-              </a:solidFill>
-              <a:latin typeface="Noto Sans Regular"/>
-            </a:endParaRPr>
-          </a:p>
-        </p:txBody>
-      </p:sp>
-      <p:sp>
-        <p:nvSpPr>
-          <p:cNvPr id="41" name="PlaceHolder 7"/>
+          <a:bodyPr lIns="0" rIns="0" tIns="0" bIns="0">
+            <a:normAutofit/>
+          </a:bodyPr>
+          <a:p>
+            <a:endParaRPr b="0" lang="en-GB" sz="3200" spc="-1" strike="noStrike">
+              <a:latin typeface="Arial"/>
+            </a:endParaRPr>
+          </a:p>
+        </p:txBody>
+      </p:sp>
+      <p:sp>
+        <p:nvSpPr>
+          <p:cNvPr id="38" name="PlaceHolder 7"/>
           <p:cNvSpPr>
             <a:spLocks noGrp="1"/>
           </p:cNvSpPr>
@@ -559,13 +546,12 @@
           </a:prstGeom>
         </p:spPr>
         <p:txBody>
-          <a:bodyPr lIns="0" rIns="0" tIns="0" bIns="0"/>
-          <a:p>
-            <a:endParaRPr b="0" lang="en-GB" sz="2800" spc="-1" strike="noStrike">
-              <a:solidFill>
-                <a:srgbClr val="333333"/>
-              </a:solidFill>
-              <a:latin typeface="Noto Sans Regular"/>
+          <a:bodyPr lIns="0" rIns="0" tIns="0" bIns="0">
+            <a:normAutofit/>
+          </a:bodyPr>
+          <a:p>
+            <a:endParaRPr b="0" lang="en-GB" sz="3200" spc="-1" strike="noStrike">
+              <a:latin typeface="Arial"/>
             </a:endParaRPr>
           </a:p>
         </p:txBody>
@@ -616,7 +602,7 @@
       </p:grpSpPr>
       <p:sp>
         <p:nvSpPr>
-          <p:cNvPr id="48" name="PlaceHolder 1"/>
+          <p:cNvPr id="42" name="PlaceHolder 1"/>
           <p:cNvSpPr>
             <a:spLocks noGrp="1"/>
           </p:cNvSpPr>
@@ -627,7 +613,7 @@
         <p:spPr>
           <a:xfrm>
             <a:off x="720000" y="300960"/>
-            <a:ext cx="8855640" cy="1262520"/>
+            <a:ext cx="8855280" cy="1262160"/>
           </a:xfrm>
           <a:prstGeom prst="rect">
             <a:avLst/>
@@ -636,18 +622,16 @@
         <p:txBody>
           <a:bodyPr lIns="0" rIns="0" tIns="0" bIns="0" anchor="ctr"/>
           <a:p>
-            <a:endParaRPr b="1" lang="en-GB" sz="4400" spc="-1" strike="noStrike">
-              <a:solidFill>
-                <a:srgbClr val="333333"/>
-              </a:solidFill>
-              <a:latin typeface="Noto Sans Regular"/>
-            </a:endParaRPr>
-          </a:p>
-        </p:txBody>
-      </p:sp>
-      <p:sp>
-        <p:nvSpPr>
-          <p:cNvPr id="49" name="PlaceHolder 2"/>
+            <a:pPr algn="ctr"/>
+            <a:endParaRPr b="0" lang="en-GB" sz="4400" spc="-1" strike="noStrike">
+              <a:latin typeface="Arial"/>
+            </a:endParaRPr>
+          </a:p>
+        </p:txBody>
+      </p:sp>
+      <p:sp>
+        <p:nvSpPr>
+          <p:cNvPr id="43" name="PlaceHolder 2"/>
           <p:cNvSpPr>
             <a:spLocks noGrp="1"/>
           </p:cNvSpPr>
@@ -658,7 +642,7 @@
         <p:spPr>
           <a:xfrm>
             <a:off x="720000" y="2160000"/>
-            <a:ext cx="8640000" cy="4384800"/>
+            <a:ext cx="8639640" cy="4384440"/>
           </a:xfrm>
           <a:prstGeom prst="rect">
             <a:avLst/>
@@ -698,7 +682,7 @@
       </p:grpSpPr>
       <p:sp>
         <p:nvSpPr>
-          <p:cNvPr id="50" name="PlaceHolder 1"/>
+          <p:cNvPr id="44" name="PlaceHolder 1"/>
           <p:cNvSpPr>
             <a:spLocks noGrp="1"/>
           </p:cNvSpPr>
@@ -709,7 +693,7 @@
         <p:spPr>
           <a:xfrm>
             <a:off x="720000" y="300960"/>
-            <a:ext cx="8855640" cy="1262520"/>
+            <a:ext cx="8855280" cy="1262160"/>
           </a:xfrm>
           <a:prstGeom prst="rect">
             <a:avLst/>
@@ -718,18 +702,16 @@
         <p:txBody>
           <a:bodyPr lIns="0" rIns="0" tIns="0" bIns="0" anchor="ctr"/>
           <a:p>
-            <a:endParaRPr b="1" lang="en-GB" sz="4400" spc="-1" strike="noStrike">
-              <a:solidFill>
-                <a:srgbClr val="333333"/>
-              </a:solidFill>
-              <a:latin typeface="Noto Sans Regular"/>
-            </a:endParaRPr>
-          </a:p>
-        </p:txBody>
-      </p:sp>
-      <p:sp>
-        <p:nvSpPr>
-          <p:cNvPr id="51" name="PlaceHolder 2"/>
+            <a:pPr algn="ctr"/>
+            <a:endParaRPr b="0" lang="en-GB" sz="4400" spc="-1" strike="noStrike">
+              <a:latin typeface="Arial"/>
+            </a:endParaRPr>
+          </a:p>
+        </p:txBody>
+      </p:sp>
+      <p:sp>
+        <p:nvSpPr>
+          <p:cNvPr id="45" name="PlaceHolder 2"/>
           <p:cNvSpPr>
             <a:spLocks noGrp="1"/>
           </p:cNvSpPr>
@@ -740,20 +722,19 @@
         <p:spPr>
           <a:xfrm>
             <a:off x="720000" y="2160000"/>
-            <a:ext cx="8640000" cy="4384800"/>
-          </a:xfrm>
-          <a:prstGeom prst="rect">
-            <a:avLst/>
-          </a:prstGeom>
-        </p:spPr>
-        <p:txBody>
-          <a:bodyPr lIns="0" rIns="0" tIns="0" bIns="0"/>
-          <a:p>
-            <a:endParaRPr b="0" lang="en-GB" sz="2800" spc="-1" strike="noStrike">
-              <a:solidFill>
-                <a:srgbClr val="333333"/>
-              </a:solidFill>
-              <a:latin typeface="Noto Sans Regular"/>
+            <a:ext cx="8639640" cy="4384440"/>
+          </a:xfrm>
+          <a:prstGeom prst="rect">
+            <a:avLst/>
+          </a:prstGeom>
+        </p:spPr>
+        <p:txBody>
+          <a:bodyPr lIns="0" rIns="0" tIns="0" bIns="0">
+            <a:normAutofit/>
+          </a:bodyPr>
+          <a:p>
+            <a:endParaRPr b="0" lang="en-GB" sz="3200" spc="-1" strike="noStrike">
+              <a:latin typeface="Arial"/>
             </a:endParaRPr>
           </a:p>
         </p:txBody>
@@ -782,7 +763,7 @@
       </p:grpSpPr>
       <p:sp>
         <p:nvSpPr>
-          <p:cNvPr id="52" name="PlaceHolder 1"/>
+          <p:cNvPr id="46" name="PlaceHolder 1"/>
           <p:cNvSpPr>
             <a:spLocks noGrp="1"/>
           </p:cNvSpPr>
@@ -793,7 +774,7 @@
         <p:spPr>
           <a:xfrm>
             <a:off x="720000" y="300960"/>
-            <a:ext cx="8855640" cy="1262520"/>
+            <a:ext cx="8855280" cy="1262160"/>
           </a:xfrm>
           <a:prstGeom prst="rect">
             <a:avLst/>
@@ -802,18 +783,16 @@
         <p:txBody>
           <a:bodyPr lIns="0" rIns="0" tIns="0" bIns="0" anchor="ctr"/>
           <a:p>
-            <a:endParaRPr b="1" lang="en-GB" sz="4400" spc="-1" strike="noStrike">
-              <a:solidFill>
-                <a:srgbClr val="333333"/>
-              </a:solidFill>
-              <a:latin typeface="Noto Sans Regular"/>
-            </a:endParaRPr>
-          </a:p>
-        </p:txBody>
-      </p:sp>
-      <p:sp>
-        <p:nvSpPr>
-          <p:cNvPr id="53" name="PlaceHolder 2"/>
+            <a:pPr algn="ctr"/>
+            <a:endParaRPr b="0" lang="en-GB" sz="4400" spc="-1" strike="noStrike">
+              <a:latin typeface="Arial"/>
+            </a:endParaRPr>
+          </a:p>
+        </p:txBody>
+      </p:sp>
+      <p:sp>
+        <p:nvSpPr>
+          <p:cNvPr id="47" name="PlaceHolder 2"/>
           <p:cNvSpPr>
             <a:spLocks noGrp="1"/>
           </p:cNvSpPr>
@@ -824,27 +803,26 @@
         <p:spPr>
           <a:xfrm>
             <a:off x="720000" y="2160000"/>
-            <a:ext cx="4215960" cy="4384800"/>
-          </a:xfrm>
-          <a:prstGeom prst="rect">
-            <a:avLst/>
-          </a:prstGeom>
-        </p:spPr>
-        <p:txBody>
-          <a:bodyPr lIns="0" rIns="0" tIns="0" bIns="0"/>
-          <a:p>
-            <a:endParaRPr b="0" lang="en-GB" sz="2800" spc="-1" strike="noStrike">
-              <a:solidFill>
-                <a:srgbClr val="333333"/>
-              </a:solidFill>
-              <a:latin typeface="Noto Sans Regular"/>
-            </a:endParaRPr>
-          </a:p>
-        </p:txBody>
-      </p:sp>
-      <p:sp>
-        <p:nvSpPr>
-          <p:cNvPr id="54" name="PlaceHolder 3"/>
+            <a:ext cx="4215960" cy="4384440"/>
+          </a:xfrm>
+          <a:prstGeom prst="rect">
+            <a:avLst/>
+          </a:prstGeom>
+        </p:spPr>
+        <p:txBody>
+          <a:bodyPr lIns="0" rIns="0" tIns="0" bIns="0">
+            <a:normAutofit/>
+          </a:bodyPr>
+          <a:p>
+            <a:endParaRPr b="0" lang="en-GB" sz="3200" spc="-1" strike="noStrike">
+              <a:latin typeface="Arial"/>
+            </a:endParaRPr>
+          </a:p>
+        </p:txBody>
+      </p:sp>
+      <p:sp>
+        <p:nvSpPr>
+          <p:cNvPr id="48" name="PlaceHolder 3"/>
           <p:cNvSpPr>
             <a:spLocks noGrp="1"/>
           </p:cNvSpPr>
@@ -855,20 +833,19 @@
         <p:spPr>
           <a:xfrm>
             <a:off x="5147280" y="2160000"/>
-            <a:ext cx="4215960" cy="4384800"/>
-          </a:xfrm>
-          <a:prstGeom prst="rect">
-            <a:avLst/>
-          </a:prstGeom>
-        </p:spPr>
-        <p:txBody>
-          <a:bodyPr lIns="0" rIns="0" tIns="0" bIns="0"/>
-          <a:p>
-            <a:endParaRPr b="0" lang="en-GB" sz="2800" spc="-1" strike="noStrike">
-              <a:solidFill>
-                <a:srgbClr val="333333"/>
-              </a:solidFill>
-              <a:latin typeface="Noto Sans Regular"/>
+            <a:ext cx="4215960" cy="4384440"/>
+          </a:xfrm>
+          <a:prstGeom prst="rect">
+            <a:avLst/>
+          </a:prstGeom>
+        </p:spPr>
+        <p:txBody>
+          <a:bodyPr lIns="0" rIns="0" tIns="0" bIns="0">
+            <a:normAutofit/>
+          </a:bodyPr>
+          <a:p>
+            <a:endParaRPr b="0" lang="en-GB" sz="3200" spc="-1" strike="noStrike">
+              <a:latin typeface="Arial"/>
             </a:endParaRPr>
           </a:p>
         </p:txBody>
@@ -897,7 +874,7 @@
       </p:grpSpPr>
       <p:sp>
         <p:nvSpPr>
-          <p:cNvPr id="55" name="PlaceHolder 1"/>
+          <p:cNvPr id="49" name="PlaceHolder 1"/>
           <p:cNvSpPr>
             <a:spLocks noGrp="1"/>
           </p:cNvSpPr>
@@ -908,7 +885,7 @@
         <p:spPr>
           <a:xfrm>
             <a:off x="720000" y="300960"/>
-            <a:ext cx="8855640" cy="1262520"/>
+            <a:ext cx="8855280" cy="1262160"/>
           </a:xfrm>
           <a:prstGeom prst="rect">
             <a:avLst/>
@@ -917,11 +894,9 @@
         <p:txBody>
           <a:bodyPr lIns="0" rIns="0" tIns="0" bIns="0" anchor="ctr"/>
           <a:p>
-            <a:endParaRPr b="1" lang="en-GB" sz="4400" spc="-1" strike="noStrike">
-              <a:solidFill>
-                <a:srgbClr val="333333"/>
-              </a:solidFill>
-              <a:latin typeface="Noto Sans Regular"/>
+            <a:pPr algn="ctr"/>
+            <a:endParaRPr b="0" lang="en-GB" sz="4400" spc="-1" strike="noStrike">
+              <a:latin typeface="Arial"/>
             </a:endParaRPr>
           </a:p>
         </p:txBody>
@@ -950,7 +925,7 @@
       </p:grpSpPr>
       <p:sp>
         <p:nvSpPr>
-          <p:cNvPr id="56" name="PlaceHolder 1"/>
+          <p:cNvPr id="50" name="PlaceHolder 1"/>
           <p:cNvSpPr>
             <a:spLocks noGrp="1"/>
           </p:cNvSpPr>
@@ -961,7 +936,7 @@
         <p:spPr>
           <a:xfrm>
             <a:off x="720000" y="300960"/>
-            <a:ext cx="8855640" cy="5853600"/>
+            <a:ext cx="8855280" cy="5851800"/>
           </a:xfrm>
           <a:prstGeom prst="rect">
             <a:avLst/>
@@ -1001,7 +976,7 @@
       </p:grpSpPr>
       <p:sp>
         <p:nvSpPr>
-          <p:cNvPr id="57" name="PlaceHolder 1"/>
+          <p:cNvPr id="51" name="PlaceHolder 1"/>
           <p:cNvSpPr>
             <a:spLocks noGrp="1"/>
           </p:cNvSpPr>
@@ -1012,7 +987,7 @@
         <p:spPr>
           <a:xfrm>
             <a:off x="720000" y="300960"/>
-            <a:ext cx="8855640" cy="1262520"/>
+            <a:ext cx="8855280" cy="1262160"/>
           </a:xfrm>
           <a:prstGeom prst="rect">
             <a:avLst/>
@@ -1021,18 +996,16 @@
         <p:txBody>
           <a:bodyPr lIns="0" rIns="0" tIns="0" bIns="0" anchor="ctr"/>
           <a:p>
-            <a:endParaRPr b="1" lang="en-GB" sz="4400" spc="-1" strike="noStrike">
-              <a:solidFill>
-                <a:srgbClr val="333333"/>
-              </a:solidFill>
-              <a:latin typeface="Noto Sans Regular"/>
-            </a:endParaRPr>
-          </a:p>
-        </p:txBody>
-      </p:sp>
-      <p:sp>
-        <p:nvSpPr>
-          <p:cNvPr id="58" name="PlaceHolder 2"/>
+            <a:pPr algn="ctr"/>
+            <a:endParaRPr b="0" lang="en-GB" sz="4400" spc="-1" strike="noStrike">
+              <a:latin typeface="Arial"/>
+            </a:endParaRPr>
+          </a:p>
+        </p:txBody>
+      </p:sp>
+      <p:sp>
+        <p:nvSpPr>
+          <p:cNvPr id="52" name="PlaceHolder 2"/>
           <p:cNvSpPr>
             <a:spLocks noGrp="1"/>
           </p:cNvSpPr>
@@ -1050,20 +1023,19 @@
           </a:prstGeom>
         </p:spPr>
         <p:txBody>
-          <a:bodyPr lIns="0" rIns="0" tIns="0" bIns="0"/>
-          <a:p>
-            <a:endParaRPr b="0" lang="en-GB" sz="2800" spc="-1" strike="noStrike">
-              <a:solidFill>
-                <a:srgbClr val="333333"/>
-              </a:solidFill>
-              <a:latin typeface="Noto Sans Regular"/>
-            </a:endParaRPr>
-          </a:p>
-        </p:txBody>
-      </p:sp>
-      <p:sp>
-        <p:nvSpPr>
-          <p:cNvPr id="59" name="PlaceHolder 3"/>
+          <a:bodyPr lIns="0" rIns="0" tIns="0" bIns="0">
+            <a:normAutofit/>
+          </a:bodyPr>
+          <a:p>
+            <a:endParaRPr b="0" lang="en-GB" sz="3200" spc="-1" strike="noStrike">
+              <a:latin typeface="Arial"/>
+            </a:endParaRPr>
+          </a:p>
+        </p:txBody>
+      </p:sp>
+      <p:sp>
+        <p:nvSpPr>
+          <p:cNvPr id="53" name="PlaceHolder 3"/>
           <p:cNvSpPr>
             <a:spLocks noGrp="1"/>
           </p:cNvSpPr>
@@ -1074,27 +1046,26 @@
         <p:spPr>
           <a:xfrm>
             <a:off x="5147280" y="2160000"/>
-            <a:ext cx="4215960" cy="4384800"/>
-          </a:xfrm>
-          <a:prstGeom prst="rect">
-            <a:avLst/>
-          </a:prstGeom>
-        </p:spPr>
-        <p:txBody>
-          <a:bodyPr lIns="0" rIns="0" tIns="0" bIns="0"/>
-          <a:p>
-            <a:endParaRPr b="0" lang="en-GB" sz="2800" spc="-1" strike="noStrike">
-              <a:solidFill>
-                <a:srgbClr val="333333"/>
-              </a:solidFill>
-              <a:latin typeface="Noto Sans Regular"/>
-            </a:endParaRPr>
-          </a:p>
-        </p:txBody>
-      </p:sp>
-      <p:sp>
-        <p:nvSpPr>
-          <p:cNvPr id="60" name="PlaceHolder 4"/>
+            <a:ext cx="4215960" cy="4384440"/>
+          </a:xfrm>
+          <a:prstGeom prst="rect">
+            <a:avLst/>
+          </a:prstGeom>
+        </p:spPr>
+        <p:txBody>
+          <a:bodyPr lIns="0" rIns="0" tIns="0" bIns="0">
+            <a:normAutofit/>
+          </a:bodyPr>
+          <a:p>
+            <a:endParaRPr b="0" lang="en-GB" sz="3200" spc="-1" strike="noStrike">
+              <a:latin typeface="Arial"/>
+            </a:endParaRPr>
+          </a:p>
+        </p:txBody>
+      </p:sp>
+      <p:sp>
+        <p:nvSpPr>
+          <p:cNvPr id="54" name="PlaceHolder 4"/>
           <p:cNvSpPr>
             <a:spLocks noGrp="1"/>
           </p:cNvSpPr>
@@ -1112,13 +1083,12 @@
           </a:prstGeom>
         </p:spPr>
         <p:txBody>
-          <a:bodyPr lIns="0" rIns="0" tIns="0" bIns="0"/>
-          <a:p>
-            <a:endParaRPr b="0" lang="en-GB" sz="2800" spc="-1" strike="noStrike">
-              <a:solidFill>
-                <a:srgbClr val="333333"/>
-              </a:solidFill>
-              <a:latin typeface="Noto Sans Regular"/>
+          <a:bodyPr lIns="0" rIns="0" tIns="0" bIns="0">
+            <a:normAutofit/>
+          </a:bodyPr>
+          <a:p>
+            <a:endParaRPr b="0" lang="en-GB" sz="3200" spc="-1" strike="noStrike">
+              <a:latin typeface="Arial"/>
             </a:endParaRPr>
           </a:p>
         </p:txBody>
@@ -1147,7 +1117,7 @@
       </p:grpSpPr>
       <p:sp>
         <p:nvSpPr>
-          <p:cNvPr id="6" name="PlaceHolder 1"/>
+          <p:cNvPr id="3" name="PlaceHolder 1"/>
           <p:cNvSpPr>
             <a:spLocks noGrp="1"/>
           </p:cNvSpPr>
@@ -1158,7 +1128,7 @@
         <p:spPr>
           <a:xfrm>
             <a:off x="720000" y="300960"/>
-            <a:ext cx="8855640" cy="1262520"/>
+            <a:ext cx="8855280" cy="1262160"/>
           </a:xfrm>
           <a:prstGeom prst="rect">
             <a:avLst/>
@@ -1167,18 +1137,16 @@
         <p:txBody>
           <a:bodyPr lIns="0" rIns="0" tIns="0" bIns="0" anchor="ctr"/>
           <a:p>
-            <a:endParaRPr b="1" lang="en-GB" sz="4400" spc="-1" strike="noStrike">
-              <a:solidFill>
-                <a:srgbClr val="333333"/>
-              </a:solidFill>
-              <a:latin typeface="Noto Sans Regular"/>
-            </a:endParaRPr>
-          </a:p>
-        </p:txBody>
-      </p:sp>
-      <p:sp>
-        <p:nvSpPr>
-          <p:cNvPr id="7" name="PlaceHolder 2"/>
+            <a:pPr algn="ctr"/>
+            <a:endParaRPr b="0" lang="en-GB" sz="4400" spc="-1" strike="noStrike">
+              <a:latin typeface="Arial"/>
+            </a:endParaRPr>
+          </a:p>
+        </p:txBody>
+      </p:sp>
+      <p:sp>
+        <p:nvSpPr>
+          <p:cNvPr id="4" name="PlaceHolder 2"/>
           <p:cNvSpPr>
             <a:spLocks noGrp="1"/>
           </p:cNvSpPr>
@@ -1189,7 +1157,7 @@
         <p:spPr>
           <a:xfrm>
             <a:off x="720000" y="2160000"/>
-            <a:ext cx="8640000" cy="4384800"/>
+            <a:ext cx="8639640" cy="4384440"/>
           </a:xfrm>
           <a:prstGeom prst="rect">
             <a:avLst/>
@@ -1229,7 +1197,7 @@
       </p:grpSpPr>
       <p:sp>
         <p:nvSpPr>
-          <p:cNvPr id="61" name="PlaceHolder 1"/>
+          <p:cNvPr id="55" name="PlaceHolder 1"/>
           <p:cNvSpPr>
             <a:spLocks noGrp="1"/>
           </p:cNvSpPr>
@@ -1240,7 +1208,7 @@
         <p:spPr>
           <a:xfrm>
             <a:off x="720000" y="300960"/>
-            <a:ext cx="8855640" cy="1262520"/>
+            <a:ext cx="8855280" cy="1262160"/>
           </a:xfrm>
           <a:prstGeom prst="rect">
             <a:avLst/>
@@ -1249,18 +1217,16 @@
         <p:txBody>
           <a:bodyPr lIns="0" rIns="0" tIns="0" bIns="0" anchor="ctr"/>
           <a:p>
-            <a:endParaRPr b="1" lang="en-GB" sz="4400" spc="-1" strike="noStrike">
-              <a:solidFill>
-                <a:srgbClr val="333333"/>
-              </a:solidFill>
-              <a:latin typeface="Noto Sans Regular"/>
-            </a:endParaRPr>
-          </a:p>
-        </p:txBody>
-      </p:sp>
-      <p:sp>
-        <p:nvSpPr>
-          <p:cNvPr id="62" name="PlaceHolder 2"/>
+            <a:pPr algn="ctr"/>
+            <a:endParaRPr b="0" lang="en-GB" sz="4400" spc="-1" strike="noStrike">
+              <a:latin typeface="Arial"/>
+            </a:endParaRPr>
+          </a:p>
+        </p:txBody>
+      </p:sp>
+      <p:sp>
+        <p:nvSpPr>
+          <p:cNvPr id="56" name="PlaceHolder 2"/>
           <p:cNvSpPr>
             <a:spLocks noGrp="1"/>
           </p:cNvSpPr>
@@ -1271,27 +1237,26 @@
         <p:spPr>
           <a:xfrm>
             <a:off x="720000" y="2160000"/>
-            <a:ext cx="4215960" cy="4384800"/>
-          </a:xfrm>
-          <a:prstGeom prst="rect">
-            <a:avLst/>
-          </a:prstGeom>
-        </p:spPr>
-        <p:txBody>
-          <a:bodyPr lIns="0" rIns="0" tIns="0" bIns="0"/>
-          <a:p>
-            <a:endParaRPr b="0" lang="en-GB" sz="2800" spc="-1" strike="noStrike">
-              <a:solidFill>
-                <a:srgbClr val="333333"/>
-              </a:solidFill>
-              <a:latin typeface="Noto Sans Regular"/>
-            </a:endParaRPr>
-          </a:p>
-        </p:txBody>
-      </p:sp>
-      <p:sp>
-        <p:nvSpPr>
-          <p:cNvPr id="63" name="PlaceHolder 3"/>
+            <a:ext cx="4215960" cy="4384440"/>
+          </a:xfrm>
+          <a:prstGeom prst="rect">
+            <a:avLst/>
+          </a:prstGeom>
+        </p:spPr>
+        <p:txBody>
+          <a:bodyPr lIns="0" rIns="0" tIns="0" bIns="0">
+            <a:normAutofit/>
+          </a:bodyPr>
+          <a:p>
+            <a:endParaRPr b="0" lang="en-GB" sz="3200" spc="-1" strike="noStrike">
+              <a:latin typeface="Arial"/>
+            </a:endParaRPr>
+          </a:p>
+        </p:txBody>
+      </p:sp>
+      <p:sp>
+        <p:nvSpPr>
+          <p:cNvPr id="57" name="PlaceHolder 3"/>
           <p:cNvSpPr>
             <a:spLocks noGrp="1"/>
           </p:cNvSpPr>
@@ -1309,20 +1274,19 @@
           </a:prstGeom>
         </p:spPr>
         <p:txBody>
-          <a:bodyPr lIns="0" rIns="0" tIns="0" bIns="0"/>
-          <a:p>
-            <a:endParaRPr b="0" lang="en-GB" sz="2800" spc="-1" strike="noStrike">
-              <a:solidFill>
-                <a:srgbClr val="333333"/>
-              </a:solidFill>
-              <a:latin typeface="Noto Sans Regular"/>
-            </a:endParaRPr>
-          </a:p>
-        </p:txBody>
-      </p:sp>
-      <p:sp>
-        <p:nvSpPr>
-          <p:cNvPr id="64" name="PlaceHolder 4"/>
+          <a:bodyPr lIns="0" rIns="0" tIns="0" bIns="0">
+            <a:normAutofit/>
+          </a:bodyPr>
+          <a:p>
+            <a:endParaRPr b="0" lang="en-GB" sz="3200" spc="-1" strike="noStrike">
+              <a:latin typeface="Arial"/>
+            </a:endParaRPr>
+          </a:p>
+        </p:txBody>
+      </p:sp>
+      <p:sp>
+        <p:nvSpPr>
+          <p:cNvPr id="58" name="PlaceHolder 4"/>
           <p:cNvSpPr>
             <a:spLocks noGrp="1"/>
           </p:cNvSpPr>
@@ -1340,13 +1304,12 @@
           </a:prstGeom>
         </p:spPr>
         <p:txBody>
-          <a:bodyPr lIns="0" rIns="0" tIns="0" bIns="0"/>
-          <a:p>
-            <a:endParaRPr b="0" lang="en-GB" sz="2800" spc="-1" strike="noStrike">
-              <a:solidFill>
-                <a:srgbClr val="333333"/>
-              </a:solidFill>
-              <a:latin typeface="Noto Sans Regular"/>
+          <a:bodyPr lIns="0" rIns="0" tIns="0" bIns="0">
+            <a:normAutofit/>
+          </a:bodyPr>
+          <a:p>
+            <a:endParaRPr b="0" lang="en-GB" sz="3200" spc="-1" strike="noStrike">
+              <a:latin typeface="Arial"/>
             </a:endParaRPr>
           </a:p>
         </p:txBody>
@@ -1375,7 +1338,7 @@
       </p:grpSpPr>
       <p:sp>
         <p:nvSpPr>
-          <p:cNvPr id="65" name="PlaceHolder 1"/>
+          <p:cNvPr id="59" name="PlaceHolder 1"/>
           <p:cNvSpPr>
             <a:spLocks noGrp="1"/>
           </p:cNvSpPr>
@@ -1386,7 +1349,7 @@
         <p:spPr>
           <a:xfrm>
             <a:off x="720000" y="300960"/>
-            <a:ext cx="8855640" cy="1262520"/>
+            <a:ext cx="8855280" cy="1262160"/>
           </a:xfrm>
           <a:prstGeom prst="rect">
             <a:avLst/>
@@ -1395,18 +1358,16 @@
         <p:txBody>
           <a:bodyPr lIns="0" rIns="0" tIns="0" bIns="0" anchor="ctr"/>
           <a:p>
-            <a:endParaRPr b="1" lang="en-GB" sz="4400" spc="-1" strike="noStrike">
-              <a:solidFill>
-                <a:srgbClr val="333333"/>
-              </a:solidFill>
-              <a:latin typeface="Noto Sans Regular"/>
-            </a:endParaRPr>
-          </a:p>
-        </p:txBody>
-      </p:sp>
-      <p:sp>
-        <p:nvSpPr>
-          <p:cNvPr id="66" name="PlaceHolder 2"/>
+            <a:pPr algn="ctr"/>
+            <a:endParaRPr b="0" lang="en-GB" sz="4400" spc="-1" strike="noStrike">
+              <a:latin typeface="Arial"/>
+            </a:endParaRPr>
+          </a:p>
+        </p:txBody>
+      </p:sp>
+      <p:sp>
+        <p:nvSpPr>
+          <p:cNvPr id="60" name="PlaceHolder 2"/>
           <p:cNvSpPr>
             <a:spLocks noGrp="1"/>
           </p:cNvSpPr>
@@ -1424,20 +1385,19 @@
           </a:prstGeom>
         </p:spPr>
         <p:txBody>
-          <a:bodyPr lIns="0" rIns="0" tIns="0" bIns="0"/>
-          <a:p>
-            <a:endParaRPr b="0" lang="en-GB" sz="2800" spc="-1" strike="noStrike">
-              <a:solidFill>
-                <a:srgbClr val="333333"/>
-              </a:solidFill>
-              <a:latin typeface="Noto Sans Regular"/>
-            </a:endParaRPr>
-          </a:p>
-        </p:txBody>
-      </p:sp>
-      <p:sp>
-        <p:nvSpPr>
-          <p:cNvPr id="67" name="PlaceHolder 3"/>
+          <a:bodyPr lIns="0" rIns="0" tIns="0" bIns="0">
+            <a:normAutofit/>
+          </a:bodyPr>
+          <a:p>
+            <a:endParaRPr b="0" lang="en-GB" sz="3200" spc="-1" strike="noStrike">
+              <a:latin typeface="Arial"/>
+            </a:endParaRPr>
+          </a:p>
+        </p:txBody>
+      </p:sp>
+      <p:sp>
+        <p:nvSpPr>
+          <p:cNvPr id="61" name="PlaceHolder 3"/>
           <p:cNvSpPr>
             <a:spLocks noGrp="1"/>
           </p:cNvSpPr>
@@ -1455,20 +1415,19 @@
           </a:prstGeom>
         </p:spPr>
         <p:txBody>
-          <a:bodyPr lIns="0" rIns="0" tIns="0" bIns="0"/>
-          <a:p>
-            <a:endParaRPr b="0" lang="en-GB" sz="2800" spc="-1" strike="noStrike">
-              <a:solidFill>
-                <a:srgbClr val="333333"/>
-              </a:solidFill>
-              <a:latin typeface="Noto Sans Regular"/>
-            </a:endParaRPr>
-          </a:p>
-        </p:txBody>
-      </p:sp>
-      <p:sp>
-        <p:nvSpPr>
-          <p:cNvPr id="68" name="PlaceHolder 4"/>
+          <a:bodyPr lIns="0" rIns="0" tIns="0" bIns="0">
+            <a:normAutofit/>
+          </a:bodyPr>
+          <a:p>
+            <a:endParaRPr b="0" lang="en-GB" sz="3200" spc="-1" strike="noStrike">
+              <a:latin typeface="Arial"/>
+            </a:endParaRPr>
+          </a:p>
+        </p:txBody>
+      </p:sp>
+      <p:sp>
+        <p:nvSpPr>
+          <p:cNvPr id="62" name="PlaceHolder 4"/>
           <p:cNvSpPr>
             <a:spLocks noGrp="1"/>
           </p:cNvSpPr>
@@ -1479,20 +1438,19 @@
         <p:spPr>
           <a:xfrm>
             <a:off x="720000" y="4450320"/>
-            <a:ext cx="8640000" cy="2091240"/>
-          </a:xfrm>
-          <a:prstGeom prst="rect">
-            <a:avLst/>
-          </a:prstGeom>
-        </p:spPr>
-        <p:txBody>
-          <a:bodyPr lIns="0" rIns="0" tIns="0" bIns="0"/>
-          <a:p>
-            <a:endParaRPr b="0" lang="en-GB" sz="2800" spc="-1" strike="noStrike">
-              <a:solidFill>
-                <a:srgbClr val="333333"/>
-              </a:solidFill>
-              <a:latin typeface="Noto Sans Regular"/>
+            <a:ext cx="8639640" cy="2091240"/>
+          </a:xfrm>
+          <a:prstGeom prst="rect">
+            <a:avLst/>
+          </a:prstGeom>
+        </p:spPr>
+        <p:txBody>
+          <a:bodyPr lIns="0" rIns="0" tIns="0" bIns="0">
+            <a:normAutofit/>
+          </a:bodyPr>
+          <a:p>
+            <a:endParaRPr b="0" lang="en-GB" sz="3200" spc="-1" strike="noStrike">
+              <a:latin typeface="Arial"/>
             </a:endParaRPr>
           </a:p>
         </p:txBody>
@@ -1521,7 +1479,7 @@
       </p:grpSpPr>
       <p:sp>
         <p:nvSpPr>
-          <p:cNvPr id="69" name="PlaceHolder 1"/>
+          <p:cNvPr id="63" name="PlaceHolder 1"/>
           <p:cNvSpPr>
             <a:spLocks noGrp="1"/>
           </p:cNvSpPr>
@@ -1532,7 +1490,7 @@
         <p:spPr>
           <a:xfrm>
             <a:off x="720000" y="300960"/>
-            <a:ext cx="8855640" cy="1262520"/>
+            <a:ext cx="8855280" cy="1262160"/>
           </a:xfrm>
           <a:prstGeom prst="rect">
             <a:avLst/>
@@ -1541,18 +1499,16 @@
         <p:txBody>
           <a:bodyPr lIns="0" rIns="0" tIns="0" bIns="0" anchor="ctr"/>
           <a:p>
-            <a:endParaRPr b="1" lang="en-GB" sz="4400" spc="-1" strike="noStrike">
-              <a:solidFill>
-                <a:srgbClr val="333333"/>
-              </a:solidFill>
-              <a:latin typeface="Noto Sans Regular"/>
-            </a:endParaRPr>
-          </a:p>
-        </p:txBody>
-      </p:sp>
-      <p:sp>
-        <p:nvSpPr>
-          <p:cNvPr id="70" name="PlaceHolder 2"/>
+            <a:pPr algn="ctr"/>
+            <a:endParaRPr b="0" lang="en-GB" sz="4400" spc="-1" strike="noStrike">
+              <a:latin typeface="Arial"/>
+            </a:endParaRPr>
+          </a:p>
+        </p:txBody>
+      </p:sp>
+      <p:sp>
+        <p:nvSpPr>
+          <p:cNvPr id="64" name="PlaceHolder 2"/>
           <p:cNvSpPr>
             <a:spLocks noGrp="1"/>
           </p:cNvSpPr>
@@ -1563,27 +1519,26 @@
         <p:spPr>
           <a:xfrm>
             <a:off x="720000" y="2160000"/>
-            <a:ext cx="8640000" cy="2091240"/>
-          </a:xfrm>
-          <a:prstGeom prst="rect">
-            <a:avLst/>
-          </a:prstGeom>
-        </p:spPr>
-        <p:txBody>
-          <a:bodyPr lIns="0" rIns="0" tIns="0" bIns="0"/>
-          <a:p>
-            <a:endParaRPr b="0" lang="en-GB" sz="2800" spc="-1" strike="noStrike">
-              <a:solidFill>
-                <a:srgbClr val="333333"/>
-              </a:solidFill>
-              <a:latin typeface="Noto Sans Regular"/>
-            </a:endParaRPr>
-          </a:p>
-        </p:txBody>
-      </p:sp>
-      <p:sp>
-        <p:nvSpPr>
-          <p:cNvPr id="71" name="PlaceHolder 3"/>
+            <a:ext cx="8639640" cy="2091240"/>
+          </a:xfrm>
+          <a:prstGeom prst="rect">
+            <a:avLst/>
+          </a:prstGeom>
+        </p:spPr>
+        <p:txBody>
+          <a:bodyPr lIns="0" rIns="0" tIns="0" bIns="0">
+            <a:normAutofit/>
+          </a:bodyPr>
+          <a:p>
+            <a:endParaRPr b="0" lang="en-GB" sz="3200" spc="-1" strike="noStrike">
+              <a:latin typeface="Arial"/>
+            </a:endParaRPr>
+          </a:p>
+        </p:txBody>
+      </p:sp>
+      <p:sp>
+        <p:nvSpPr>
+          <p:cNvPr id="65" name="PlaceHolder 3"/>
           <p:cNvSpPr>
             <a:spLocks noGrp="1"/>
           </p:cNvSpPr>
@@ -1594,20 +1549,19 @@
         <p:spPr>
           <a:xfrm>
             <a:off x="720000" y="4450320"/>
-            <a:ext cx="8640000" cy="2091240"/>
-          </a:xfrm>
-          <a:prstGeom prst="rect">
-            <a:avLst/>
-          </a:prstGeom>
-        </p:spPr>
-        <p:txBody>
-          <a:bodyPr lIns="0" rIns="0" tIns="0" bIns="0"/>
-          <a:p>
-            <a:endParaRPr b="0" lang="en-GB" sz="2800" spc="-1" strike="noStrike">
-              <a:solidFill>
-                <a:srgbClr val="333333"/>
-              </a:solidFill>
-              <a:latin typeface="Noto Sans Regular"/>
+            <a:ext cx="8639640" cy="2091240"/>
+          </a:xfrm>
+          <a:prstGeom prst="rect">
+            <a:avLst/>
+          </a:prstGeom>
+        </p:spPr>
+        <p:txBody>
+          <a:bodyPr lIns="0" rIns="0" tIns="0" bIns="0">
+            <a:normAutofit/>
+          </a:bodyPr>
+          <a:p>
+            <a:endParaRPr b="0" lang="en-GB" sz="3200" spc="-1" strike="noStrike">
+              <a:latin typeface="Arial"/>
             </a:endParaRPr>
           </a:p>
         </p:txBody>
@@ -1636,7 +1590,7 @@
       </p:grpSpPr>
       <p:sp>
         <p:nvSpPr>
-          <p:cNvPr id="72" name="PlaceHolder 1"/>
+          <p:cNvPr id="66" name="PlaceHolder 1"/>
           <p:cNvSpPr>
             <a:spLocks noGrp="1"/>
           </p:cNvSpPr>
@@ -1647,7 +1601,7 @@
         <p:spPr>
           <a:xfrm>
             <a:off x="720000" y="300960"/>
-            <a:ext cx="8855640" cy="1262520"/>
+            <a:ext cx="8855280" cy="1262160"/>
           </a:xfrm>
           <a:prstGeom prst="rect">
             <a:avLst/>
@@ -1656,18 +1610,16 @@
         <p:txBody>
           <a:bodyPr lIns="0" rIns="0" tIns="0" bIns="0" anchor="ctr"/>
           <a:p>
-            <a:endParaRPr b="1" lang="en-GB" sz="4400" spc="-1" strike="noStrike">
-              <a:solidFill>
-                <a:srgbClr val="333333"/>
-              </a:solidFill>
-              <a:latin typeface="Noto Sans Regular"/>
-            </a:endParaRPr>
-          </a:p>
-        </p:txBody>
-      </p:sp>
-      <p:sp>
-        <p:nvSpPr>
-          <p:cNvPr id="73" name="PlaceHolder 2"/>
+            <a:pPr algn="ctr"/>
+            <a:endParaRPr b="0" lang="en-GB" sz="4400" spc="-1" strike="noStrike">
+              <a:latin typeface="Arial"/>
+            </a:endParaRPr>
+          </a:p>
+        </p:txBody>
+      </p:sp>
+      <p:sp>
+        <p:nvSpPr>
+          <p:cNvPr id="67" name="PlaceHolder 2"/>
           <p:cNvSpPr>
             <a:spLocks noGrp="1"/>
           </p:cNvSpPr>
@@ -1685,20 +1637,19 @@
           </a:prstGeom>
         </p:spPr>
         <p:txBody>
-          <a:bodyPr lIns="0" rIns="0" tIns="0" bIns="0"/>
-          <a:p>
-            <a:endParaRPr b="0" lang="en-GB" sz="2800" spc="-1" strike="noStrike">
-              <a:solidFill>
-                <a:srgbClr val="333333"/>
-              </a:solidFill>
-              <a:latin typeface="Noto Sans Regular"/>
-            </a:endParaRPr>
-          </a:p>
-        </p:txBody>
-      </p:sp>
-      <p:sp>
-        <p:nvSpPr>
-          <p:cNvPr id="74" name="PlaceHolder 3"/>
+          <a:bodyPr lIns="0" rIns="0" tIns="0" bIns="0">
+            <a:normAutofit/>
+          </a:bodyPr>
+          <a:p>
+            <a:endParaRPr b="0" lang="en-GB" sz="3200" spc="-1" strike="noStrike">
+              <a:latin typeface="Arial"/>
+            </a:endParaRPr>
+          </a:p>
+        </p:txBody>
+      </p:sp>
+      <p:sp>
+        <p:nvSpPr>
+          <p:cNvPr id="68" name="PlaceHolder 3"/>
           <p:cNvSpPr>
             <a:spLocks noGrp="1"/>
           </p:cNvSpPr>
@@ -1716,20 +1667,19 @@
           </a:prstGeom>
         </p:spPr>
         <p:txBody>
-          <a:bodyPr lIns="0" rIns="0" tIns="0" bIns="0"/>
-          <a:p>
-            <a:endParaRPr b="0" lang="en-GB" sz="2800" spc="-1" strike="noStrike">
-              <a:solidFill>
-                <a:srgbClr val="333333"/>
-              </a:solidFill>
-              <a:latin typeface="Noto Sans Regular"/>
-            </a:endParaRPr>
-          </a:p>
-        </p:txBody>
-      </p:sp>
-      <p:sp>
-        <p:nvSpPr>
-          <p:cNvPr id="75" name="PlaceHolder 4"/>
+          <a:bodyPr lIns="0" rIns="0" tIns="0" bIns="0">
+            <a:normAutofit/>
+          </a:bodyPr>
+          <a:p>
+            <a:endParaRPr b="0" lang="en-GB" sz="3200" spc="-1" strike="noStrike">
+              <a:latin typeface="Arial"/>
+            </a:endParaRPr>
+          </a:p>
+        </p:txBody>
+      </p:sp>
+      <p:sp>
+        <p:nvSpPr>
+          <p:cNvPr id="69" name="PlaceHolder 4"/>
           <p:cNvSpPr>
             <a:spLocks noGrp="1"/>
           </p:cNvSpPr>
@@ -1747,20 +1697,19 @@
           </a:prstGeom>
         </p:spPr>
         <p:txBody>
-          <a:bodyPr lIns="0" rIns="0" tIns="0" bIns="0"/>
-          <a:p>
-            <a:endParaRPr b="0" lang="en-GB" sz="2800" spc="-1" strike="noStrike">
-              <a:solidFill>
-                <a:srgbClr val="333333"/>
-              </a:solidFill>
-              <a:latin typeface="Noto Sans Regular"/>
-            </a:endParaRPr>
-          </a:p>
-        </p:txBody>
-      </p:sp>
-      <p:sp>
-        <p:nvSpPr>
-          <p:cNvPr id="76" name="PlaceHolder 5"/>
+          <a:bodyPr lIns="0" rIns="0" tIns="0" bIns="0">
+            <a:normAutofit/>
+          </a:bodyPr>
+          <a:p>
+            <a:endParaRPr b="0" lang="en-GB" sz="3200" spc="-1" strike="noStrike">
+              <a:latin typeface="Arial"/>
+            </a:endParaRPr>
+          </a:p>
+        </p:txBody>
+      </p:sp>
+      <p:sp>
+        <p:nvSpPr>
+          <p:cNvPr id="70" name="PlaceHolder 5"/>
           <p:cNvSpPr>
             <a:spLocks noGrp="1"/>
           </p:cNvSpPr>
@@ -1778,13 +1727,12 @@
           </a:prstGeom>
         </p:spPr>
         <p:txBody>
-          <a:bodyPr lIns="0" rIns="0" tIns="0" bIns="0"/>
-          <a:p>
-            <a:endParaRPr b="0" lang="en-GB" sz="2800" spc="-1" strike="noStrike">
-              <a:solidFill>
-                <a:srgbClr val="333333"/>
-              </a:solidFill>
-              <a:latin typeface="Noto Sans Regular"/>
+          <a:bodyPr lIns="0" rIns="0" tIns="0" bIns="0">
+            <a:normAutofit/>
+          </a:bodyPr>
+          <a:p>
+            <a:endParaRPr b="0" lang="en-GB" sz="3200" spc="-1" strike="noStrike">
+              <a:latin typeface="Arial"/>
             </a:endParaRPr>
           </a:p>
         </p:txBody>
@@ -1813,7 +1761,7 @@
       </p:grpSpPr>
       <p:sp>
         <p:nvSpPr>
-          <p:cNvPr id="77" name="PlaceHolder 1"/>
+          <p:cNvPr id="71" name="PlaceHolder 1"/>
           <p:cNvSpPr>
             <a:spLocks noGrp="1"/>
           </p:cNvSpPr>
@@ -1824,7 +1772,7 @@
         <p:spPr>
           <a:xfrm>
             <a:off x="720000" y="300960"/>
-            <a:ext cx="8855640" cy="1262520"/>
+            <a:ext cx="8855280" cy="1262160"/>
           </a:xfrm>
           <a:prstGeom prst="rect">
             <a:avLst/>
@@ -1833,18 +1781,16 @@
         <p:txBody>
           <a:bodyPr lIns="0" rIns="0" tIns="0" bIns="0" anchor="ctr"/>
           <a:p>
-            <a:endParaRPr b="1" lang="en-GB" sz="4400" spc="-1" strike="noStrike">
-              <a:solidFill>
-                <a:srgbClr val="333333"/>
-              </a:solidFill>
-              <a:latin typeface="Noto Sans Regular"/>
-            </a:endParaRPr>
-          </a:p>
-        </p:txBody>
-      </p:sp>
-      <p:sp>
-        <p:nvSpPr>
-          <p:cNvPr id="78" name="PlaceHolder 2"/>
+            <a:pPr algn="ctr"/>
+            <a:endParaRPr b="0" lang="en-GB" sz="4400" spc="-1" strike="noStrike">
+              <a:latin typeface="Arial"/>
+            </a:endParaRPr>
+          </a:p>
+        </p:txBody>
+      </p:sp>
+      <p:sp>
+        <p:nvSpPr>
+          <p:cNvPr id="72" name="PlaceHolder 2"/>
           <p:cNvSpPr>
             <a:spLocks noGrp="1"/>
           </p:cNvSpPr>
@@ -1862,20 +1808,19 @@
           </a:prstGeom>
         </p:spPr>
         <p:txBody>
-          <a:bodyPr lIns="0" rIns="0" tIns="0" bIns="0"/>
-          <a:p>
-            <a:endParaRPr b="0" lang="en-GB" sz="2800" spc="-1" strike="noStrike">
-              <a:solidFill>
-                <a:srgbClr val="333333"/>
-              </a:solidFill>
-              <a:latin typeface="Noto Sans Regular"/>
-            </a:endParaRPr>
-          </a:p>
-        </p:txBody>
-      </p:sp>
-      <p:sp>
-        <p:nvSpPr>
-          <p:cNvPr id="79" name="PlaceHolder 3"/>
+          <a:bodyPr lIns="0" rIns="0" tIns="0" bIns="0">
+            <a:normAutofit/>
+          </a:bodyPr>
+          <a:p>
+            <a:endParaRPr b="0" lang="en-GB" sz="3200" spc="-1" strike="noStrike">
+              <a:latin typeface="Arial"/>
+            </a:endParaRPr>
+          </a:p>
+        </p:txBody>
+      </p:sp>
+      <p:sp>
+        <p:nvSpPr>
+          <p:cNvPr id="73" name="PlaceHolder 3"/>
           <p:cNvSpPr>
             <a:spLocks noGrp="1"/>
           </p:cNvSpPr>
@@ -1893,20 +1838,19 @@
           </a:prstGeom>
         </p:spPr>
         <p:txBody>
-          <a:bodyPr lIns="0" rIns="0" tIns="0" bIns="0"/>
-          <a:p>
-            <a:endParaRPr b="0" lang="en-GB" sz="2800" spc="-1" strike="noStrike">
-              <a:solidFill>
-                <a:srgbClr val="333333"/>
-              </a:solidFill>
-              <a:latin typeface="Noto Sans Regular"/>
-            </a:endParaRPr>
-          </a:p>
-        </p:txBody>
-      </p:sp>
-      <p:sp>
-        <p:nvSpPr>
-          <p:cNvPr id="80" name="PlaceHolder 4"/>
+          <a:bodyPr lIns="0" rIns="0" tIns="0" bIns="0">
+            <a:normAutofit/>
+          </a:bodyPr>
+          <a:p>
+            <a:endParaRPr b="0" lang="en-GB" sz="3200" spc="-1" strike="noStrike">
+              <a:latin typeface="Arial"/>
+            </a:endParaRPr>
+          </a:p>
+        </p:txBody>
+      </p:sp>
+      <p:sp>
+        <p:nvSpPr>
+          <p:cNvPr id="74" name="PlaceHolder 4"/>
           <p:cNvSpPr>
             <a:spLocks noGrp="1"/>
           </p:cNvSpPr>
@@ -1924,20 +1868,19 @@
           </a:prstGeom>
         </p:spPr>
         <p:txBody>
-          <a:bodyPr lIns="0" rIns="0" tIns="0" bIns="0"/>
-          <a:p>
-            <a:endParaRPr b="0" lang="en-GB" sz="2800" spc="-1" strike="noStrike">
-              <a:solidFill>
-                <a:srgbClr val="333333"/>
-              </a:solidFill>
-              <a:latin typeface="Noto Sans Regular"/>
-            </a:endParaRPr>
-          </a:p>
-        </p:txBody>
-      </p:sp>
-      <p:sp>
-        <p:nvSpPr>
-          <p:cNvPr id="81" name="PlaceHolder 5"/>
+          <a:bodyPr lIns="0" rIns="0" tIns="0" bIns="0">
+            <a:normAutofit/>
+          </a:bodyPr>
+          <a:p>
+            <a:endParaRPr b="0" lang="en-GB" sz="3200" spc="-1" strike="noStrike">
+              <a:latin typeface="Arial"/>
+            </a:endParaRPr>
+          </a:p>
+        </p:txBody>
+      </p:sp>
+      <p:sp>
+        <p:nvSpPr>
+          <p:cNvPr id="75" name="PlaceHolder 5"/>
           <p:cNvSpPr>
             <a:spLocks noGrp="1"/>
           </p:cNvSpPr>
@@ -1955,20 +1898,19 @@
           </a:prstGeom>
         </p:spPr>
         <p:txBody>
-          <a:bodyPr lIns="0" rIns="0" tIns="0" bIns="0"/>
-          <a:p>
-            <a:endParaRPr b="0" lang="en-GB" sz="2800" spc="-1" strike="noStrike">
-              <a:solidFill>
-                <a:srgbClr val="333333"/>
-              </a:solidFill>
-              <a:latin typeface="Noto Sans Regular"/>
-            </a:endParaRPr>
-          </a:p>
-        </p:txBody>
-      </p:sp>
-      <p:sp>
-        <p:nvSpPr>
-          <p:cNvPr id="82" name="PlaceHolder 6"/>
+          <a:bodyPr lIns="0" rIns="0" tIns="0" bIns="0">
+            <a:normAutofit/>
+          </a:bodyPr>
+          <a:p>
+            <a:endParaRPr b="0" lang="en-GB" sz="3200" spc="-1" strike="noStrike">
+              <a:latin typeface="Arial"/>
+            </a:endParaRPr>
+          </a:p>
+        </p:txBody>
+      </p:sp>
+      <p:sp>
+        <p:nvSpPr>
+          <p:cNvPr id="76" name="PlaceHolder 6"/>
           <p:cNvSpPr>
             <a:spLocks noGrp="1"/>
           </p:cNvSpPr>
@@ -1986,20 +1928,19 @@
           </a:prstGeom>
         </p:spPr>
         <p:txBody>
-          <a:bodyPr lIns="0" rIns="0" tIns="0" bIns="0"/>
-          <a:p>
-            <a:endParaRPr b="0" lang="en-GB" sz="2800" spc="-1" strike="noStrike">
-              <a:solidFill>
-                <a:srgbClr val="333333"/>
-              </a:solidFill>
-              <a:latin typeface="Noto Sans Regular"/>
-            </a:endParaRPr>
-          </a:p>
-        </p:txBody>
-      </p:sp>
-      <p:sp>
-        <p:nvSpPr>
-          <p:cNvPr id="83" name="PlaceHolder 7"/>
+          <a:bodyPr lIns="0" rIns="0" tIns="0" bIns="0">
+            <a:normAutofit/>
+          </a:bodyPr>
+          <a:p>
+            <a:endParaRPr b="0" lang="en-GB" sz="3200" spc="-1" strike="noStrike">
+              <a:latin typeface="Arial"/>
+            </a:endParaRPr>
+          </a:p>
+        </p:txBody>
+      </p:sp>
+      <p:sp>
+        <p:nvSpPr>
+          <p:cNvPr id="77" name="PlaceHolder 7"/>
           <p:cNvSpPr>
             <a:spLocks noGrp="1"/>
           </p:cNvSpPr>
@@ -2017,13 +1958,357 @@
           </a:prstGeom>
         </p:spPr>
         <p:txBody>
-          <a:bodyPr lIns="0" rIns="0" tIns="0" bIns="0"/>
-          <a:p>
-            <a:endParaRPr b="0" lang="en-GB" sz="2800" spc="-1" strike="noStrike">
-              <a:solidFill>
-                <a:srgbClr val="333333"/>
-              </a:solidFill>
-              <a:latin typeface="Noto Sans Regular"/>
+          <a:bodyPr lIns="0" rIns="0" tIns="0" bIns="0">
+            <a:normAutofit/>
+          </a:bodyPr>
+          <a:p>
+            <a:endParaRPr b="0" lang="en-GB" sz="3200" spc="-1" strike="noStrike">
+              <a:latin typeface="Arial"/>
+            </a:endParaRPr>
+          </a:p>
+        </p:txBody>
+      </p:sp>
+    </p:spTree>
+  </p:cSld>
+</p:sldLayout>
+</file>
+
+<file path=ppt/slideLayouts/slideLayout25.xml><?xml version="1.0" encoding="utf-8"?>
+<p:sldLayout xmlns:a="http://schemas.openxmlformats.org/drawingml/2006/main" xmlns:p="http://schemas.openxmlformats.org/presentationml/2006/main" xmlns:r="http://schemas.openxmlformats.org/officeDocument/2006/relationships" xmlns:p14="http://schemas.microsoft.com/office/powerpoint/2010/main" xmlns:p15="http://schemas.microsoft.com/office/powerpoint/2012/main" xmlns:mc="http://schemas.openxmlformats.org/markup-compatibility/2006" type="blank" preserve="1">
+  <p:cSld name="Blank Slide">
+    <p:spTree>
+      <p:nvGrpSpPr>
+        <p:cNvPr id="1" name=""/>
+        <p:cNvGrpSpPr/>
+        <p:nvPr/>
+      </p:nvGrpSpPr>
+      <p:grpSpPr>
+        <a:xfrm>
+          <a:off x="0" y="0"/>
+          <a:ext cx="0" cy="0"/>
+          <a:chOff x="0" y="0"/>
+          <a:chExt cx="0" cy="0"/>
+        </a:xfrm>
+      </p:grpSpPr>
+    </p:spTree>
+  </p:cSld>
+</p:sldLayout>
+</file>
+
+<file path=ppt/slideLayouts/slideLayout26.xml><?xml version="1.0" encoding="utf-8"?>
+<p:sldLayout xmlns:a="http://schemas.openxmlformats.org/drawingml/2006/main" xmlns:p="http://schemas.openxmlformats.org/presentationml/2006/main" xmlns:r="http://schemas.openxmlformats.org/officeDocument/2006/relationships" xmlns:p14="http://schemas.microsoft.com/office/powerpoint/2010/main" xmlns:p15="http://schemas.microsoft.com/office/powerpoint/2012/main" xmlns:mc="http://schemas.openxmlformats.org/markup-compatibility/2006" type="tx" preserve="1">
+  <p:cSld name="Title Slide">
+    <p:spTree>
+      <p:nvGrpSpPr>
+        <p:cNvPr id="1" name=""/>
+        <p:cNvGrpSpPr/>
+        <p:nvPr/>
+      </p:nvGrpSpPr>
+      <p:grpSpPr>
+        <a:xfrm>
+          <a:off x="0" y="0"/>
+          <a:ext cx="0" cy="0"/>
+          <a:chOff x="0" y="0"/>
+          <a:chExt cx="0" cy="0"/>
+        </a:xfrm>
+      </p:grpSpPr>
+      <p:sp>
+        <p:nvSpPr>
+          <p:cNvPr id="81" name="PlaceHolder 1"/>
+          <p:cNvSpPr>
+            <a:spLocks noGrp="1"/>
+          </p:cNvSpPr>
+          <p:nvPr>
+            <p:ph type="title"/>
+          </p:nvPr>
+        </p:nvSpPr>
+        <p:spPr>
+          <a:xfrm>
+            <a:off x="720000" y="300960"/>
+            <a:ext cx="8855280" cy="1262160"/>
+          </a:xfrm>
+          <a:prstGeom prst="rect">
+            <a:avLst/>
+          </a:prstGeom>
+        </p:spPr>
+        <p:txBody>
+          <a:bodyPr lIns="0" rIns="0" tIns="0" bIns="0" anchor="ctr"/>
+          <a:p>
+            <a:pPr algn="ctr"/>
+            <a:endParaRPr b="0" lang="en-GB" sz="4400" spc="-1" strike="noStrike">
+              <a:latin typeface="Arial"/>
+            </a:endParaRPr>
+          </a:p>
+        </p:txBody>
+      </p:sp>
+      <p:sp>
+        <p:nvSpPr>
+          <p:cNvPr id="82" name="PlaceHolder 2"/>
+          <p:cNvSpPr>
+            <a:spLocks noGrp="1"/>
+          </p:cNvSpPr>
+          <p:nvPr>
+            <p:ph type="subTitle"/>
+          </p:nvPr>
+        </p:nvSpPr>
+        <p:spPr>
+          <a:xfrm>
+            <a:off x="720000" y="2160000"/>
+            <a:ext cx="8639640" cy="4384440"/>
+          </a:xfrm>
+          <a:prstGeom prst="rect">
+            <a:avLst/>
+          </a:prstGeom>
+        </p:spPr>
+        <p:txBody>
+          <a:bodyPr lIns="0" rIns="0" tIns="0" bIns="0" anchor="ctr"/>
+          <a:p>
+            <a:pPr algn="ctr"/>
+            <a:endParaRPr b="0" lang="en-GB" sz="3200" spc="-1" strike="noStrike">
+              <a:latin typeface="Arial"/>
+            </a:endParaRPr>
+          </a:p>
+        </p:txBody>
+      </p:sp>
+    </p:spTree>
+  </p:cSld>
+</p:sldLayout>
+</file>
+
+<file path=ppt/slideLayouts/slideLayout27.xml><?xml version="1.0" encoding="utf-8"?>
+<p:sldLayout xmlns:a="http://schemas.openxmlformats.org/drawingml/2006/main" xmlns:p="http://schemas.openxmlformats.org/presentationml/2006/main" xmlns:r="http://schemas.openxmlformats.org/officeDocument/2006/relationships" xmlns:p14="http://schemas.microsoft.com/office/powerpoint/2010/main" xmlns:p15="http://schemas.microsoft.com/office/powerpoint/2012/main" xmlns:mc="http://schemas.openxmlformats.org/markup-compatibility/2006" type="obj" preserve="1">
+  <p:cSld name="Title, Content">
+    <p:spTree>
+      <p:nvGrpSpPr>
+        <p:cNvPr id="1" name=""/>
+        <p:cNvGrpSpPr/>
+        <p:nvPr/>
+      </p:nvGrpSpPr>
+      <p:grpSpPr>
+        <a:xfrm>
+          <a:off x="0" y="0"/>
+          <a:ext cx="0" cy="0"/>
+          <a:chOff x="0" y="0"/>
+          <a:chExt cx="0" cy="0"/>
+        </a:xfrm>
+      </p:grpSpPr>
+      <p:sp>
+        <p:nvSpPr>
+          <p:cNvPr id="83" name="PlaceHolder 1"/>
+          <p:cNvSpPr>
+            <a:spLocks noGrp="1"/>
+          </p:cNvSpPr>
+          <p:nvPr>
+            <p:ph type="title"/>
+          </p:nvPr>
+        </p:nvSpPr>
+        <p:spPr>
+          <a:xfrm>
+            <a:off x="720000" y="300960"/>
+            <a:ext cx="8855280" cy="1262160"/>
+          </a:xfrm>
+          <a:prstGeom prst="rect">
+            <a:avLst/>
+          </a:prstGeom>
+        </p:spPr>
+        <p:txBody>
+          <a:bodyPr lIns="0" rIns="0" tIns="0" bIns="0" anchor="ctr"/>
+          <a:p>
+            <a:pPr algn="ctr"/>
+            <a:endParaRPr b="0" lang="en-GB" sz="4400" spc="-1" strike="noStrike">
+              <a:latin typeface="Arial"/>
+            </a:endParaRPr>
+          </a:p>
+        </p:txBody>
+      </p:sp>
+      <p:sp>
+        <p:nvSpPr>
+          <p:cNvPr id="84" name="PlaceHolder 2"/>
+          <p:cNvSpPr>
+            <a:spLocks noGrp="1"/>
+          </p:cNvSpPr>
+          <p:nvPr>
+            <p:ph type="body"/>
+          </p:nvPr>
+        </p:nvSpPr>
+        <p:spPr>
+          <a:xfrm>
+            <a:off x="720000" y="2160000"/>
+            <a:ext cx="8639640" cy="4384440"/>
+          </a:xfrm>
+          <a:prstGeom prst="rect">
+            <a:avLst/>
+          </a:prstGeom>
+        </p:spPr>
+        <p:txBody>
+          <a:bodyPr lIns="0" rIns="0" tIns="0" bIns="0">
+            <a:normAutofit/>
+          </a:bodyPr>
+          <a:p>
+            <a:endParaRPr b="0" lang="en-GB" sz="3200" spc="-1" strike="noStrike">
+              <a:latin typeface="Arial"/>
+            </a:endParaRPr>
+          </a:p>
+        </p:txBody>
+      </p:sp>
+    </p:spTree>
+  </p:cSld>
+</p:sldLayout>
+</file>
+
+<file path=ppt/slideLayouts/slideLayout28.xml><?xml version="1.0" encoding="utf-8"?>
+<p:sldLayout xmlns:a="http://schemas.openxmlformats.org/drawingml/2006/main" xmlns:p="http://schemas.openxmlformats.org/presentationml/2006/main" xmlns:r="http://schemas.openxmlformats.org/officeDocument/2006/relationships" xmlns:p14="http://schemas.microsoft.com/office/powerpoint/2010/main" xmlns:p15="http://schemas.microsoft.com/office/powerpoint/2012/main" xmlns:mc="http://schemas.openxmlformats.org/markup-compatibility/2006" type="twoObj" preserve="1">
+  <p:cSld name="Title, 2 Content">
+    <p:spTree>
+      <p:nvGrpSpPr>
+        <p:cNvPr id="1" name=""/>
+        <p:cNvGrpSpPr/>
+        <p:nvPr/>
+      </p:nvGrpSpPr>
+      <p:grpSpPr>
+        <a:xfrm>
+          <a:off x="0" y="0"/>
+          <a:ext cx="0" cy="0"/>
+          <a:chOff x="0" y="0"/>
+          <a:chExt cx="0" cy="0"/>
+        </a:xfrm>
+      </p:grpSpPr>
+      <p:sp>
+        <p:nvSpPr>
+          <p:cNvPr id="85" name="PlaceHolder 1"/>
+          <p:cNvSpPr>
+            <a:spLocks noGrp="1"/>
+          </p:cNvSpPr>
+          <p:nvPr>
+            <p:ph type="title"/>
+          </p:nvPr>
+        </p:nvSpPr>
+        <p:spPr>
+          <a:xfrm>
+            <a:off x="720000" y="300960"/>
+            <a:ext cx="8855280" cy="1262160"/>
+          </a:xfrm>
+          <a:prstGeom prst="rect">
+            <a:avLst/>
+          </a:prstGeom>
+        </p:spPr>
+        <p:txBody>
+          <a:bodyPr lIns="0" rIns="0" tIns="0" bIns="0" anchor="ctr"/>
+          <a:p>
+            <a:pPr algn="ctr"/>
+            <a:endParaRPr b="0" lang="en-GB" sz="4400" spc="-1" strike="noStrike">
+              <a:latin typeface="Arial"/>
+            </a:endParaRPr>
+          </a:p>
+        </p:txBody>
+      </p:sp>
+      <p:sp>
+        <p:nvSpPr>
+          <p:cNvPr id="86" name="PlaceHolder 2"/>
+          <p:cNvSpPr>
+            <a:spLocks noGrp="1"/>
+          </p:cNvSpPr>
+          <p:nvPr>
+            <p:ph type="body"/>
+          </p:nvPr>
+        </p:nvSpPr>
+        <p:spPr>
+          <a:xfrm>
+            <a:off x="720000" y="2160000"/>
+            <a:ext cx="4215960" cy="4384440"/>
+          </a:xfrm>
+          <a:prstGeom prst="rect">
+            <a:avLst/>
+          </a:prstGeom>
+        </p:spPr>
+        <p:txBody>
+          <a:bodyPr lIns="0" rIns="0" tIns="0" bIns="0">
+            <a:normAutofit/>
+          </a:bodyPr>
+          <a:p>
+            <a:endParaRPr b="0" lang="en-GB" sz="3200" spc="-1" strike="noStrike">
+              <a:latin typeface="Arial"/>
+            </a:endParaRPr>
+          </a:p>
+        </p:txBody>
+      </p:sp>
+      <p:sp>
+        <p:nvSpPr>
+          <p:cNvPr id="87" name="PlaceHolder 3"/>
+          <p:cNvSpPr>
+            <a:spLocks noGrp="1"/>
+          </p:cNvSpPr>
+          <p:nvPr>
+            <p:ph type="body"/>
+          </p:nvPr>
+        </p:nvSpPr>
+        <p:spPr>
+          <a:xfrm>
+            <a:off x="5147280" y="2160000"/>
+            <a:ext cx="4215960" cy="4384440"/>
+          </a:xfrm>
+          <a:prstGeom prst="rect">
+            <a:avLst/>
+          </a:prstGeom>
+        </p:spPr>
+        <p:txBody>
+          <a:bodyPr lIns="0" rIns="0" tIns="0" bIns="0">
+            <a:normAutofit/>
+          </a:bodyPr>
+          <a:p>
+            <a:endParaRPr b="0" lang="en-GB" sz="3200" spc="-1" strike="noStrike">
+              <a:latin typeface="Arial"/>
+            </a:endParaRPr>
+          </a:p>
+        </p:txBody>
+      </p:sp>
+    </p:spTree>
+  </p:cSld>
+</p:sldLayout>
+</file>
+
+<file path=ppt/slideLayouts/slideLayout29.xml><?xml version="1.0" encoding="utf-8"?>
+<p:sldLayout xmlns:a="http://schemas.openxmlformats.org/drawingml/2006/main" xmlns:p="http://schemas.openxmlformats.org/presentationml/2006/main" xmlns:r="http://schemas.openxmlformats.org/officeDocument/2006/relationships" xmlns:p14="http://schemas.microsoft.com/office/powerpoint/2010/main" xmlns:p15="http://schemas.microsoft.com/office/powerpoint/2012/main" xmlns:mc="http://schemas.openxmlformats.org/markup-compatibility/2006" type="titleOnly" preserve="1">
+  <p:cSld name="Title Only">
+    <p:spTree>
+      <p:nvGrpSpPr>
+        <p:cNvPr id="1" name=""/>
+        <p:cNvGrpSpPr/>
+        <p:nvPr/>
+      </p:nvGrpSpPr>
+      <p:grpSpPr>
+        <a:xfrm>
+          <a:off x="0" y="0"/>
+          <a:ext cx="0" cy="0"/>
+          <a:chOff x="0" y="0"/>
+          <a:chExt cx="0" cy="0"/>
+        </a:xfrm>
+      </p:grpSpPr>
+      <p:sp>
+        <p:nvSpPr>
+          <p:cNvPr id="88" name="PlaceHolder 1"/>
+          <p:cNvSpPr>
+            <a:spLocks noGrp="1"/>
+          </p:cNvSpPr>
+          <p:nvPr>
+            <p:ph type="title"/>
+          </p:nvPr>
+        </p:nvSpPr>
+        <p:spPr>
+          <a:xfrm>
+            <a:off x="720000" y="300960"/>
+            <a:ext cx="8855280" cy="1262160"/>
+          </a:xfrm>
+          <a:prstGeom prst="rect">
+            <a:avLst/>
+          </a:prstGeom>
+        </p:spPr>
+        <p:txBody>
+          <a:bodyPr lIns="0" rIns="0" tIns="0" bIns="0" anchor="ctr"/>
+          <a:p>
+            <a:pPr algn="ctr"/>
+            <a:endParaRPr b="0" lang="en-GB" sz="4400" spc="-1" strike="noStrike">
+              <a:latin typeface="Arial"/>
             </a:endParaRPr>
           </a:p>
         </p:txBody>
@@ -2052,7 +2337,7 @@
       </p:grpSpPr>
       <p:sp>
         <p:nvSpPr>
-          <p:cNvPr id="8" name="PlaceHolder 1"/>
+          <p:cNvPr id="5" name="PlaceHolder 1"/>
           <p:cNvSpPr>
             <a:spLocks noGrp="1"/>
           </p:cNvSpPr>
@@ -2063,7 +2348,7 @@
         <p:spPr>
           <a:xfrm>
             <a:off x="720000" y="300960"/>
-            <a:ext cx="8855640" cy="1262520"/>
+            <a:ext cx="8855280" cy="1262160"/>
           </a:xfrm>
           <a:prstGeom prst="rect">
             <a:avLst/>
@@ -2072,18 +2357,16 @@
         <p:txBody>
           <a:bodyPr lIns="0" rIns="0" tIns="0" bIns="0" anchor="ctr"/>
           <a:p>
-            <a:endParaRPr b="1" lang="en-GB" sz="4400" spc="-1" strike="noStrike">
-              <a:solidFill>
-                <a:srgbClr val="333333"/>
-              </a:solidFill>
-              <a:latin typeface="Noto Sans Regular"/>
-            </a:endParaRPr>
-          </a:p>
-        </p:txBody>
-      </p:sp>
-      <p:sp>
-        <p:nvSpPr>
-          <p:cNvPr id="9" name="PlaceHolder 2"/>
+            <a:pPr algn="ctr"/>
+            <a:endParaRPr b="0" lang="en-GB" sz="4400" spc="-1" strike="noStrike">
+              <a:latin typeface="Arial"/>
+            </a:endParaRPr>
+          </a:p>
+        </p:txBody>
+      </p:sp>
+      <p:sp>
+        <p:nvSpPr>
+          <p:cNvPr id="6" name="PlaceHolder 2"/>
           <p:cNvSpPr>
             <a:spLocks noGrp="1"/>
           </p:cNvSpPr>
@@ -2094,20 +2377,1189 @@
         <p:spPr>
           <a:xfrm>
             <a:off x="720000" y="2160000"/>
-            <a:ext cx="8640000" cy="4384800"/>
-          </a:xfrm>
-          <a:prstGeom prst="rect">
-            <a:avLst/>
-          </a:prstGeom>
-        </p:spPr>
-        <p:txBody>
-          <a:bodyPr lIns="0" rIns="0" tIns="0" bIns="0"/>
-          <a:p>
-            <a:endParaRPr b="0" lang="en-GB" sz="2800" spc="-1" strike="noStrike">
-              <a:solidFill>
-                <a:srgbClr val="333333"/>
-              </a:solidFill>
-              <a:latin typeface="Noto Sans Regular"/>
+            <a:ext cx="8639640" cy="4384440"/>
+          </a:xfrm>
+          <a:prstGeom prst="rect">
+            <a:avLst/>
+          </a:prstGeom>
+        </p:spPr>
+        <p:txBody>
+          <a:bodyPr lIns="0" rIns="0" tIns="0" bIns="0">
+            <a:normAutofit/>
+          </a:bodyPr>
+          <a:p>
+            <a:endParaRPr b="0" lang="en-GB" sz="3200" spc="-1" strike="noStrike">
+              <a:latin typeface="Arial"/>
+            </a:endParaRPr>
+          </a:p>
+        </p:txBody>
+      </p:sp>
+    </p:spTree>
+  </p:cSld>
+</p:sldLayout>
+</file>
+
+<file path=ppt/slideLayouts/slideLayout30.xml><?xml version="1.0" encoding="utf-8"?>
+<p:sldLayout xmlns:a="http://schemas.openxmlformats.org/drawingml/2006/main" xmlns:p="http://schemas.openxmlformats.org/presentationml/2006/main" xmlns:r="http://schemas.openxmlformats.org/officeDocument/2006/relationships" xmlns:p14="http://schemas.microsoft.com/office/powerpoint/2010/main" xmlns:p15="http://schemas.microsoft.com/office/powerpoint/2012/main" xmlns:mc="http://schemas.openxmlformats.org/markup-compatibility/2006" type="objOnly" preserve="1">
+  <p:cSld name="Centered Text">
+    <p:spTree>
+      <p:nvGrpSpPr>
+        <p:cNvPr id="1" name=""/>
+        <p:cNvGrpSpPr/>
+        <p:nvPr/>
+      </p:nvGrpSpPr>
+      <p:grpSpPr>
+        <a:xfrm>
+          <a:off x="0" y="0"/>
+          <a:ext cx="0" cy="0"/>
+          <a:chOff x="0" y="0"/>
+          <a:chExt cx="0" cy="0"/>
+        </a:xfrm>
+      </p:grpSpPr>
+      <p:sp>
+        <p:nvSpPr>
+          <p:cNvPr id="89" name="PlaceHolder 1"/>
+          <p:cNvSpPr>
+            <a:spLocks noGrp="1"/>
+          </p:cNvSpPr>
+          <p:nvPr>
+            <p:ph type="subTitle"/>
+          </p:nvPr>
+        </p:nvSpPr>
+        <p:spPr>
+          <a:xfrm>
+            <a:off x="720000" y="300960"/>
+            <a:ext cx="8855280" cy="5851800"/>
+          </a:xfrm>
+          <a:prstGeom prst="rect">
+            <a:avLst/>
+          </a:prstGeom>
+        </p:spPr>
+        <p:txBody>
+          <a:bodyPr lIns="0" rIns="0" tIns="0" bIns="0" anchor="ctr"/>
+          <a:p>
+            <a:pPr algn="ctr"/>
+            <a:endParaRPr b="0" lang="en-GB" sz="3200" spc="-1" strike="noStrike">
+              <a:latin typeface="Arial"/>
+            </a:endParaRPr>
+          </a:p>
+        </p:txBody>
+      </p:sp>
+    </p:spTree>
+  </p:cSld>
+</p:sldLayout>
+</file>
+
+<file path=ppt/slideLayouts/slideLayout31.xml><?xml version="1.0" encoding="utf-8"?>
+<p:sldLayout xmlns:a="http://schemas.openxmlformats.org/drawingml/2006/main" xmlns:p="http://schemas.openxmlformats.org/presentationml/2006/main" xmlns:r="http://schemas.openxmlformats.org/officeDocument/2006/relationships" xmlns:p14="http://schemas.microsoft.com/office/powerpoint/2010/main" xmlns:p15="http://schemas.microsoft.com/office/powerpoint/2012/main" xmlns:mc="http://schemas.openxmlformats.org/markup-compatibility/2006" type="twoObjAndObj" preserve="1">
+  <p:cSld name="Title, 2 Content and Content">
+    <p:spTree>
+      <p:nvGrpSpPr>
+        <p:cNvPr id="1" name=""/>
+        <p:cNvGrpSpPr/>
+        <p:nvPr/>
+      </p:nvGrpSpPr>
+      <p:grpSpPr>
+        <a:xfrm>
+          <a:off x="0" y="0"/>
+          <a:ext cx="0" cy="0"/>
+          <a:chOff x="0" y="0"/>
+          <a:chExt cx="0" cy="0"/>
+        </a:xfrm>
+      </p:grpSpPr>
+      <p:sp>
+        <p:nvSpPr>
+          <p:cNvPr id="90" name="PlaceHolder 1"/>
+          <p:cNvSpPr>
+            <a:spLocks noGrp="1"/>
+          </p:cNvSpPr>
+          <p:nvPr>
+            <p:ph type="title"/>
+          </p:nvPr>
+        </p:nvSpPr>
+        <p:spPr>
+          <a:xfrm>
+            <a:off x="720000" y="300960"/>
+            <a:ext cx="8855280" cy="1262160"/>
+          </a:xfrm>
+          <a:prstGeom prst="rect">
+            <a:avLst/>
+          </a:prstGeom>
+        </p:spPr>
+        <p:txBody>
+          <a:bodyPr lIns="0" rIns="0" tIns="0" bIns="0" anchor="ctr"/>
+          <a:p>
+            <a:pPr algn="ctr"/>
+            <a:endParaRPr b="0" lang="en-GB" sz="4400" spc="-1" strike="noStrike">
+              <a:latin typeface="Arial"/>
+            </a:endParaRPr>
+          </a:p>
+        </p:txBody>
+      </p:sp>
+      <p:sp>
+        <p:nvSpPr>
+          <p:cNvPr id="91" name="PlaceHolder 2"/>
+          <p:cNvSpPr>
+            <a:spLocks noGrp="1"/>
+          </p:cNvSpPr>
+          <p:nvPr>
+            <p:ph type="body"/>
+          </p:nvPr>
+        </p:nvSpPr>
+        <p:spPr>
+          <a:xfrm>
+            <a:off x="720000" y="2160000"/>
+            <a:ext cx="4215960" cy="2091240"/>
+          </a:xfrm>
+          <a:prstGeom prst="rect">
+            <a:avLst/>
+          </a:prstGeom>
+        </p:spPr>
+        <p:txBody>
+          <a:bodyPr lIns="0" rIns="0" tIns="0" bIns="0">
+            <a:normAutofit/>
+          </a:bodyPr>
+          <a:p>
+            <a:endParaRPr b="0" lang="en-GB" sz="3200" spc="-1" strike="noStrike">
+              <a:latin typeface="Arial"/>
+            </a:endParaRPr>
+          </a:p>
+        </p:txBody>
+      </p:sp>
+      <p:sp>
+        <p:nvSpPr>
+          <p:cNvPr id="92" name="PlaceHolder 3"/>
+          <p:cNvSpPr>
+            <a:spLocks noGrp="1"/>
+          </p:cNvSpPr>
+          <p:nvPr>
+            <p:ph type="body"/>
+          </p:nvPr>
+        </p:nvSpPr>
+        <p:spPr>
+          <a:xfrm>
+            <a:off x="5147280" y="2160000"/>
+            <a:ext cx="4215960" cy="4384440"/>
+          </a:xfrm>
+          <a:prstGeom prst="rect">
+            <a:avLst/>
+          </a:prstGeom>
+        </p:spPr>
+        <p:txBody>
+          <a:bodyPr lIns="0" rIns="0" tIns="0" bIns="0">
+            <a:normAutofit/>
+          </a:bodyPr>
+          <a:p>
+            <a:endParaRPr b="0" lang="en-GB" sz="3200" spc="-1" strike="noStrike">
+              <a:latin typeface="Arial"/>
+            </a:endParaRPr>
+          </a:p>
+        </p:txBody>
+      </p:sp>
+      <p:sp>
+        <p:nvSpPr>
+          <p:cNvPr id="93" name="PlaceHolder 4"/>
+          <p:cNvSpPr>
+            <a:spLocks noGrp="1"/>
+          </p:cNvSpPr>
+          <p:nvPr>
+            <p:ph type="body"/>
+          </p:nvPr>
+        </p:nvSpPr>
+        <p:spPr>
+          <a:xfrm>
+            <a:off x="720000" y="4450320"/>
+            <a:ext cx="4215960" cy="2091240"/>
+          </a:xfrm>
+          <a:prstGeom prst="rect">
+            <a:avLst/>
+          </a:prstGeom>
+        </p:spPr>
+        <p:txBody>
+          <a:bodyPr lIns="0" rIns="0" tIns="0" bIns="0">
+            <a:normAutofit/>
+          </a:bodyPr>
+          <a:p>
+            <a:endParaRPr b="0" lang="en-GB" sz="3200" spc="-1" strike="noStrike">
+              <a:latin typeface="Arial"/>
+            </a:endParaRPr>
+          </a:p>
+        </p:txBody>
+      </p:sp>
+    </p:spTree>
+  </p:cSld>
+</p:sldLayout>
+</file>
+
+<file path=ppt/slideLayouts/slideLayout32.xml><?xml version="1.0" encoding="utf-8"?>
+<p:sldLayout xmlns:a="http://schemas.openxmlformats.org/drawingml/2006/main" xmlns:p="http://schemas.openxmlformats.org/presentationml/2006/main" xmlns:r="http://schemas.openxmlformats.org/officeDocument/2006/relationships" xmlns:p14="http://schemas.microsoft.com/office/powerpoint/2010/main" xmlns:p15="http://schemas.microsoft.com/office/powerpoint/2012/main" xmlns:mc="http://schemas.openxmlformats.org/markup-compatibility/2006" type="objAndTwoObj" preserve="1">
+  <p:cSld name="Title Content and 2 Content">
+    <p:spTree>
+      <p:nvGrpSpPr>
+        <p:cNvPr id="1" name=""/>
+        <p:cNvGrpSpPr/>
+        <p:nvPr/>
+      </p:nvGrpSpPr>
+      <p:grpSpPr>
+        <a:xfrm>
+          <a:off x="0" y="0"/>
+          <a:ext cx="0" cy="0"/>
+          <a:chOff x="0" y="0"/>
+          <a:chExt cx="0" cy="0"/>
+        </a:xfrm>
+      </p:grpSpPr>
+      <p:sp>
+        <p:nvSpPr>
+          <p:cNvPr id="94" name="PlaceHolder 1"/>
+          <p:cNvSpPr>
+            <a:spLocks noGrp="1"/>
+          </p:cNvSpPr>
+          <p:nvPr>
+            <p:ph type="title"/>
+          </p:nvPr>
+        </p:nvSpPr>
+        <p:spPr>
+          <a:xfrm>
+            <a:off x="720000" y="300960"/>
+            <a:ext cx="8855280" cy="1262160"/>
+          </a:xfrm>
+          <a:prstGeom prst="rect">
+            <a:avLst/>
+          </a:prstGeom>
+        </p:spPr>
+        <p:txBody>
+          <a:bodyPr lIns="0" rIns="0" tIns="0" bIns="0" anchor="ctr"/>
+          <a:p>
+            <a:pPr algn="ctr"/>
+            <a:endParaRPr b="0" lang="en-GB" sz="4400" spc="-1" strike="noStrike">
+              <a:latin typeface="Arial"/>
+            </a:endParaRPr>
+          </a:p>
+        </p:txBody>
+      </p:sp>
+      <p:sp>
+        <p:nvSpPr>
+          <p:cNvPr id="95" name="PlaceHolder 2"/>
+          <p:cNvSpPr>
+            <a:spLocks noGrp="1"/>
+          </p:cNvSpPr>
+          <p:nvPr>
+            <p:ph type="body"/>
+          </p:nvPr>
+        </p:nvSpPr>
+        <p:spPr>
+          <a:xfrm>
+            <a:off x="720000" y="2160000"/>
+            <a:ext cx="4215960" cy="4384440"/>
+          </a:xfrm>
+          <a:prstGeom prst="rect">
+            <a:avLst/>
+          </a:prstGeom>
+        </p:spPr>
+        <p:txBody>
+          <a:bodyPr lIns="0" rIns="0" tIns="0" bIns="0">
+            <a:normAutofit/>
+          </a:bodyPr>
+          <a:p>
+            <a:endParaRPr b="0" lang="en-GB" sz="3200" spc="-1" strike="noStrike">
+              <a:latin typeface="Arial"/>
+            </a:endParaRPr>
+          </a:p>
+        </p:txBody>
+      </p:sp>
+      <p:sp>
+        <p:nvSpPr>
+          <p:cNvPr id="96" name="PlaceHolder 3"/>
+          <p:cNvSpPr>
+            <a:spLocks noGrp="1"/>
+          </p:cNvSpPr>
+          <p:nvPr>
+            <p:ph type="body"/>
+          </p:nvPr>
+        </p:nvSpPr>
+        <p:spPr>
+          <a:xfrm>
+            <a:off x="5147280" y="2160000"/>
+            <a:ext cx="4215960" cy="2091240"/>
+          </a:xfrm>
+          <a:prstGeom prst="rect">
+            <a:avLst/>
+          </a:prstGeom>
+        </p:spPr>
+        <p:txBody>
+          <a:bodyPr lIns="0" rIns="0" tIns="0" bIns="0">
+            <a:normAutofit/>
+          </a:bodyPr>
+          <a:p>
+            <a:endParaRPr b="0" lang="en-GB" sz="3200" spc="-1" strike="noStrike">
+              <a:latin typeface="Arial"/>
+            </a:endParaRPr>
+          </a:p>
+        </p:txBody>
+      </p:sp>
+      <p:sp>
+        <p:nvSpPr>
+          <p:cNvPr id="97" name="PlaceHolder 4"/>
+          <p:cNvSpPr>
+            <a:spLocks noGrp="1"/>
+          </p:cNvSpPr>
+          <p:nvPr>
+            <p:ph type="body"/>
+          </p:nvPr>
+        </p:nvSpPr>
+        <p:spPr>
+          <a:xfrm>
+            <a:off x="5147280" y="4450320"/>
+            <a:ext cx="4215960" cy="2091240"/>
+          </a:xfrm>
+          <a:prstGeom prst="rect">
+            <a:avLst/>
+          </a:prstGeom>
+        </p:spPr>
+        <p:txBody>
+          <a:bodyPr lIns="0" rIns="0" tIns="0" bIns="0">
+            <a:normAutofit/>
+          </a:bodyPr>
+          <a:p>
+            <a:endParaRPr b="0" lang="en-GB" sz="3200" spc="-1" strike="noStrike">
+              <a:latin typeface="Arial"/>
+            </a:endParaRPr>
+          </a:p>
+        </p:txBody>
+      </p:sp>
+    </p:spTree>
+  </p:cSld>
+</p:sldLayout>
+</file>
+
+<file path=ppt/slideLayouts/slideLayout33.xml><?xml version="1.0" encoding="utf-8"?>
+<p:sldLayout xmlns:a="http://schemas.openxmlformats.org/drawingml/2006/main" xmlns:p="http://schemas.openxmlformats.org/presentationml/2006/main" xmlns:r="http://schemas.openxmlformats.org/officeDocument/2006/relationships" xmlns:p14="http://schemas.microsoft.com/office/powerpoint/2010/main" xmlns:p15="http://schemas.microsoft.com/office/powerpoint/2012/main" xmlns:mc="http://schemas.openxmlformats.org/markup-compatibility/2006" type="twoObjOverTx" preserve="1">
+  <p:cSld name="Title, 2 Content over Content">
+    <p:spTree>
+      <p:nvGrpSpPr>
+        <p:cNvPr id="1" name=""/>
+        <p:cNvGrpSpPr/>
+        <p:nvPr/>
+      </p:nvGrpSpPr>
+      <p:grpSpPr>
+        <a:xfrm>
+          <a:off x="0" y="0"/>
+          <a:ext cx="0" cy="0"/>
+          <a:chOff x="0" y="0"/>
+          <a:chExt cx="0" cy="0"/>
+        </a:xfrm>
+      </p:grpSpPr>
+      <p:sp>
+        <p:nvSpPr>
+          <p:cNvPr id="98" name="PlaceHolder 1"/>
+          <p:cNvSpPr>
+            <a:spLocks noGrp="1"/>
+          </p:cNvSpPr>
+          <p:nvPr>
+            <p:ph type="title"/>
+          </p:nvPr>
+        </p:nvSpPr>
+        <p:spPr>
+          <a:xfrm>
+            <a:off x="720000" y="300960"/>
+            <a:ext cx="8855280" cy="1262160"/>
+          </a:xfrm>
+          <a:prstGeom prst="rect">
+            <a:avLst/>
+          </a:prstGeom>
+        </p:spPr>
+        <p:txBody>
+          <a:bodyPr lIns="0" rIns="0" tIns="0" bIns="0" anchor="ctr"/>
+          <a:p>
+            <a:pPr algn="ctr"/>
+            <a:endParaRPr b="0" lang="en-GB" sz="4400" spc="-1" strike="noStrike">
+              <a:latin typeface="Arial"/>
+            </a:endParaRPr>
+          </a:p>
+        </p:txBody>
+      </p:sp>
+      <p:sp>
+        <p:nvSpPr>
+          <p:cNvPr id="99" name="PlaceHolder 2"/>
+          <p:cNvSpPr>
+            <a:spLocks noGrp="1"/>
+          </p:cNvSpPr>
+          <p:nvPr>
+            <p:ph type="body"/>
+          </p:nvPr>
+        </p:nvSpPr>
+        <p:spPr>
+          <a:xfrm>
+            <a:off x="720000" y="2160000"/>
+            <a:ext cx="4215960" cy="2091240"/>
+          </a:xfrm>
+          <a:prstGeom prst="rect">
+            <a:avLst/>
+          </a:prstGeom>
+        </p:spPr>
+        <p:txBody>
+          <a:bodyPr lIns="0" rIns="0" tIns="0" bIns="0">
+            <a:normAutofit/>
+          </a:bodyPr>
+          <a:p>
+            <a:endParaRPr b="0" lang="en-GB" sz="3200" spc="-1" strike="noStrike">
+              <a:latin typeface="Arial"/>
+            </a:endParaRPr>
+          </a:p>
+        </p:txBody>
+      </p:sp>
+      <p:sp>
+        <p:nvSpPr>
+          <p:cNvPr id="100" name="PlaceHolder 3"/>
+          <p:cNvSpPr>
+            <a:spLocks noGrp="1"/>
+          </p:cNvSpPr>
+          <p:nvPr>
+            <p:ph type="body"/>
+          </p:nvPr>
+        </p:nvSpPr>
+        <p:spPr>
+          <a:xfrm>
+            <a:off x="5147280" y="2160000"/>
+            <a:ext cx="4215960" cy="2091240"/>
+          </a:xfrm>
+          <a:prstGeom prst="rect">
+            <a:avLst/>
+          </a:prstGeom>
+        </p:spPr>
+        <p:txBody>
+          <a:bodyPr lIns="0" rIns="0" tIns="0" bIns="0">
+            <a:normAutofit/>
+          </a:bodyPr>
+          <a:p>
+            <a:endParaRPr b="0" lang="en-GB" sz="3200" spc="-1" strike="noStrike">
+              <a:latin typeface="Arial"/>
+            </a:endParaRPr>
+          </a:p>
+        </p:txBody>
+      </p:sp>
+      <p:sp>
+        <p:nvSpPr>
+          <p:cNvPr id="101" name="PlaceHolder 4"/>
+          <p:cNvSpPr>
+            <a:spLocks noGrp="1"/>
+          </p:cNvSpPr>
+          <p:nvPr>
+            <p:ph type="body"/>
+          </p:nvPr>
+        </p:nvSpPr>
+        <p:spPr>
+          <a:xfrm>
+            <a:off x="720000" y="4450320"/>
+            <a:ext cx="8639640" cy="2091240"/>
+          </a:xfrm>
+          <a:prstGeom prst="rect">
+            <a:avLst/>
+          </a:prstGeom>
+        </p:spPr>
+        <p:txBody>
+          <a:bodyPr lIns="0" rIns="0" tIns="0" bIns="0">
+            <a:normAutofit/>
+          </a:bodyPr>
+          <a:p>
+            <a:endParaRPr b="0" lang="en-GB" sz="3200" spc="-1" strike="noStrike">
+              <a:latin typeface="Arial"/>
+            </a:endParaRPr>
+          </a:p>
+        </p:txBody>
+      </p:sp>
+    </p:spTree>
+  </p:cSld>
+</p:sldLayout>
+</file>
+
+<file path=ppt/slideLayouts/slideLayout34.xml><?xml version="1.0" encoding="utf-8"?>
+<p:sldLayout xmlns:a="http://schemas.openxmlformats.org/drawingml/2006/main" xmlns:p="http://schemas.openxmlformats.org/presentationml/2006/main" xmlns:r="http://schemas.openxmlformats.org/officeDocument/2006/relationships" xmlns:p14="http://schemas.microsoft.com/office/powerpoint/2010/main" xmlns:p15="http://schemas.microsoft.com/office/powerpoint/2012/main" xmlns:mc="http://schemas.openxmlformats.org/markup-compatibility/2006" type="objOverTx" preserve="1">
+  <p:cSld name="Title, Content over Content">
+    <p:spTree>
+      <p:nvGrpSpPr>
+        <p:cNvPr id="1" name=""/>
+        <p:cNvGrpSpPr/>
+        <p:nvPr/>
+      </p:nvGrpSpPr>
+      <p:grpSpPr>
+        <a:xfrm>
+          <a:off x="0" y="0"/>
+          <a:ext cx="0" cy="0"/>
+          <a:chOff x="0" y="0"/>
+          <a:chExt cx="0" cy="0"/>
+        </a:xfrm>
+      </p:grpSpPr>
+      <p:sp>
+        <p:nvSpPr>
+          <p:cNvPr id="102" name="PlaceHolder 1"/>
+          <p:cNvSpPr>
+            <a:spLocks noGrp="1"/>
+          </p:cNvSpPr>
+          <p:nvPr>
+            <p:ph type="title"/>
+          </p:nvPr>
+        </p:nvSpPr>
+        <p:spPr>
+          <a:xfrm>
+            <a:off x="720000" y="300960"/>
+            <a:ext cx="8855280" cy="1262160"/>
+          </a:xfrm>
+          <a:prstGeom prst="rect">
+            <a:avLst/>
+          </a:prstGeom>
+        </p:spPr>
+        <p:txBody>
+          <a:bodyPr lIns="0" rIns="0" tIns="0" bIns="0" anchor="ctr"/>
+          <a:p>
+            <a:pPr algn="ctr"/>
+            <a:endParaRPr b="0" lang="en-GB" sz="4400" spc="-1" strike="noStrike">
+              <a:latin typeface="Arial"/>
+            </a:endParaRPr>
+          </a:p>
+        </p:txBody>
+      </p:sp>
+      <p:sp>
+        <p:nvSpPr>
+          <p:cNvPr id="103" name="PlaceHolder 2"/>
+          <p:cNvSpPr>
+            <a:spLocks noGrp="1"/>
+          </p:cNvSpPr>
+          <p:nvPr>
+            <p:ph type="body"/>
+          </p:nvPr>
+        </p:nvSpPr>
+        <p:spPr>
+          <a:xfrm>
+            <a:off x="720000" y="2160000"/>
+            <a:ext cx="8639640" cy="2091240"/>
+          </a:xfrm>
+          <a:prstGeom prst="rect">
+            <a:avLst/>
+          </a:prstGeom>
+        </p:spPr>
+        <p:txBody>
+          <a:bodyPr lIns="0" rIns="0" tIns="0" bIns="0">
+            <a:normAutofit/>
+          </a:bodyPr>
+          <a:p>
+            <a:endParaRPr b="0" lang="en-GB" sz="3200" spc="-1" strike="noStrike">
+              <a:latin typeface="Arial"/>
+            </a:endParaRPr>
+          </a:p>
+        </p:txBody>
+      </p:sp>
+      <p:sp>
+        <p:nvSpPr>
+          <p:cNvPr id="104" name="PlaceHolder 3"/>
+          <p:cNvSpPr>
+            <a:spLocks noGrp="1"/>
+          </p:cNvSpPr>
+          <p:nvPr>
+            <p:ph type="body"/>
+          </p:nvPr>
+        </p:nvSpPr>
+        <p:spPr>
+          <a:xfrm>
+            <a:off x="720000" y="4450320"/>
+            <a:ext cx="8639640" cy="2091240"/>
+          </a:xfrm>
+          <a:prstGeom prst="rect">
+            <a:avLst/>
+          </a:prstGeom>
+        </p:spPr>
+        <p:txBody>
+          <a:bodyPr lIns="0" rIns="0" tIns="0" bIns="0">
+            <a:normAutofit/>
+          </a:bodyPr>
+          <a:p>
+            <a:endParaRPr b="0" lang="en-GB" sz="3200" spc="-1" strike="noStrike">
+              <a:latin typeface="Arial"/>
+            </a:endParaRPr>
+          </a:p>
+        </p:txBody>
+      </p:sp>
+    </p:spTree>
+  </p:cSld>
+</p:sldLayout>
+</file>
+
+<file path=ppt/slideLayouts/slideLayout35.xml><?xml version="1.0" encoding="utf-8"?>
+<p:sldLayout xmlns:a="http://schemas.openxmlformats.org/drawingml/2006/main" xmlns:p="http://schemas.openxmlformats.org/presentationml/2006/main" xmlns:r="http://schemas.openxmlformats.org/officeDocument/2006/relationships" xmlns:p14="http://schemas.microsoft.com/office/powerpoint/2010/main" xmlns:p15="http://schemas.microsoft.com/office/powerpoint/2012/main" xmlns:mc="http://schemas.openxmlformats.org/markup-compatibility/2006" type="fourObj" preserve="1">
+  <p:cSld name="Title, 4 Content">
+    <p:spTree>
+      <p:nvGrpSpPr>
+        <p:cNvPr id="1" name=""/>
+        <p:cNvGrpSpPr/>
+        <p:nvPr/>
+      </p:nvGrpSpPr>
+      <p:grpSpPr>
+        <a:xfrm>
+          <a:off x="0" y="0"/>
+          <a:ext cx="0" cy="0"/>
+          <a:chOff x="0" y="0"/>
+          <a:chExt cx="0" cy="0"/>
+        </a:xfrm>
+      </p:grpSpPr>
+      <p:sp>
+        <p:nvSpPr>
+          <p:cNvPr id="105" name="PlaceHolder 1"/>
+          <p:cNvSpPr>
+            <a:spLocks noGrp="1"/>
+          </p:cNvSpPr>
+          <p:nvPr>
+            <p:ph type="title"/>
+          </p:nvPr>
+        </p:nvSpPr>
+        <p:spPr>
+          <a:xfrm>
+            <a:off x="720000" y="300960"/>
+            <a:ext cx="8855280" cy="1262160"/>
+          </a:xfrm>
+          <a:prstGeom prst="rect">
+            <a:avLst/>
+          </a:prstGeom>
+        </p:spPr>
+        <p:txBody>
+          <a:bodyPr lIns="0" rIns="0" tIns="0" bIns="0" anchor="ctr"/>
+          <a:p>
+            <a:pPr algn="ctr"/>
+            <a:endParaRPr b="0" lang="en-GB" sz="4400" spc="-1" strike="noStrike">
+              <a:latin typeface="Arial"/>
+            </a:endParaRPr>
+          </a:p>
+        </p:txBody>
+      </p:sp>
+      <p:sp>
+        <p:nvSpPr>
+          <p:cNvPr id="106" name="PlaceHolder 2"/>
+          <p:cNvSpPr>
+            <a:spLocks noGrp="1"/>
+          </p:cNvSpPr>
+          <p:nvPr>
+            <p:ph type="body"/>
+          </p:nvPr>
+        </p:nvSpPr>
+        <p:spPr>
+          <a:xfrm>
+            <a:off x="720000" y="2160000"/>
+            <a:ext cx="4215960" cy="2091240"/>
+          </a:xfrm>
+          <a:prstGeom prst="rect">
+            <a:avLst/>
+          </a:prstGeom>
+        </p:spPr>
+        <p:txBody>
+          <a:bodyPr lIns="0" rIns="0" tIns="0" bIns="0">
+            <a:normAutofit/>
+          </a:bodyPr>
+          <a:p>
+            <a:endParaRPr b="0" lang="en-GB" sz="3200" spc="-1" strike="noStrike">
+              <a:latin typeface="Arial"/>
+            </a:endParaRPr>
+          </a:p>
+        </p:txBody>
+      </p:sp>
+      <p:sp>
+        <p:nvSpPr>
+          <p:cNvPr id="107" name="PlaceHolder 3"/>
+          <p:cNvSpPr>
+            <a:spLocks noGrp="1"/>
+          </p:cNvSpPr>
+          <p:nvPr>
+            <p:ph type="body"/>
+          </p:nvPr>
+        </p:nvSpPr>
+        <p:spPr>
+          <a:xfrm>
+            <a:off x="5147280" y="2160000"/>
+            <a:ext cx="4215960" cy="2091240"/>
+          </a:xfrm>
+          <a:prstGeom prst="rect">
+            <a:avLst/>
+          </a:prstGeom>
+        </p:spPr>
+        <p:txBody>
+          <a:bodyPr lIns="0" rIns="0" tIns="0" bIns="0">
+            <a:normAutofit/>
+          </a:bodyPr>
+          <a:p>
+            <a:endParaRPr b="0" lang="en-GB" sz="3200" spc="-1" strike="noStrike">
+              <a:latin typeface="Arial"/>
+            </a:endParaRPr>
+          </a:p>
+        </p:txBody>
+      </p:sp>
+      <p:sp>
+        <p:nvSpPr>
+          <p:cNvPr id="108" name="PlaceHolder 4"/>
+          <p:cNvSpPr>
+            <a:spLocks noGrp="1"/>
+          </p:cNvSpPr>
+          <p:nvPr>
+            <p:ph type="body"/>
+          </p:nvPr>
+        </p:nvSpPr>
+        <p:spPr>
+          <a:xfrm>
+            <a:off x="720000" y="4450320"/>
+            <a:ext cx="4215960" cy="2091240"/>
+          </a:xfrm>
+          <a:prstGeom prst="rect">
+            <a:avLst/>
+          </a:prstGeom>
+        </p:spPr>
+        <p:txBody>
+          <a:bodyPr lIns="0" rIns="0" tIns="0" bIns="0">
+            <a:normAutofit/>
+          </a:bodyPr>
+          <a:p>
+            <a:endParaRPr b="0" lang="en-GB" sz="3200" spc="-1" strike="noStrike">
+              <a:latin typeface="Arial"/>
+            </a:endParaRPr>
+          </a:p>
+        </p:txBody>
+      </p:sp>
+      <p:sp>
+        <p:nvSpPr>
+          <p:cNvPr id="109" name="PlaceHolder 5"/>
+          <p:cNvSpPr>
+            <a:spLocks noGrp="1"/>
+          </p:cNvSpPr>
+          <p:nvPr>
+            <p:ph type="body"/>
+          </p:nvPr>
+        </p:nvSpPr>
+        <p:spPr>
+          <a:xfrm>
+            <a:off x="5147280" y="4450320"/>
+            <a:ext cx="4215960" cy="2091240"/>
+          </a:xfrm>
+          <a:prstGeom prst="rect">
+            <a:avLst/>
+          </a:prstGeom>
+        </p:spPr>
+        <p:txBody>
+          <a:bodyPr lIns="0" rIns="0" tIns="0" bIns="0">
+            <a:normAutofit/>
+          </a:bodyPr>
+          <a:p>
+            <a:endParaRPr b="0" lang="en-GB" sz="3200" spc="-1" strike="noStrike">
+              <a:latin typeface="Arial"/>
+            </a:endParaRPr>
+          </a:p>
+        </p:txBody>
+      </p:sp>
+    </p:spTree>
+  </p:cSld>
+</p:sldLayout>
+</file>
+
+<file path=ppt/slideLayouts/slideLayout36.xml><?xml version="1.0" encoding="utf-8"?>
+<p:sldLayout xmlns:a="http://schemas.openxmlformats.org/drawingml/2006/main" xmlns:p="http://schemas.openxmlformats.org/presentationml/2006/main" xmlns:r="http://schemas.openxmlformats.org/officeDocument/2006/relationships" xmlns:p14="http://schemas.microsoft.com/office/powerpoint/2010/main" xmlns:p15="http://schemas.microsoft.com/office/powerpoint/2012/main" xmlns:mc="http://schemas.openxmlformats.org/markup-compatibility/2006" type="blank" preserve="1">
+  <p:cSld name="Title, 6 Content">
+    <p:spTree>
+      <p:nvGrpSpPr>
+        <p:cNvPr id="1" name=""/>
+        <p:cNvGrpSpPr/>
+        <p:nvPr/>
+      </p:nvGrpSpPr>
+      <p:grpSpPr>
+        <a:xfrm>
+          <a:off x="0" y="0"/>
+          <a:ext cx="0" cy="0"/>
+          <a:chOff x="0" y="0"/>
+          <a:chExt cx="0" cy="0"/>
+        </a:xfrm>
+      </p:grpSpPr>
+      <p:sp>
+        <p:nvSpPr>
+          <p:cNvPr id="110" name="PlaceHolder 1"/>
+          <p:cNvSpPr>
+            <a:spLocks noGrp="1"/>
+          </p:cNvSpPr>
+          <p:nvPr>
+            <p:ph type="title"/>
+          </p:nvPr>
+        </p:nvSpPr>
+        <p:spPr>
+          <a:xfrm>
+            <a:off x="720000" y="300960"/>
+            <a:ext cx="8855280" cy="1262160"/>
+          </a:xfrm>
+          <a:prstGeom prst="rect">
+            <a:avLst/>
+          </a:prstGeom>
+        </p:spPr>
+        <p:txBody>
+          <a:bodyPr lIns="0" rIns="0" tIns="0" bIns="0" anchor="ctr"/>
+          <a:p>
+            <a:pPr algn="ctr"/>
+            <a:endParaRPr b="0" lang="en-GB" sz="4400" spc="-1" strike="noStrike">
+              <a:latin typeface="Arial"/>
+            </a:endParaRPr>
+          </a:p>
+        </p:txBody>
+      </p:sp>
+      <p:sp>
+        <p:nvSpPr>
+          <p:cNvPr id="111" name="PlaceHolder 2"/>
+          <p:cNvSpPr>
+            <a:spLocks noGrp="1"/>
+          </p:cNvSpPr>
+          <p:nvPr>
+            <p:ph type="body"/>
+          </p:nvPr>
+        </p:nvSpPr>
+        <p:spPr>
+          <a:xfrm>
+            <a:off x="720000" y="2160000"/>
+            <a:ext cx="2781720" cy="2091240"/>
+          </a:xfrm>
+          <a:prstGeom prst="rect">
+            <a:avLst/>
+          </a:prstGeom>
+        </p:spPr>
+        <p:txBody>
+          <a:bodyPr lIns="0" rIns="0" tIns="0" bIns="0">
+            <a:normAutofit/>
+          </a:bodyPr>
+          <a:p>
+            <a:endParaRPr b="0" lang="en-GB" sz="3200" spc="-1" strike="noStrike">
+              <a:latin typeface="Arial"/>
+            </a:endParaRPr>
+          </a:p>
+        </p:txBody>
+      </p:sp>
+      <p:sp>
+        <p:nvSpPr>
+          <p:cNvPr id="112" name="PlaceHolder 3"/>
+          <p:cNvSpPr>
+            <a:spLocks noGrp="1"/>
+          </p:cNvSpPr>
+          <p:nvPr>
+            <p:ph type="body"/>
+          </p:nvPr>
+        </p:nvSpPr>
+        <p:spPr>
+          <a:xfrm>
+            <a:off x="3641040" y="2160000"/>
+            <a:ext cx="2781720" cy="2091240"/>
+          </a:xfrm>
+          <a:prstGeom prst="rect">
+            <a:avLst/>
+          </a:prstGeom>
+        </p:spPr>
+        <p:txBody>
+          <a:bodyPr lIns="0" rIns="0" tIns="0" bIns="0">
+            <a:normAutofit/>
+          </a:bodyPr>
+          <a:p>
+            <a:endParaRPr b="0" lang="en-GB" sz="3200" spc="-1" strike="noStrike">
+              <a:latin typeface="Arial"/>
+            </a:endParaRPr>
+          </a:p>
+        </p:txBody>
+      </p:sp>
+      <p:sp>
+        <p:nvSpPr>
+          <p:cNvPr id="113" name="PlaceHolder 4"/>
+          <p:cNvSpPr>
+            <a:spLocks noGrp="1"/>
+          </p:cNvSpPr>
+          <p:nvPr>
+            <p:ph type="body"/>
+          </p:nvPr>
+        </p:nvSpPr>
+        <p:spPr>
+          <a:xfrm>
+            <a:off x="6562440" y="2160000"/>
+            <a:ext cx="2781720" cy="2091240"/>
+          </a:xfrm>
+          <a:prstGeom prst="rect">
+            <a:avLst/>
+          </a:prstGeom>
+        </p:spPr>
+        <p:txBody>
+          <a:bodyPr lIns="0" rIns="0" tIns="0" bIns="0">
+            <a:normAutofit/>
+          </a:bodyPr>
+          <a:p>
+            <a:endParaRPr b="0" lang="en-GB" sz="3200" spc="-1" strike="noStrike">
+              <a:latin typeface="Arial"/>
+            </a:endParaRPr>
+          </a:p>
+        </p:txBody>
+      </p:sp>
+      <p:sp>
+        <p:nvSpPr>
+          <p:cNvPr id="114" name="PlaceHolder 5"/>
+          <p:cNvSpPr>
+            <a:spLocks noGrp="1"/>
+          </p:cNvSpPr>
+          <p:nvPr>
+            <p:ph type="body"/>
+          </p:nvPr>
+        </p:nvSpPr>
+        <p:spPr>
+          <a:xfrm>
+            <a:off x="720000" y="4450320"/>
+            <a:ext cx="2781720" cy="2091240"/>
+          </a:xfrm>
+          <a:prstGeom prst="rect">
+            <a:avLst/>
+          </a:prstGeom>
+        </p:spPr>
+        <p:txBody>
+          <a:bodyPr lIns="0" rIns="0" tIns="0" bIns="0">
+            <a:normAutofit/>
+          </a:bodyPr>
+          <a:p>
+            <a:endParaRPr b="0" lang="en-GB" sz="3200" spc="-1" strike="noStrike">
+              <a:latin typeface="Arial"/>
+            </a:endParaRPr>
+          </a:p>
+        </p:txBody>
+      </p:sp>
+      <p:sp>
+        <p:nvSpPr>
+          <p:cNvPr id="115" name="PlaceHolder 6"/>
+          <p:cNvSpPr>
+            <a:spLocks noGrp="1"/>
+          </p:cNvSpPr>
+          <p:nvPr>
+            <p:ph type="body"/>
+          </p:nvPr>
+        </p:nvSpPr>
+        <p:spPr>
+          <a:xfrm>
+            <a:off x="3641040" y="4450320"/>
+            <a:ext cx="2781720" cy="2091240"/>
+          </a:xfrm>
+          <a:prstGeom prst="rect">
+            <a:avLst/>
+          </a:prstGeom>
+        </p:spPr>
+        <p:txBody>
+          <a:bodyPr lIns="0" rIns="0" tIns="0" bIns="0">
+            <a:normAutofit/>
+          </a:bodyPr>
+          <a:p>
+            <a:endParaRPr b="0" lang="en-GB" sz="3200" spc="-1" strike="noStrike">
+              <a:latin typeface="Arial"/>
+            </a:endParaRPr>
+          </a:p>
+        </p:txBody>
+      </p:sp>
+      <p:sp>
+        <p:nvSpPr>
+          <p:cNvPr id="116" name="PlaceHolder 7"/>
+          <p:cNvSpPr>
+            <a:spLocks noGrp="1"/>
+          </p:cNvSpPr>
+          <p:nvPr>
+            <p:ph type="body"/>
+          </p:nvPr>
+        </p:nvSpPr>
+        <p:spPr>
+          <a:xfrm>
+            <a:off x="6562440" y="4450320"/>
+            <a:ext cx="2781720" cy="2091240"/>
+          </a:xfrm>
+          <a:prstGeom prst="rect">
+            <a:avLst/>
+          </a:prstGeom>
+        </p:spPr>
+        <p:txBody>
+          <a:bodyPr lIns="0" rIns="0" tIns="0" bIns="0">
+            <a:normAutofit/>
+          </a:bodyPr>
+          <a:p>
+            <a:endParaRPr b="0" lang="en-GB" sz="3200" spc="-1" strike="noStrike">
+              <a:latin typeface="Arial"/>
+            </a:endParaRPr>
+          </a:p>
+        </p:txBody>
+      </p:sp>
+    </p:spTree>
+  </p:cSld>
+</p:sldLayout>
+</file>
+
+<file path=ppt/slideLayouts/slideLayout37.xml><?xml version="1.0" encoding="utf-8"?>
+<p:sldLayout xmlns:a="http://schemas.openxmlformats.org/drawingml/2006/main" xmlns:p="http://schemas.openxmlformats.org/presentationml/2006/main" xmlns:r="http://schemas.openxmlformats.org/officeDocument/2006/relationships" xmlns:p14="http://schemas.microsoft.com/office/powerpoint/2010/main" xmlns:p15="http://schemas.microsoft.com/office/powerpoint/2012/main" xmlns:mc="http://schemas.openxmlformats.org/markup-compatibility/2006" type="blank" preserve="1">
+  <p:cSld name="Blank Slide">
+    <p:spTree>
+      <p:nvGrpSpPr>
+        <p:cNvPr id="1" name=""/>
+        <p:cNvGrpSpPr/>
+        <p:nvPr/>
+      </p:nvGrpSpPr>
+      <p:grpSpPr>
+        <a:xfrm>
+          <a:off x="0" y="0"/>
+          <a:ext cx="0" cy="0"/>
+          <a:chOff x="0" y="0"/>
+          <a:chExt cx="0" cy="0"/>
+        </a:xfrm>
+      </p:grpSpPr>
+    </p:spTree>
+  </p:cSld>
+</p:sldLayout>
+</file>
+
+<file path=ppt/slideLayouts/slideLayout38.xml><?xml version="1.0" encoding="utf-8"?>
+<p:sldLayout xmlns:a="http://schemas.openxmlformats.org/drawingml/2006/main" xmlns:p="http://schemas.openxmlformats.org/presentationml/2006/main" xmlns:r="http://schemas.openxmlformats.org/officeDocument/2006/relationships" xmlns:p14="http://schemas.microsoft.com/office/powerpoint/2010/main" xmlns:p15="http://schemas.microsoft.com/office/powerpoint/2012/main" xmlns:mc="http://schemas.openxmlformats.org/markup-compatibility/2006" type="tx" preserve="1">
+  <p:cSld name="Title Slide">
+    <p:spTree>
+      <p:nvGrpSpPr>
+        <p:cNvPr id="1" name=""/>
+        <p:cNvGrpSpPr/>
+        <p:nvPr/>
+      </p:nvGrpSpPr>
+      <p:grpSpPr>
+        <a:xfrm>
+          <a:off x="0" y="0"/>
+          <a:ext cx="0" cy="0"/>
+          <a:chOff x="0" y="0"/>
+          <a:chExt cx="0" cy="0"/>
+        </a:xfrm>
+      </p:grpSpPr>
+      <p:sp>
+        <p:nvSpPr>
+          <p:cNvPr id="120" name="PlaceHolder 1"/>
+          <p:cNvSpPr>
+            <a:spLocks noGrp="1"/>
+          </p:cNvSpPr>
+          <p:nvPr>
+            <p:ph type="title"/>
+          </p:nvPr>
+        </p:nvSpPr>
+        <p:spPr>
+          <a:xfrm>
+            <a:off x="720000" y="300960"/>
+            <a:ext cx="8855280" cy="1262160"/>
+          </a:xfrm>
+          <a:prstGeom prst="rect">
+            <a:avLst/>
+          </a:prstGeom>
+        </p:spPr>
+        <p:txBody>
+          <a:bodyPr lIns="0" rIns="0" tIns="0" bIns="0" anchor="ctr"/>
+          <a:p>
+            <a:pPr algn="ctr"/>
+            <a:endParaRPr b="0" lang="en-GB" sz="4400" spc="-1" strike="noStrike">
+              <a:latin typeface="Arial"/>
+            </a:endParaRPr>
+          </a:p>
+        </p:txBody>
+      </p:sp>
+      <p:sp>
+        <p:nvSpPr>
+          <p:cNvPr id="121" name="PlaceHolder 2"/>
+          <p:cNvSpPr>
+            <a:spLocks noGrp="1"/>
+          </p:cNvSpPr>
+          <p:nvPr>
+            <p:ph type="subTitle"/>
+          </p:nvPr>
+        </p:nvSpPr>
+        <p:spPr>
+          <a:xfrm>
+            <a:off x="720000" y="2160000"/>
+            <a:ext cx="8639640" cy="4384440"/>
+          </a:xfrm>
+          <a:prstGeom prst="rect">
+            <a:avLst/>
+          </a:prstGeom>
+        </p:spPr>
+        <p:txBody>
+          <a:bodyPr lIns="0" rIns="0" tIns="0" bIns="0" anchor="ctr"/>
+          <a:p>
+            <a:pPr algn="ctr"/>
+            <a:endParaRPr b="0" lang="en-GB" sz="3200" spc="-1" strike="noStrike">
+              <a:latin typeface="Arial"/>
+            </a:endParaRPr>
+          </a:p>
+        </p:txBody>
+      </p:sp>
+    </p:spTree>
+  </p:cSld>
+</p:sldLayout>
+</file>
+
+<file path=ppt/slideLayouts/slideLayout39.xml><?xml version="1.0" encoding="utf-8"?>
+<p:sldLayout xmlns:a="http://schemas.openxmlformats.org/drawingml/2006/main" xmlns:p="http://schemas.openxmlformats.org/presentationml/2006/main" xmlns:r="http://schemas.openxmlformats.org/officeDocument/2006/relationships" xmlns:p14="http://schemas.microsoft.com/office/powerpoint/2010/main" xmlns:p15="http://schemas.microsoft.com/office/powerpoint/2012/main" xmlns:mc="http://schemas.openxmlformats.org/markup-compatibility/2006" type="obj" preserve="1">
+  <p:cSld name="Title, Content">
+    <p:spTree>
+      <p:nvGrpSpPr>
+        <p:cNvPr id="1" name=""/>
+        <p:cNvGrpSpPr/>
+        <p:nvPr/>
+      </p:nvGrpSpPr>
+      <p:grpSpPr>
+        <a:xfrm>
+          <a:off x="0" y="0"/>
+          <a:ext cx="0" cy="0"/>
+          <a:chOff x="0" y="0"/>
+          <a:chExt cx="0" cy="0"/>
+        </a:xfrm>
+      </p:grpSpPr>
+      <p:sp>
+        <p:nvSpPr>
+          <p:cNvPr id="122" name="PlaceHolder 1"/>
+          <p:cNvSpPr>
+            <a:spLocks noGrp="1"/>
+          </p:cNvSpPr>
+          <p:nvPr>
+            <p:ph type="title"/>
+          </p:nvPr>
+        </p:nvSpPr>
+        <p:spPr>
+          <a:xfrm>
+            <a:off x="720000" y="300960"/>
+            <a:ext cx="8855280" cy="1262160"/>
+          </a:xfrm>
+          <a:prstGeom prst="rect">
+            <a:avLst/>
+          </a:prstGeom>
+        </p:spPr>
+        <p:txBody>
+          <a:bodyPr lIns="0" rIns="0" tIns="0" bIns="0" anchor="ctr"/>
+          <a:p>
+            <a:pPr algn="ctr"/>
+            <a:endParaRPr b="0" lang="en-GB" sz="4400" spc="-1" strike="noStrike">
+              <a:latin typeface="Arial"/>
+            </a:endParaRPr>
+          </a:p>
+        </p:txBody>
+      </p:sp>
+      <p:sp>
+        <p:nvSpPr>
+          <p:cNvPr id="123" name="PlaceHolder 2"/>
+          <p:cNvSpPr>
+            <a:spLocks noGrp="1"/>
+          </p:cNvSpPr>
+          <p:nvPr>
+            <p:ph type="body"/>
+          </p:nvPr>
+        </p:nvSpPr>
+        <p:spPr>
+          <a:xfrm>
+            <a:off x="720000" y="2160000"/>
+            <a:ext cx="8639640" cy="4384440"/>
+          </a:xfrm>
+          <a:prstGeom prst="rect">
+            <a:avLst/>
+          </a:prstGeom>
+        </p:spPr>
+        <p:txBody>
+          <a:bodyPr lIns="0" rIns="0" tIns="0" bIns="0">
+            <a:normAutofit/>
+          </a:bodyPr>
+          <a:p>
+            <a:endParaRPr b="0" lang="en-GB" sz="3200" spc="-1" strike="noStrike">
+              <a:latin typeface="Arial"/>
             </a:endParaRPr>
           </a:p>
         </p:txBody>
@@ -2136,7 +3588,7 @@
       </p:grpSpPr>
       <p:sp>
         <p:nvSpPr>
-          <p:cNvPr id="10" name="PlaceHolder 1"/>
+          <p:cNvPr id="7" name="PlaceHolder 1"/>
           <p:cNvSpPr>
             <a:spLocks noGrp="1"/>
           </p:cNvSpPr>
@@ -2147,7 +3599,7 @@
         <p:spPr>
           <a:xfrm>
             <a:off x="720000" y="300960"/>
-            <a:ext cx="8855640" cy="1262520"/>
+            <a:ext cx="8855280" cy="1262160"/>
           </a:xfrm>
           <a:prstGeom prst="rect">
             <a:avLst/>
@@ -2156,18 +3608,16 @@
         <p:txBody>
           <a:bodyPr lIns="0" rIns="0" tIns="0" bIns="0" anchor="ctr"/>
           <a:p>
-            <a:endParaRPr b="1" lang="en-GB" sz="4400" spc="-1" strike="noStrike">
-              <a:solidFill>
-                <a:srgbClr val="333333"/>
-              </a:solidFill>
-              <a:latin typeface="Noto Sans Regular"/>
-            </a:endParaRPr>
-          </a:p>
-        </p:txBody>
-      </p:sp>
-      <p:sp>
-        <p:nvSpPr>
-          <p:cNvPr id="11" name="PlaceHolder 2"/>
+            <a:pPr algn="ctr"/>
+            <a:endParaRPr b="0" lang="en-GB" sz="4400" spc="-1" strike="noStrike">
+              <a:latin typeface="Arial"/>
+            </a:endParaRPr>
+          </a:p>
+        </p:txBody>
+      </p:sp>
+      <p:sp>
+        <p:nvSpPr>
+          <p:cNvPr id="8" name="PlaceHolder 2"/>
           <p:cNvSpPr>
             <a:spLocks noGrp="1"/>
           </p:cNvSpPr>
@@ -2178,27 +3628,26 @@
         <p:spPr>
           <a:xfrm>
             <a:off x="720000" y="2160000"/>
-            <a:ext cx="4215960" cy="4384800"/>
-          </a:xfrm>
-          <a:prstGeom prst="rect">
-            <a:avLst/>
-          </a:prstGeom>
-        </p:spPr>
-        <p:txBody>
-          <a:bodyPr lIns="0" rIns="0" tIns="0" bIns="0"/>
-          <a:p>
-            <a:endParaRPr b="0" lang="en-GB" sz="2800" spc="-1" strike="noStrike">
-              <a:solidFill>
-                <a:srgbClr val="333333"/>
-              </a:solidFill>
-              <a:latin typeface="Noto Sans Regular"/>
-            </a:endParaRPr>
-          </a:p>
-        </p:txBody>
-      </p:sp>
-      <p:sp>
-        <p:nvSpPr>
-          <p:cNvPr id="12" name="PlaceHolder 3"/>
+            <a:ext cx="4215960" cy="4384440"/>
+          </a:xfrm>
+          <a:prstGeom prst="rect">
+            <a:avLst/>
+          </a:prstGeom>
+        </p:spPr>
+        <p:txBody>
+          <a:bodyPr lIns="0" rIns="0" tIns="0" bIns="0">
+            <a:normAutofit/>
+          </a:bodyPr>
+          <a:p>
+            <a:endParaRPr b="0" lang="en-GB" sz="3200" spc="-1" strike="noStrike">
+              <a:latin typeface="Arial"/>
+            </a:endParaRPr>
+          </a:p>
+        </p:txBody>
+      </p:sp>
+      <p:sp>
+        <p:nvSpPr>
+          <p:cNvPr id="9" name="PlaceHolder 3"/>
           <p:cNvSpPr>
             <a:spLocks noGrp="1"/>
           </p:cNvSpPr>
@@ -2209,20 +3658,1168 @@
         <p:spPr>
           <a:xfrm>
             <a:off x="5147280" y="2160000"/>
-            <a:ext cx="4215960" cy="4384800"/>
-          </a:xfrm>
-          <a:prstGeom prst="rect">
-            <a:avLst/>
-          </a:prstGeom>
-        </p:spPr>
-        <p:txBody>
-          <a:bodyPr lIns="0" rIns="0" tIns="0" bIns="0"/>
-          <a:p>
-            <a:endParaRPr b="0" lang="en-GB" sz="2800" spc="-1" strike="noStrike">
-              <a:solidFill>
-                <a:srgbClr val="333333"/>
-              </a:solidFill>
-              <a:latin typeface="Noto Sans Regular"/>
+            <a:ext cx="4215960" cy="4384440"/>
+          </a:xfrm>
+          <a:prstGeom prst="rect">
+            <a:avLst/>
+          </a:prstGeom>
+        </p:spPr>
+        <p:txBody>
+          <a:bodyPr lIns="0" rIns="0" tIns="0" bIns="0">
+            <a:normAutofit/>
+          </a:bodyPr>
+          <a:p>
+            <a:endParaRPr b="0" lang="en-GB" sz="3200" spc="-1" strike="noStrike">
+              <a:latin typeface="Arial"/>
+            </a:endParaRPr>
+          </a:p>
+        </p:txBody>
+      </p:sp>
+    </p:spTree>
+  </p:cSld>
+</p:sldLayout>
+</file>
+
+<file path=ppt/slideLayouts/slideLayout40.xml><?xml version="1.0" encoding="utf-8"?>
+<p:sldLayout xmlns:a="http://schemas.openxmlformats.org/drawingml/2006/main" xmlns:p="http://schemas.openxmlformats.org/presentationml/2006/main" xmlns:r="http://schemas.openxmlformats.org/officeDocument/2006/relationships" xmlns:p14="http://schemas.microsoft.com/office/powerpoint/2010/main" xmlns:p15="http://schemas.microsoft.com/office/powerpoint/2012/main" xmlns:mc="http://schemas.openxmlformats.org/markup-compatibility/2006" type="twoObj" preserve="1">
+  <p:cSld name="Title, 2 Content">
+    <p:spTree>
+      <p:nvGrpSpPr>
+        <p:cNvPr id="1" name=""/>
+        <p:cNvGrpSpPr/>
+        <p:nvPr/>
+      </p:nvGrpSpPr>
+      <p:grpSpPr>
+        <a:xfrm>
+          <a:off x="0" y="0"/>
+          <a:ext cx="0" cy="0"/>
+          <a:chOff x="0" y="0"/>
+          <a:chExt cx="0" cy="0"/>
+        </a:xfrm>
+      </p:grpSpPr>
+      <p:sp>
+        <p:nvSpPr>
+          <p:cNvPr id="124" name="PlaceHolder 1"/>
+          <p:cNvSpPr>
+            <a:spLocks noGrp="1"/>
+          </p:cNvSpPr>
+          <p:nvPr>
+            <p:ph type="title"/>
+          </p:nvPr>
+        </p:nvSpPr>
+        <p:spPr>
+          <a:xfrm>
+            <a:off x="720000" y="300960"/>
+            <a:ext cx="8855280" cy="1262160"/>
+          </a:xfrm>
+          <a:prstGeom prst="rect">
+            <a:avLst/>
+          </a:prstGeom>
+        </p:spPr>
+        <p:txBody>
+          <a:bodyPr lIns="0" rIns="0" tIns="0" bIns="0" anchor="ctr"/>
+          <a:p>
+            <a:pPr algn="ctr"/>
+            <a:endParaRPr b="0" lang="en-GB" sz="4400" spc="-1" strike="noStrike">
+              <a:latin typeface="Arial"/>
+            </a:endParaRPr>
+          </a:p>
+        </p:txBody>
+      </p:sp>
+      <p:sp>
+        <p:nvSpPr>
+          <p:cNvPr id="125" name="PlaceHolder 2"/>
+          <p:cNvSpPr>
+            <a:spLocks noGrp="1"/>
+          </p:cNvSpPr>
+          <p:nvPr>
+            <p:ph type="body"/>
+          </p:nvPr>
+        </p:nvSpPr>
+        <p:spPr>
+          <a:xfrm>
+            <a:off x="720000" y="2160000"/>
+            <a:ext cx="4215960" cy="4384440"/>
+          </a:xfrm>
+          <a:prstGeom prst="rect">
+            <a:avLst/>
+          </a:prstGeom>
+        </p:spPr>
+        <p:txBody>
+          <a:bodyPr lIns="0" rIns="0" tIns="0" bIns="0">
+            <a:normAutofit/>
+          </a:bodyPr>
+          <a:p>
+            <a:endParaRPr b="0" lang="en-GB" sz="3200" spc="-1" strike="noStrike">
+              <a:latin typeface="Arial"/>
+            </a:endParaRPr>
+          </a:p>
+        </p:txBody>
+      </p:sp>
+      <p:sp>
+        <p:nvSpPr>
+          <p:cNvPr id="126" name="PlaceHolder 3"/>
+          <p:cNvSpPr>
+            <a:spLocks noGrp="1"/>
+          </p:cNvSpPr>
+          <p:nvPr>
+            <p:ph type="body"/>
+          </p:nvPr>
+        </p:nvSpPr>
+        <p:spPr>
+          <a:xfrm>
+            <a:off x="5147280" y="2160000"/>
+            <a:ext cx="4215960" cy="4384440"/>
+          </a:xfrm>
+          <a:prstGeom prst="rect">
+            <a:avLst/>
+          </a:prstGeom>
+        </p:spPr>
+        <p:txBody>
+          <a:bodyPr lIns="0" rIns="0" tIns="0" bIns="0">
+            <a:normAutofit/>
+          </a:bodyPr>
+          <a:p>
+            <a:endParaRPr b="0" lang="en-GB" sz="3200" spc="-1" strike="noStrike">
+              <a:latin typeface="Arial"/>
+            </a:endParaRPr>
+          </a:p>
+        </p:txBody>
+      </p:sp>
+    </p:spTree>
+  </p:cSld>
+</p:sldLayout>
+</file>
+
+<file path=ppt/slideLayouts/slideLayout41.xml><?xml version="1.0" encoding="utf-8"?>
+<p:sldLayout xmlns:a="http://schemas.openxmlformats.org/drawingml/2006/main" xmlns:p="http://schemas.openxmlformats.org/presentationml/2006/main" xmlns:r="http://schemas.openxmlformats.org/officeDocument/2006/relationships" xmlns:p14="http://schemas.microsoft.com/office/powerpoint/2010/main" xmlns:p15="http://schemas.microsoft.com/office/powerpoint/2012/main" xmlns:mc="http://schemas.openxmlformats.org/markup-compatibility/2006" type="titleOnly" preserve="1">
+  <p:cSld name="Title Only">
+    <p:spTree>
+      <p:nvGrpSpPr>
+        <p:cNvPr id="1" name=""/>
+        <p:cNvGrpSpPr/>
+        <p:nvPr/>
+      </p:nvGrpSpPr>
+      <p:grpSpPr>
+        <a:xfrm>
+          <a:off x="0" y="0"/>
+          <a:ext cx="0" cy="0"/>
+          <a:chOff x="0" y="0"/>
+          <a:chExt cx="0" cy="0"/>
+        </a:xfrm>
+      </p:grpSpPr>
+      <p:sp>
+        <p:nvSpPr>
+          <p:cNvPr id="127" name="PlaceHolder 1"/>
+          <p:cNvSpPr>
+            <a:spLocks noGrp="1"/>
+          </p:cNvSpPr>
+          <p:nvPr>
+            <p:ph type="title"/>
+          </p:nvPr>
+        </p:nvSpPr>
+        <p:spPr>
+          <a:xfrm>
+            <a:off x="720000" y="300960"/>
+            <a:ext cx="8855280" cy="1262160"/>
+          </a:xfrm>
+          <a:prstGeom prst="rect">
+            <a:avLst/>
+          </a:prstGeom>
+        </p:spPr>
+        <p:txBody>
+          <a:bodyPr lIns="0" rIns="0" tIns="0" bIns="0" anchor="ctr"/>
+          <a:p>
+            <a:pPr algn="ctr"/>
+            <a:endParaRPr b="0" lang="en-GB" sz="4400" spc="-1" strike="noStrike">
+              <a:latin typeface="Arial"/>
+            </a:endParaRPr>
+          </a:p>
+        </p:txBody>
+      </p:sp>
+    </p:spTree>
+  </p:cSld>
+</p:sldLayout>
+</file>
+
+<file path=ppt/slideLayouts/slideLayout42.xml><?xml version="1.0" encoding="utf-8"?>
+<p:sldLayout xmlns:a="http://schemas.openxmlformats.org/drawingml/2006/main" xmlns:p="http://schemas.openxmlformats.org/presentationml/2006/main" xmlns:r="http://schemas.openxmlformats.org/officeDocument/2006/relationships" xmlns:p14="http://schemas.microsoft.com/office/powerpoint/2010/main" xmlns:p15="http://schemas.microsoft.com/office/powerpoint/2012/main" xmlns:mc="http://schemas.openxmlformats.org/markup-compatibility/2006" type="objOnly" preserve="1">
+  <p:cSld name="Centered Text">
+    <p:spTree>
+      <p:nvGrpSpPr>
+        <p:cNvPr id="1" name=""/>
+        <p:cNvGrpSpPr/>
+        <p:nvPr/>
+      </p:nvGrpSpPr>
+      <p:grpSpPr>
+        <a:xfrm>
+          <a:off x="0" y="0"/>
+          <a:ext cx="0" cy="0"/>
+          <a:chOff x="0" y="0"/>
+          <a:chExt cx="0" cy="0"/>
+        </a:xfrm>
+      </p:grpSpPr>
+      <p:sp>
+        <p:nvSpPr>
+          <p:cNvPr id="128" name="PlaceHolder 1"/>
+          <p:cNvSpPr>
+            <a:spLocks noGrp="1"/>
+          </p:cNvSpPr>
+          <p:nvPr>
+            <p:ph type="subTitle"/>
+          </p:nvPr>
+        </p:nvSpPr>
+        <p:spPr>
+          <a:xfrm>
+            <a:off x="720000" y="300960"/>
+            <a:ext cx="8855280" cy="5851800"/>
+          </a:xfrm>
+          <a:prstGeom prst="rect">
+            <a:avLst/>
+          </a:prstGeom>
+        </p:spPr>
+        <p:txBody>
+          <a:bodyPr lIns="0" rIns="0" tIns="0" bIns="0" anchor="ctr"/>
+          <a:p>
+            <a:pPr algn="ctr"/>
+            <a:endParaRPr b="0" lang="en-GB" sz="3200" spc="-1" strike="noStrike">
+              <a:latin typeface="Arial"/>
+            </a:endParaRPr>
+          </a:p>
+        </p:txBody>
+      </p:sp>
+    </p:spTree>
+  </p:cSld>
+</p:sldLayout>
+</file>
+
+<file path=ppt/slideLayouts/slideLayout43.xml><?xml version="1.0" encoding="utf-8"?>
+<p:sldLayout xmlns:a="http://schemas.openxmlformats.org/drawingml/2006/main" xmlns:p="http://schemas.openxmlformats.org/presentationml/2006/main" xmlns:r="http://schemas.openxmlformats.org/officeDocument/2006/relationships" xmlns:p14="http://schemas.microsoft.com/office/powerpoint/2010/main" xmlns:p15="http://schemas.microsoft.com/office/powerpoint/2012/main" xmlns:mc="http://schemas.openxmlformats.org/markup-compatibility/2006" type="twoObjAndObj" preserve="1">
+  <p:cSld name="Title, 2 Content and Content">
+    <p:spTree>
+      <p:nvGrpSpPr>
+        <p:cNvPr id="1" name=""/>
+        <p:cNvGrpSpPr/>
+        <p:nvPr/>
+      </p:nvGrpSpPr>
+      <p:grpSpPr>
+        <a:xfrm>
+          <a:off x="0" y="0"/>
+          <a:ext cx="0" cy="0"/>
+          <a:chOff x="0" y="0"/>
+          <a:chExt cx="0" cy="0"/>
+        </a:xfrm>
+      </p:grpSpPr>
+      <p:sp>
+        <p:nvSpPr>
+          <p:cNvPr id="129" name="PlaceHolder 1"/>
+          <p:cNvSpPr>
+            <a:spLocks noGrp="1"/>
+          </p:cNvSpPr>
+          <p:nvPr>
+            <p:ph type="title"/>
+          </p:nvPr>
+        </p:nvSpPr>
+        <p:spPr>
+          <a:xfrm>
+            <a:off x="720000" y="300960"/>
+            <a:ext cx="8855280" cy="1262160"/>
+          </a:xfrm>
+          <a:prstGeom prst="rect">
+            <a:avLst/>
+          </a:prstGeom>
+        </p:spPr>
+        <p:txBody>
+          <a:bodyPr lIns="0" rIns="0" tIns="0" bIns="0" anchor="ctr"/>
+          <a:p>
+            <a:pPr algn="ctr"/>
+            <a:endParaRPr b="0" lang="en-GB" sz="4400" spc="-1" strike="noStrike">
+              <a:latin typeface="Arial"/>
+            </a:endParaRPr>
+          </a:p>
+        </p:txBody>
+      </p:sp>
+      <p:sp>
+        <p:nvSpPr>
+          <p:cNvPr id="130" name="PlaceHolder 2"/>
+          <p:cNvSpPr>
+            <a:spLocks noGrp="1"/>
+          </p:cNvSpPr>
+          <p:nvPr>
+            <p:ph type="body"/>
+          </p:nvPr>
+        </p:nvSpPr>
+        <p:spPr>
+          <a:xfrm>
+            <a:off x="720000" y="2160000"/>
+            <a:ext cx="4215960" cy="2091240"/>
+          </a:xfrm>
+          <a:prstGeom prst="rect">
+            <a:avLst/>
+          </a:prstGeom>
+        </p:spPr>
+        <p:txBody>
+          <a:bodyPr lIns="0" rIns="0" tIns="0" bIns="0">
+            <a:normAutofit/>
+          </a:bodyPr>
+          <a:p>
+            <a:endParaRPr b="0" lang="en-GB" sz="3200" spc="-1" strike="noStrike">
+              <a:latin typeface="Arial"/>
+            </a:endParaRPr>
+          </a:p>
+        </p:txBody>
+      </p:sp>
+      <p:sp>
+        <p:nvSpPr>
+          <p:cNvPr id="131" name="PlaceHolder 3"/>
+          <p:cNvSpPr>
+            <a:spLocks noGrp="1"/>
+          </p:cNvSpPr>
+          <p:nvPr>
+            <p:ph type="body"/>
+          </p:nvPr>
+        </p:nvSpPr>
+        <p:spPr>
+          <a:xfrm>
+            <a:off x="5147280" y="2160000"/>
+            <a:ext cx="4215960" cy="4384440"/>
+          </a:xfrm>
+          <a:prstGeom prst="rect">
+            <a:avLst/>
+          </a:prstGeom>
+        </p:spPr>
+        <p:txBody>
+          <a:bodyPr lIns="0" rIns="0" tIns="0" bIns="0">
+            <a:normAutofit/>
+          </a:bodyPr>
+          <a:p>
+            <a:endParaRPr b="0" lang="en-GB" sz="3200" spc="-1" strike="noStrike">
+              <a:latin typeface="Arial"/>
+            </a:endParaRPr>
+          </a:p>
+        </p:txBody>
+      </p:sp>
+      <p:sp>
+        <p:nvSpPr>
+          <p:cNvPr id="132" name="PlaceHolder 4"/>
+          <p:cNvSpPr>
+            <a:spLocks noGrp="1"/>
+          </p:cNvSpPr>
+          <p:nvPr>
+            <p:ph type="body"/>
+          </p:nvPr>
+        </p:nvSpPr>
+        <p:spPr>
+          <a:xfrm>
+            <a:off x="720000" y="4450320"/>
+            <a:ext cx="4215960" cy="2091240"/>
+          </a:xfrm>
+          <a:prstGeom prst="rect">
+            <a:avLst/>
+          </a:prstGeom>
+        </p:spPr>
+        <p:txBody>
+          <a:bodyPr lIns="0" rIns="0" tIns="0" bIns="0">
+            <a:normAutofit/>
+          </a:bodyPr>
+          <a:p>
+            <a:endParaRPr b="0" lang="en-GB" sz="3200" spc="-1" strike="noStrike">
+              <a:latin typeface="Arial"/>
+            </a:endParaRPr>
+          </a:p>
+        </p:txBody>
+      </p:sp>
+    </p:spTree>
+  </p:cSld>
+</p:sldLayout>
+</file>
+
+<file path=ppt/slideLayouts/slideLayout44.xml><?xml version="1.0" encoding="utf-8"?>
+<p:sldLayout xmlns:a="http://schemas.openxmlformats.org/drawingml/2006/main" xmlns:p="http://schemas.openxmlformats.org/presentationml/2006/main" xmlns:r="http://schemas.openxmlformats.org/officeDocument/2006/relationships" xmlns:p14="http://schemas.microsoft.com/office/powerpoint/2010/main" xmlns:p15="http://schemas.microsoft.com/office/powerpoint/2012/main" xmlns:mc="http://schemas.openxmlformats.org/markup-compatibility/2006" type="objAndTwoObj" preserve="1">
+  <p:cSld name="Title Content and 2 Content">
+    <p:spTree>
+      <p:nvGrpSpPr>
+        <p:cNvPr id="1" name=""/>
+        <p:cNvGrpSpPr/>
+        <p:nvPr/>
+      </p:nvGrpSpPr>
+      <p:grpSpPr>
+        <a:xfrm>
+          <a:off x="0" y="0"/>
+          <a:ext cx="0" cy="0"/>
+          <a:chOff x="0" y="0"/>
+          <a:chExt cx="0" cy="0"/>
+        </a:xfrm>
+      </p:grpSpPr>
+      <p:sp>
+        <p:nvSpPr>
+          <p:cNvPr id="133" name="PlaceHolder 1"/>
+          <p:cNvSpPr>
+            <a:spLocks noGrp="1"/>
+          </p:cNvSpPr>
+          <p:nvPr>
+            <p:ph type="title"/>
+          </p:nvPr>
+        </p:nvSpPr>
+        <p:spPr>
+          <a:xfrm>
+            <a:off x="720000" y="300960"/>
+            <a:ext cx="8855280" cy="1262160"/>
+          </a:xfrm>
+          <a:prstGeom prst="rect">
+            <a:avLst/>
+          </a:prstGeom>
+        </p:spPr>
+        <p:txBody>
+          <a:bodyPr lIns="0" rIns="0" tIns="0" bIns="0" anchor="ctr"/>
+          <a:p>
+            <a:pPr algn="ctr"/>
+            <a:endParaRPr b="0" lang="en-GB" sz="4400" spc="-1" strike="noStrike">
+              <a:latin typeface="Arial"/>
+            </a:endParaRPr>
+          </a:p>
+        </p:txBody>
+      </p:sp>
+      <p:sp>
+        <p:nvSpPr>
+          <p:cNvPr id="134" name="PlaceHolder 2"/>
+          <p:cNvSpPr>
+            <a:spLocks noGrp="1"/>
+          </p:cNvSpPr>
+          <p:nvPr>
+            <p:ph type="body"/>
+          </p:nvPr>
+        </p:nvSpPr>
+        <p:spPr>
+          <a:xfrm>
+            <a:off x="720000" y="2160000"/>
+            <a:ext cx="4215960" cy="4384440"/>
+          </a:xfrm>
+          <a:prstGeom prst="rect">
+            <a:avLst/>
+          </a:prstGeom>
+        </p:spPr>
+        <p:txBody>
+          <a:bodyPr lIns="0" rIns="0" tIns="0" bIns="0">
+            <a:normAutofit/>
+          </a:bodyPr>
+          <a:p>
+            <a:endParaRPr b="0" lang="en-GB" sz="3200" spc="-1" strike="noStrike">
+              <a:latin typeface="Arial"/>
+            </a:endParaRPr>
+          </a:p>
+        </p:txBody>
+      </p:sp>
+      <p:sp>
+        <p:nvSpPr>
+          <p:cNvPr id="135" name="PlaceHolder 3"/>
+          <p:cNvSpPr>
+            <a:spLocks noGrp="1"/>
+          </p:cNvSpPr>
+          <p:nvPr>
+            <p:ph type="body"/>
+          </p:nvPr>
+        </p:nvSpPr>
+        <p:spPr>
+          <a:xfrm>
+            <a:off x="5147280" y="2160000"/>
+            <a:ext cx="4215960" cy="2091240"/>
+          </a:xfrm>
+          <a:prstGeom prst="rect">
+            <a:avLst/>
+          </a:prstGeom>
+        </p:spPr>
+        <p:txBody>
+          <a:bodyPr lIns="0" rIns="0" tIns="0" bIns="0">
+            <a:normAutofit/>
+          </a:bodyPr>
+          <a:p>
+            <a:endParaRPr b="0" lang="en-GB" sz="3200" spc="-1" strike="noStrike">
+              <a:latin typeface="Arial"/>
+            </a:endParaRPr>
+          </a:p>
+        </p:txBody>
+      </p:sp>
+      <p:sp>
+        <p:nvSpPr>
+          <p:cNvPr id="136" name="PlaceHolder 4"/>
+          <p:cNvSpPr>
+            <a:spLocks noGrp="1"/>
+          </p:cNvSpPr>
+          <p:nvPr>
+            <p:ph type="body"/>
+          </p:nvPr>
+        </p:nvSpPr>
+        <p:spPr>
+          <a:xfrm>
+            <a:off x="5147280" y="4450320"/>
+            <a:ext cx="4215960" cy="2091240"/>
+          </a:xfrm>
+          <a:prstGeom prst="rect">
+            <a:avLst/>
+          </a:prstGeom>
+        </p:spPr>
+        <p:txBody>
+          <a:bodyPr lIns="0" rIns="0" tIns="0" bIns="0">
+            <a:normAutofit/>
+          </a:bodyPr>
+          <a:p>
+            <a:endParaRPr b="0" lang="en-GB" sz="3200" spc="-1" strike="noStrike">
+              <a:latin typeface="Arial"/>
+            </a:endParaRPr>
+          </a:p>
+        </p:txBody>
+      </p:sp>
+    </p:spTree>
+  </p:cSld>
+</p:sldLayout>
+</file>
+
+<file path=ppt/slideLayouts/slideLayout45.xml><?xml version="1.0" encoding="utf-8"?>
+<p:sldLayout xmlns:a="http://schemas.openxmlformats.org/drawingml/2006/main" xmlns:p="http://schemas.openxmlformats.org/presentationml/2006/main" xmlns:r="http://schemas.openxmlformats.org/officeDocument/2006/relationships" xmlns:p14="http://schemas.microsoft.com/office/powerpoint/2010/main" xmlns:p15="http://schemas.microsoft.com/office/powerpoint/2012/main" xmlns:mc="http://schemas.openxmlformats.org/markup-compatibility/2006" type="twoObjOverTx" preserve="1">
+  <p:cSld name="Title, 2 Content over Content">
+    <p:spTree>
+      <p:nvGrpSpPr>
+        <p:cNvPr id="1" name=""/>
+        <p:cNvGrpSpPr/>
+        <p:nvPr/>
+      </p:nvGrpSpPr>
+      <p:grpSpPr>
+        <a:xfrm>
+          <a:off x="0" y="0"/>
+          <a:ext cx="0" cy="0"/>
+          <a:chOff x="0" y="0"/>
+          <a:chExt cx="0" cy="0"/>
+        </a:xfrm>
+      </p:grpSpPr>
+      <p:sp>
+        <p:nvSpPr>
+          <p:cNvPr id="137" name="PlaceHolder 1"/>
+          <p:cNvSpPr>
+            <a:spLocks noGrp="1"/>
+          </p:cNvSpPr>
+          <p:nvPr>
+            <p:ph type="title"/>
+          </p:nvPr>
+        </p:nvSpPr>
+        <p:spPr>
+          <a:xfrm>
+            <a:off x="720000" y="300960"/>
+            <a:ext cx="8855280" cy="1262160"/>
+          </a:xfrm>
+          <a:prstGeom prst="rect">
+            <a:avLst/>
+          </a:prstGeom>
+        </p:spPr>
+        <p:txBody>
+          <a:bodyPr lIns="0" rIns="0" tIns="0" bIns="0" anchor="ctr"/>
+          <a:p>
+            <a:pPr algn="ctr"/>
+            <a:endParaRPr b="0" lang="en-GB" sz="4400" spc="-1" strike="noStrike">
+              <a:latin typeface="Arial"/>
+            </a:endParaRPr>
+          </a:p>
+        </p:txBody>
+      </p:sp>
+      <p:sp>
+        <p:nvSpPr>
+          <p:cNvPr id="138" name="PlaceHolder 2"/>
+          <p:cNvSpPr>
+            <a:spLocks noGrp="1"/>
+          </p:cNvSpPr>
+          <p:nvPr>
+            <p:ph type="body"/>
+          </p:nvPr>
+        </p:nvSpPr>
+        <p:spPr>
+          <a:xfrm>
+            <a:off x="720000" y="2160000"/>
+            <a:ext cx="4215960" cy="2091240"/>
+          </a:xfrm>
+          <a:prstGeom prst="rect">
+            <a:avLst/>
+          </a:prstGeom>
+        </p:spPr>
+        <p:txBody>
+          <a:bodyPr lIns="0" rIns="0" tIns="0" bIns="0">
+            <a:normAutofit/>
+          </a:bodyPr>
+          <a:p>
+            <a:endParaRPr b="0" lang="en-GB" sz="3200" spc="-1" strike="noStrike">
+              <a:latin typeface="Arial"/>
+            </a:endParaRPr>
+          </a:p>
+        </p:txBody>
+      </p:sp>
+      <p:sp>
+        <p:nvSpPr>
+          <p:cNvPr id="139" name="PlaceHolder 3"/>
+          <p:cNvSpPr>
+            <a:spLocks noGrp="1"/>
+          </p:cNvSpPr>
+          <p:nvPr>
+            <p:ph type="body"/>
+          </p:nvPr>
+        </p:nvSpPr>
+        <p:spPr>
+          <a:xfrm>
+            <a:off x="5147280" y="2160000"/>
+            <a:ext cx="4215960" cy="2091240"/>
+          </a:xfrm>
+          <a:prstGeom prst="rect">
+            <a:avLst/>
+          </a:prstGeom>
+        </p:spPr>
+        <p:txBody>
+          <a:bodyPr lIns="0" rIns="0" tIns="0" bIns="0">
+            <a:normAutofit/>
+          </a:bodyPr>
+          <a:p>
+            <a:endParaRPr b="0" lang="en-GB" sz="3200" spc="-1" strike="noStrike">
+              <a:latin typeface="Arial"/>
+            </a:endParaRPr>
+          </a:p>
+        </p:txBody>
+      </p:sp>
+      <p:sp>
+        <p:nvSpPr>
+          <p:cNvPr id="140" name="PlaceHolder 4"/>
+          <p:cNvSpPr>
+            <a:spLocks noGrp="1"/>
+          </p:cNvSpPr>
+          <p:nvPr>
+            <p:ph type="body"/>
+          </p:nvPr>
+        </p:nvSpPr>
+        <p:spPr>
+          <a:xfrm>
+            <a:off x="720000" y="4450320"/>
+            <a:ext cx="8639640" cy="2091240"/>
+          </a:xfrm>
+          <a:prstGeom prst="rect">
+            <a:avLst/>
+          </a:prstGeom>
+        </p:spPr>
+        <p:txBody>
+          <a:bodyPr lIns="0" rIns="0" tIns="0" bIns="0">
+            <a:normAutofit/>
+          </a:bodyPr>
+          <a:p>
+            <a:endParaRPr b="0" lang="en-GB" sz="3200" spc="-1" strike="noStrike">
+              <a:latin typeface="Arial"/>
+            </a:endParaRPr>
+          </a:p>
+        </p:txBody>
+      </p:sp>
+    </p:spTree>
+  </p:cSld>
+</p:sldLayout>
+</file>
+
+<file path=ppt/slideLayouts/slideLayout46.xml><?xml version="1.0" encoding="utf-8"?>
+<p:sldLayout xmlns:a="http://schemas.openxmlformats.org/drawingml/2006/main" xmlns:p="http://schemas.openxmlformats.org/presentationml/2006/main" xmlns:r="http://schemas.openxmlformats.org/officeDocument/2006/relationships" xmlns:p14="http://schemas.microsoft.com/office/powerpoint/2010/main" xmlns:p15="http://schemas.microsoft.com/office/powerpoint/2012/main" xmlns:mc="http://schemas.openxmlformats.org/markup-compatibility/2006" type="objOverTx" preserve="1">
+  <p:cSld name="Title, Content over Content">
+    <p:spTree>
+      <p:nvGrpSpPr>
+        <p:cNvPr id="1" name=""/>
+        <p:cNvGrpSpPr/>
+        <p:nvPr/>
+      </p:nvGrpSpPr>
+      <p:grpSpPr>
+        <a:xfrm>
+          <a:off x="0" y="0"/>
+          <a:ext cx="0" cy="0"/>
+          <a:chOff x="0" y="0"/>
+          <a:chExt cx="0" cy="0"/>
+        </a:xfrm>
+      </p:grpSpPr>
+      <p:sp>
+        <p:nvSpPr>
+          <p:cNvPr id="141" name="PlaceHolder 1"/>
+          <p:cNvSpPr>
+            <a:spLocks noGrp="1"/>
+          </p:cNvSpPr>
+          <p:nvPr>
+            <p:ph type="title"/>
+          </p:nvPr>
+        </p:nvSpPr>
+        <p:spPr>
+          <a:xfrm>
+            <a:off x="720000" y="300960"/>
+            <a:ext cx="8855280" cy="1262160"/>
+          </a:xfrm>
+          <a:prstGeom prst="rect">
+            <a:avLst/>
+          </a:prstGeom>
+        </p:spPr>
+        <p:txBody>
+          <a:bodyPr lIns="0" rIns="0" tIns="0" bIns="0" anchor="ctr"/>
+          <a:p>
+            <a:pPr algn="ctr"/>
+            <a:endParaRPr b="0" lang="en-GB" sz="4400" spc="-1" strike="noStrike">
+              <a:latin typeface="Arial"/>
+            </a:endParaRPr>
+          </a:p>
+        </p:txBody>
+      </p:sp>
+      <p:sp>
+        <p:nvSpPr>
+          <p:cNvPr id="142" name="PlaceHolder 2"/>
+          <p:cNvSpPr>
+            <a:spLocks noGrp="1"/>
+          </p:cNvSpPr>
+          <p:nvPr>
+            <p:ph type="body"/>
+          </p:nvPr>
+        </p:nvSpPr>
+        <p:spPr>
+          <a:xfrm>
+            <a:off x="720000" y="2160000"/>
+            <a:ext cx="8639640" cy="2091240"/>
+          </a:xfrm>
+          <a:prstGeom prst="rect">
+            <a:avLst/>
+          </a:prstGeom>
+        </p:spPr>
+        <p:txBody>
+          <a:bodyPr lIns="0" rIns="0" tIns="0" bIns="0">
+            <a:normAutofit/>
+          </a:bodyPr>
+          <a:p>
+            <a:endParaRPr b="0" lang="en-GB" sz="3200" spc="-1" strike="noStrike">
+              <a:latin typeface="Arial"/>
+            </a:endParaRPr>
+          </a:p>
+        </p:txBody>
+      </p:sp>
+      <p:sp>
+        <p:nvSpPr>
+          <p:cNvPr id="143" name="PlaceHolder 3"/>
+          <p:cNvSpPr>
+            <a:spLocks noGrp="1"/>
+          </p:cNvSpPr>
+          <p:nvPr>
+            <p:ph type="body"/>
+          </p:nvPr>
+        </p:nvSpPr>
+        <p:spPr>
+          <a:xfrm>
+            <a:off x="720000" y="4450320"/>
+            <a:ext cx="8639640" cy="2091240"/>
+          </a:xfrm>
+          <a:prstGeom prst="rect">
+            <a:avLst/>
+          </a:prstGeom>
+        </p:spPr>
+        <p:txBody>
+          <a:bodyPr lIns="0" rIns="0" tIns="0" bIns="0">
+            <a:normAutofit/>
+          </a:bodyPr>
+          <a:p>
+            <a:endParaRPr b="0" lang="en-GB" sz="3200" spc="-1" strike="noStrike">
+              <a:latin typeface="Arial"/>
+            </a:endParaRPr>
+          </a:p>
+        </p:txBody>
+      </p:sp>
+    </p:spTree>
+  </p:cSld>
+</p:sldLayout>
+</file>
+
+<file path=ppt/slideLayouts/slideLayout47.xml><?xml version="1.0" encoding="utf-8"?>
+<p:sldLayout xmlns:a="http://schemas.openxmlformats.org/drawingml/2006/main" xmlns:p="http://schemas.openxmlformats.org/presentationml/2006/main" xmlns:r="http://schemas.openxmlformats.org/officeDocument/2006/relationships" xmlns:p14="http://schemas.microsoft.com/office/powerpoint/2010/main" xmlns:p15="http://schemas.microsoft.com/office/powerpoint/2012/main" xmlns:mc="http://schemas.openxmlformats.org/markup-compatibility/2006" type="fourObj" preserve="1">
+  <p:cSld name="Title, 4 Content">
+    <p:spTree>
+      <p:nvGrpSpPr>
+        <p:cNvPr id="1" name=""/>
+        <p:cNvGrpSpPr/>
+        <p:nvPr/>
+      </p:nvGrpSpPr>
+      <p:grpSpPr>
+        <a:xfrm>
+          <a:off x="0" y="0"/>
+          <a:ext cx="0" cy="0"/>
+          <a:chOff x="0" y="0"/>
+          <a:chExt cx="0" cy="0"/>
+        </a:xfrm>
+      </p:grpSpPr>
+      <p:sp>
+        <p:nvSpPr>
+          <p:cNvPr id="144" name="PlaceHolder 1"/>
+          <p:cNvSpPr>
+            <a:spLocks noGrp="1"/>
+          </p:cNvSpPr>
+          <p:nvPr>
+            <p:ph type="title"/>
+          </p:nvPr>
+        </p:nvSpPr>
+        <p:spPr>
+          <a:xfrm>
+            <a:off x="720000" y="300960"/>
+            <a:ext cx="8855280" cy="1262160"/>
+          </a:xfrm>
+          <a:prstGeom prst="rect">
+            <a:avLst/>
+          </a:prstGeom>
+        </p:spPr>
+        <p:txBody>
+          <a:bodyPr lIns="0" rIns="0" tIns="0" bIns="0" anchor="ctr"/>
+          <a:p>
+            <a:pPr algn="ctr"/>
+            <a:endParaRPr b="0" lang="en-GB" sz="4400" spc="-1" strike="noStrike">
+              <a:latin typeface="Arial"/>
+            </a:endParaRPr>
+          </a:p>
+        </p:txBody>
+      </p:sp>
+      <p:sp>
+        <p:nvSpPr>
+          <p:cNvPr id="145" name="PlaceHolder 2"/>
+          <p:cNvSpPr>
+            <a:spLocks noGrp="1"/>
+          </p:cNvSpPr>
+          <p:nvPr>
+            <p:ph type="body"/>
+          </p:nvPr>
+        </p:nvSpPr>
+        <p:spPr>
+          <a:xfrm>
+            <a:off x="720000" y="2160000"/>
+            <a:ext cx="4215960" cy="2091240"/>
+          </a:xfrm>
+          <a:prstGeom prst="rect">
+            <a:avLst/>
+          </a:prstGeom>
+        </p:spPr>
+        <p:txBody>
+          <a:bodyPr lIns="0" rIns="0" tIns="0" bIns="0">
+            <a:normAutofit/>
+          </a:bodyPr>
+          <a:p>
+            <a:endParaRPr b="0" lang="en-GB" sz="3200" spc="-1" strike="noStrike">
+              <a:latin typeface="Arial"/>
+            </a:endParaRPr>
+          </a:p>
+        </p:txBody>
+      </p:sp>
+      <p:sp>
+        <p:nvSpPr>
+          <p:cNvPr id="146" name="PlaceHolder 3"/>
+          <p:cNvSpPr>
+            <a:spLocks noGrp="1"/>
+          </p:cNvSpPr>
+          <p:nvPr>
+            <p:ph type="body"/>
+          </p:nvPr>
+        </p:nvSpPr>
+        <p:spPr>
+          <a:xfrm>
+            <a:off x="5147280" y="2160000"/>
+            <a:ext cx="4215960" cy="2091240"/>
+          </a:xfrm>
+          <a:prstGeom prst="rect">
+            <a:avLst/>
+          </a:prstGeom>
+        </p:spPr>
+        <p:txBody>
+          <a:bodyPr lIns="0" rIns="0" tIns="0" bIns="0">
+            <a:normAutofit/>
+          </a:bodyPr>
+          <a:p>
+            <a:endParaRPr b="0" lang="en-GB" sz="3200" spc="-1" strike="noStrike">
+              <a:latin typeface="Arial"/>
+            </a:endParaRPr>
+          </a:p>
+        </p:txBody>
+      </p:sp>
+      <p:sp>
+        <p:nvSpPr>
+          <p:cNvPr id="147" name="PlaceHolder 4"/>
+          <p:cNvSpPr>
+            <a:spLocks noGrp="1"/>
+          </p:cNvSpPr>
+          <p:nvPr>
+            <p:ph type="body"/>
+          </p:nvPr>
+        </p:nvSpPr>
+        <p:spPr>
+          <a:xfrm>
+            <a:off x="720000" y="4450320"/>
+            <a:ext cx="4215960" cy="2091240"/>
+          </a:xfrm>
+          <a:prstGeom prst="rect">
+            <a:avLst/>
+          </a:prstGeom>
+        </p:spPr>
+        <p:txBody>
+          <a:bodyPr lIns="0" rIns="0" tIns="0" bIns="0">
+            <a:normAutofit/>
+          </a:bodyPr>
+          <a:p>
+            <a:endParaRPr b="0" lang="en-GB" sz="3200" spc="-1" strike="noStrike">
+              <a:latin typeface="Arial"/>
+            </a:endParaRPr>
+          </a:p>
+        </p:txBody>
+      </p:sp>
+      <p:sp>
+        <p:nvSpPr>
+          <p:cNvPr id="148" name="PlaceHolder 5"/>
+          <p:cNvSpPr>
+            <a:spLocks noGrp="1"/>
+          </p:cNvSpPr>
+          <p:nvPr>
+            <p:ph type="body"/>
+          </p:nvPr>
+        </p:nvSpPr>
+        <p:spPr>
+          <a:xfrm>
+            <a:off x="5147280" y="4450320"/>
+            <a:ext cx="4215960" cy="2091240"/>
+          </a:xfrm>
+          <a:prstGeom prst="rect">
+            <a:avLst/>
+          </a:prstGeom>
+        </p:spPr>
+        <p:txBody>
+          <a:bodyPr lIns="0" rIns="0" tIns="0" bIns="0">
+            <a:normAutofit/>
+          </a:bodyPr>
+          <a:p>
+            <a:endParaRPr b="0" lang="en-GB" sz="3200" spc="-1" strike="noStrike">
+              <a:latin typeface="Arial"/>
+            </a:endParaRPr>
+          </a:p>
+        </p:txBody>
+      </p:sp>
+    </p:spTree>
+  </p:cSld>
+</p:sldLayout>
+</file>
+
+<file path=ppt/slideLayouts/slideLayout48.xml><?xml version="1.0" encoding="utf-8"?>
+<p:sldLayout xmlns:a="http://schemas.openxmlformats.org/drawingml/2006/main" xmlns:p="http://schemas.openxmlformats.org/presentationml/2006/main" xmlns:r="http://schemas.openxmlformats.org/officeDocument/2006/relationships" xmlns:p14="http://schemas.microsoft.com/office/powerpoint/2010/main" xmlns:p15="http://schemas.microsoft.com/office/powerpoint/2012/main" xmlns:mc="http://schemas.openxmlformats.org/markup-compatibility/2006" type="blank" preserve="1">
+  <p:cSld name="Title, 6 Content">
+    <p:spTree>
+      <p:nvGrpSpPr>
+        <p:cNvPr id="1" name=""/>
+        <p:cNvGrpSpPr/>
+        <p:nvPr/>
+      </p:nvGrpSpPr>
+      <p:grpSpPr>
+        <a:xfrm>
+          <a:off x="0" y="0"/>
+          <a:ext cx="0" cy="0"/>
+          <a:chOff x="0" y="0"/>
+          <a:chExt cx="0" cy="0"/>
+        </a:xfrm>
+      </p:grpSpPr>
+      <p:sp>
+        <p:nvSpPr>
+          <p:cNvPr id="149" name="PlaceHolder 1"/>
+          <p:cNvSpPr>
+            <a:spLocks noGrp="1"/>
+          </p:cNvSpPr>
+          <p:nvPr>
+            <p:ph type="title"/>
+          </p:nvPr>
+        </p:nvSpPr>
+        <p:spPr>
+          <a:xfrm>
+            <a:off x="720000" y="300960"/>
+            <a:ext cx="8855280" cy="1262160"/>
+          </a:xfrm>
+          <a:prstGeom prst="rect">
+            <a:avLst/>
+          </a:prstGeom>
+        </p:spPr>
+        <p:txBody>
+          <a:bodyPr lIns="0" rIns="0" tIns="0" bIns="0" anchor="ctr"/>
+          <a:p>
+            <a:pPr algn="ctr"/>
+            <a:endParaRPr b="0" lang="en-GB" sz="4400" spc="-1" strike="noStrike">
+              <a:latin typeface="Arial"/>
+            </a:endParaRPr>
+          </a:p>
+        </p:txBody>
+      </p:sp>
+      <p:sp>
+        <p:nvSpPr>
+          <p:cNvPr id="150" name="PlaceHolder 2"/>
+          <p:cNvSpPr>
+            <a:spLocks noGrp="1"/>
+          </p:cNvSpPr>
+          <p:nvPr>
+            <p:ph type="body"/>
+          </p:nvPr>
+        </p:nvSpPr>
+        <p:spPr>
+          <a:xfrm>
+            <a:off x="720000" y="2160000"/>
+            <a:ext cx="2781720" cy="2091240"/>
+          </a:xfrm>
+          <a:prstGeom prst="rect">
+            <a:avLst/>
+          </a:prstGeom>
+        </p:spPr>
+        <p:txBody>
+          <a:bodyPr lIns="0" rIns="0" tIns="0" bIns="0">
+            <a:normAutofit/>
+          </a:bodyPr>
+          <a:p>
+            <a:endParaRPr b="0" lang="en-GB" sz="3200" spc="-1" strike="noStrike">
+              <a:latin typeface="Arial"/>
+            </a:endParaRPr>
+          </a:p>
+        </p:txBody>
+      </p:sp>
+      <p:sp>
+        <p:nvSpPr>
+          <p:cNvPr id="151" name="PlaceHolder 3"/>
+          <p:cNvSpPr>
+            <a:spLocks noGrp="1"/>
+          </p:cNvSpPr>
+          <p:nvPr>
+            <p:ph type="body"/>
+          </p:nvPr>
+        </p:nvSpPr>
+        <p:spPr>
+          <a:xfrm>
+            <a:off x="3641040" y="2160000"/>
+            <a:ext cx="2781720" cy="2091240"/>
+          </a:xfrm>
+          <a:prstGeom prst="rect">
+            <a:avLst/>
+          </a:prstGeom>
+        </p:spPr>
+        <p:txBody>
+          <a:bodyPr lIns="0" rIns="0" tIns="0" bIns="0">
+            <a:normAutofit/>
+          </a:bodyPr>
+          <a:p>
+            <a:endParaRPr b="0" lang="en-GB" sz="3200" spc="-1" strike="noStrike">
+              <a:latin typeface="Arial"/>
+            </a:endParaRPr>
+          </a:p>
+        </p:txBody>
+      </p:sp>
+      <p:sp>
+        <p:nvSpPr>
+          <p:cNvPr id="152" name="PlaceHolder 4"/>
+          <p:cNvSpPr>
+            <a:spLocks noGrp="1"/>
+          </p:cNvSpPr>
+          <p:nvPr>
+            <p:ph type="body"/>
+          </p:nvPr>
+        </p:nvSpPr>
+        <p:spPr>
+          <a:xfrm>
+            <a:off x="6562440" y="2160000"/>
+            <a:ext cx="2781720" cy="2091240"/>
+          </a:xfrm>
+          <a:prstGeom prst="rect">
+            <a:avLst/>
+          </a:prstGeom>
+        </p:spPr>
+        <p:txBody>
+          <a:bodyPr lIns="0" rIns="0" tIns="0" bIns="0">
+            <a:normAutofit/>
+          </a:bodyPr>
+          <a:p>
+            <a:endParaRPr b="0" lang="en-GB" sz="3200" spc="-1" strike="noStrike">
+              <a:latin typeface="Arial"/>
+            </a:endParaRPr>
+          </a:p>
+        </p:txBody>
+      </p:sp>
+      <p:sp>
+        <p:nvSpPr>
+          <p:cNvPr id="153" name="PlaceHolder 5"/>
+          <p:cNvSpPr>
+            <a:spLocks noGrp="1"/>
+          </p:cNvSpPr>
+          <p:nvPr>
+            <p:ph type="body"/>
+          </p:nvPr>
+        </p:nvSpPr>
+        <p:spPr>
+          <a:xfrm>
+            <a:off x="720000" y="4450320"/>
+            <a:ext cx="2781720" cy="2091240"/>
+          </a:xfrm>
+          <a:prstGeom prst="rect">
+            <a:avLst/>
+          </a:prstGeom>
+        </p:spPr>
+        <p:txBody>
+          <a:bodyPr lIns="0" rIns="0" tIns="0" bIns="0">
+            <a:normAutofit/>
+          </a:bodyPr>
+          <a:p>
+            <a:endParaRPr b="0" lang="en-GB" sz="3200" spc="-1" strike="noStrike">
+              <a:latin typeface="Arial"/>
+            </a:endParaRPr>
+          </a:p>
+        </p:txBody>
+      </p:sp>
+      <p:sp>
+        <p:nvSpPr>
+          <p:cNvPr id="154" name="PlaceHolder 6"/>
+          <p:cNvSpPr>
+            <a:spLocks noGrp="1"/>
+          </p:cNvSpPr>
+          <p:nvPr>
+            <p:ph type="body"/>
+          </p:nvPr>
+        </p:nvSpPr>
+        <p:spPr>
+          <a:xfrm>
+            <a:off x="3641040" y="4450320"/>
+            <a:ext cx="2781720" cy="2091240"/>
+          </a:xfrm>
+          <a:prstGeom prst="rect">
+            <a:avLst/>
+          </a:prstGeom>
+        </p:spPr>
+        <p:txBody>
+          <a:bodyPr lIns="0" rIns="0" tIns="0" bIns="0">
+            <a:normAutofit/>
+          </a:bodyPr>
+          <a:p>
+            <a:endParaRPr b="0" lang="en-GB" sz="3200" spc="-1" strike="noStrike">
+              <a:latin typeface="Arial"/>
+            </a:endParaRPr>
+          </a:p>
+        </p:txBody>
+      </p:sp>
+      <p:sp>
+        <p:nvSpPr>
+          <p:cNvPr id="155" name="PlaceHolder 7"/>
+          <p:cNvSpPr>
+            <a:spLocks noGrp="1"/>
+          </p:cNvSpPr>
+          <p:nvPr>
+            <p:ph type="body"/>
+          </p:nvPr>
+        </p:nvSpPr>
+        <p:spPr>
+          <a:xfrm>
+            <a:off x="6562440" y="4450320"/>
+            <a:ext cx="2781720" cy="2091240"/>
+          </a:xfrm>
+          <a:prstGeom prst="rect">
+            <a:avLst/>
+          </a:prstGeom>
+        </p:spPr>
+        <p:txBody>
+          <a:bodyPr lIns="0" rIns="0" tIns="0" bIns="0">
+            <a:normAutofit/>
+          </a:bodyPr>
+          <a:p>
+            <a:endParaRPr b="0" lang="en-GB" sz="3200" spc="-1" strike="noStrike">
+              <a:latin typeface="Arial"/>
             </a:endParaRPr>
           </a:p>
         </p:txBody>
@@ -2251,7 +4848,7 @@
       </p:grpSpPr>
       <p:sp>
         <p:nvSpPr>
-          <p:cNvPr id="13" name="PlaceHolder 1"/>
+          <p:cNvPr id="10" name="PlaceHolder 1"/>
           <p:cNvSpPr>
             <a:spLocks noGrp="1"/>
           </p:cNvSpPr>
@@ -2262,7 +4859,7 @@
         <p:spPr>
           <a:xfrm>
             <a:off x="720000" y="300960"/>
-            <a:ext cx="8855640" cy="1262520"/>
+            <a:ext cx="8855280" cy="1262160"/>
           </a:xfrm>
           <a:prstGeom prst="rect">
             <a:avLst/>
@@ -2271,11 +4868,9 @@
         <p:txBody>
           <a:bodyPr lIns="0" rIns="0" tIns="0" bIns="0" anchor="ctr"/>
           <a:p>
-            <a:endParaRPr b="1" lang="en-GB" sz="4400" spc="-1" strike="noStrike">
-              <a:solidFill>
-                <a:srgbClr val="333333"/>
-              </a:solidFill>
-              <a:latin typeface="Noto Sans Regular"/>
+            <a:pPr algn="ctr"/>
+            <a:endParaRPr b="0" lang="en-GB" sz="4400" spc="-1" strike="noStrike">
+              <a:latin typeface="Arial"/>
             </a:endParaRPr>
           </a:p>
         </p:txBody>
@@ -2304,7 +4899,7 @@
       </p:grpSpPr>
       <p:sp>
         <p:nvSpPr>
-          <p:cNvPr id="14" name="PlaceHolder 1"/>
+          <p:cNvPr id="11" name="PlaceHolder 1"/>
           <p:cNvSpPr>
             <a:spLocks noGrp="1"/>
           </p:cNvSpPr>
@@ -2315,7 +4910,7 @@
         <p:spPr>
           <a:xfrm>
             <a:off x="720000" y="300960"/>
-            <a:ext cx="8855640" cy="5853600"/>
+            <a:ext cx="8855280" cy="5851800"/>
           </a:xfrm>
           <a:prstGeom prst="rect">
             <a:avLst/>
@@ -2355,7 +4950,7 @@
       </p:grpSpPr>
       <p:sp>
         <p:nvSpPr>
-          <p:cNvPr id="15" name="PlaceHolder 1"/>
+          <p:cNvPr id="12" name="PlaceHolder 1"/>
           <p:cNvSpPr>
             <a:spLocks noGrp="1"/>
           </p:cNvSpPr>
@@ -2366,7 +4961,7 @@
         <p:spPr>
           <a:xfrm>
             <a:off x="720000" y="300960"/>
-            <a:ext cx="8855640" cy="1262520"/>
+            <a:ext cx="8855280" cy="1262160"/>
           </a:xfrm>
           <a:prstGeom prst="rect">
             <a:avLst/>
@@ -2375,18 +4970,16 @@
         <p:txBody>
           <a:bodyPr lIns="0" rIns="0" tIns="0" bIns="0" anchor="ctr"/>
           <a:p>
-            <a:endParaRPr b="1" lang="en-GB" sz="4400" spc="-1" strike="noStrike">
-              <a:solidFill>
-                <a:srgbClr val="333333"/>
-              </a:solidFill>
-              <a:latin typeface="Noto Sans Regular"/>
-            </a:endParaRPr>
-          </a:p>
-        </p:txBody>
-      </p:sp>
-      <p:sp>
-        <p:nvSpPr>
-          <p:cNvPr id="16" name="PlaceHolder 2"/>
+            <a:pPr algn="ctr"/>
+            <a:endParaRPr b="0" lang="en-GB" sz="4400" spc="-1" strike="noStrike">
+              <a:latin typeface="Arial"/>
+            </a:endParaRPr>
+          </a:p>
+        </p:txBody>
+      </p:sp>
+      <p:sp>
+        <p:nvSpPr>
+          <p:cNvPr id="13" name="PlaceHolder 2"/>
           <p:cNvSpPr>
             <a:spLocks noGrp="1"/>
           </p:cNvSpPr>
@@ -2404,20 +4997,19 @@
           </a:prstGeom>
         </p:spPr>
         <p:txBody>
-          <a:bodyPr lIns="0" rIns="0" tIns="0" bIns="0"/>
-          <a:p>
-            <a:endParaRPr b="0" lang="en-GB" sz="2800" spc="-1" strike="noStrike">
-              <a:solidFill>
-                <a:srgbClr val="333333"/>
-              </a:solidFill>
-              <a:latin typeface="Noto Sans Regular"/>
-            </a:endParaRPr>
-          </a:p>
-        </p:txBody>
-      </p:sp>
-      <p:sp>
-        <p:nvSpPr>
-          <p:cNvPr id="17" name="PlaceHolder 3"/>
+          <a:bodyPr lIns="0" rIns="0" tIns="0" bIns="0">
+            <a:normAutofit/>
+          </a:bodyPr>
+          <a:p>
+            <a:endParaRPr b="0" lang="en-GB" sz="3200" spc="-1" strike="noStrike">
+              <a:latin typeface="Arial"/>
+            </a:endParaRPr>
+          </a:p>
+        </p:txBody>
+      </p:sp>
+      <p:sp>
+        <p:nvSpPr>
+          <p:cNvPr id="14" name="PlaceHolder 3"/>
           <p:cNvSpPr>
             <a:spLocks noGrp="1"/>
           </p:cNvSpPr>
@@ -2428,27 +5020,26 @@
         <p:spPr>
           <a:xfrm>
             <a:off x="5147280" y="2160000"/>
-            <a:ext cx="4215960" cy="4384800"/>
-          </a:xfrm>
-          <a:prstGeom prst="rect">
-            <a:avLst/>
-          </a:prstGeom>
-        </p:spPr>
-        <p:txBody>
-          <a:bodyPr lIns="0" rIns="0" tIns="0" bIns="0"/>
-          <a:p>
-            <a:endParaRPr b="0" lang="en-GB" sz="2800" spc="-1" strike="noStrike">
-              <a:solidFill>
-                <a:srgbClr val="333333"/>
-              </a:solidFill>
-              <a:latin typeface="Noto Sans Regular"/>
-            </a:endParaRPr>
-          </a:p>
-        </p:txBody>
-      </p:sp>
-      <p:sp>
-        <p:nvSpPr>
-          <p:cNvPr id="18" name="PlaceHolder 4"/>
+            <a:ext cx="4215960" cy="4384440"/>
+          </a:xfrm>
+          <a:prstGeom prst="rect">
+            <a:avLst/>
+          </a:prstGeom>
+        </p:spPr>
+        <p:txBody>
+          <a:bodyPr lIns="0" rIns="0" tIns="0" bIns="0">
+            <a:normAutofit/>
+          </a:bodyPr>
+          <a:p>
+            <a:endParaRPr b="0" lang="en-GB" sz="3200" spc="-1" strike="noStrike">
+              <a:latin typeface="Arial"/>
+            </a:endParaRPr>
+          </a:p>
+        </p:txBody>
+      </p:sp>
+      <p:sp>
+        <p:nvSpPr>
+          <p:cNvPr id="15" name="PlaceHolder 4"/>
           <p:cNvSpPr>
             <a:spLocks noGrp="1"/>
           </p:cNvSpPr>
@@ -2466,13 +5057,12 @@
           </a:prstGeom>
         </p:spPr>
         <p:txBody>
-          <a:bodyPr lIns="0" rIns="0" tIns="0" bIns="0"/>
-          <a:p>
-            <a:endParaRPr b="0" lang="en-GB" sz="2800" spc="-1" strike="noStrike">
-              <a:solidFill>
-                <a:srgbClr val="333333"/>
-              </a:solidFill>
-              <a:latin typeface="Noto Sans Regular"/>
+          <a:bodyPr lIns="0" rIns="0" tIns="0" bIns="0">
+            <a:normAutofit/>
+          </a:bodyPr>
+          <a:p>
+            <a:endParaRPr b="0" lang="en-GB" sz="3200" spc="-1" strike="noStrike">
+              <a:latin typeface="Arial"/>
             </a:endParaRPr>
           </a:p>
         </p:txBody>
@@ -2501,7 +5091,7 @@
       </p:grpSpPr>
       <p:sp>
         <p:nvSpPr>
-          <p:cNvPr id="19" name="PlaceHolder 1"/>
+          <p:cNvPr id="16" name="PlaceHolder 1"/>
           <p:cNvSpPr>
             <a:spLocks noGrp="1"/>
           </p:cNvSpPr>
@@ -2512,7 +5102,7 @@
         <p:spPr>
           <a:xfrm>
             <a:off x="720000" y="300960"/>
-            <a:ext cx="8855640" cy="1262520"/>
+            <a:ext cx="8855280" cy="1262160"/>
           </a:xfrm>
           <a:prstGeom prst="rect">
             <a:avLst/>
@@ -2521,18 +5111,16 @@
         <p:txBody>
           <a:bodyPr lIns="0" rIns="0" tIns="0" bIns="0" anchor="ctr"/>
           <a:p>
-            <a:endParaRPr b="1" lang="en-GB" sz="4400" spc="-1" strike="noStrike">
-              <a:solidFill>
-                <a:srgbClr val="333333"/>
-              </a:solidFill>
-              <a:latin typeface="Noto Sans Regular"/>
-            </a:endParaRPr>
-          </a:p>
-        </p:txBody>
-      </p:sp>
-      <p:sp>
-        <p:nvSpPr>
-          <p:cNvPr id="20" name="PlaceHolder 2"/>
+            <a:pPr algn="ctr"/>
+            <a:endParaRPr b="0" lang="en-GB" sz="4400" spc="-1" strike="noStrike">
+              <a:latin typeface="Arial"/>
+            </a:endParaRPr>
+          </a:p>
+        </p:txBody>
+      </p:sp>
+      <p:sp>
+        <p:nvSpPr>
+          <p:cNvPr id="17" name="PlaceHolder 2"/>
           <p:cNvSpPr>
             <a:spLocks noGrp="1"/>
           </p:cNvSpPr>
@@ -2543,27 +5131,26 @@
         <p:spPr>
           <a:xfrm>
             <a:off x="720000" y="2160000"/>
-            <a:ext cx="4215960" cy="4384800"/>
-          </a:xfrm>
-          <a:prstGeom prst="rect">
-            <a:avLst/>
-          </a:prstGeom>
-        </p:spPr>
-        <p:txBody>
-          <a:bodyPr lIns="0" rIns="0" tIns="0" bIns="0"/>
-          <a:p>
-            <a:endParaRPr b="0" lang="en-GB" sz="2800" spc="-1" strike="noStrike">
-              <a:solidFill>
-                <a:srgbClr val="333333"/>
-              </a:solidFill>
-              <a:latin typeface="Noto Sans Regular"/>
-            </a:endParaRPr>
-          </a:p>
-        </p:txBody>
-      </p:sp>
-      <p:sp>
-        <p:nvSpPr>
-          <p:cNvPr id="21" name="PlaceHolder 3"/>
+            <a:ext cx="4215960" cy="4384440"/>
+          </a:xfrm>
+          <a:prstGeom prst="rect">
+            <a:avLst/>
+          </a:prstGeom>
+        </p:spPr>
+        <p:txBody>
+          <a:bodyPr lIns="0" rIns="0" tIns="0" bIns="0">
+            <a:normAutofit/>
+          </a:bodyPr>
+          <a:p>
+            <a:endParaRPr b="0" lang="en-GB" sz="3200" spc="-1" strike="noStrike">
+              <a:latin typeface="Arial"/>
+            </a:endParaRPr>
+          </a:p>
+        </p:txBody>
+      </p:sp>
+      <p:sp>
+        <p:nvSpPr>
+          <p:cNvPr id="18" name="PlaceHolder 3"/>
           <p:cNvSpPr>
             <a:spLocks noGrp="1"/>
           </p:cNvSpPr>
@@ -2581,20 +5168,19 @@
           </a:prstGeom>
         </p:spPr>
         <p:txBody>
-          <a:bodyPr lIns="0" rIns="0" tIns="0" bIns="0"/>
-          <a:p>
-            <a:endParaRPr b="0" lang="en-GB" sz="2800" spc="-1" strike="noStrike">
-              <a:solidFill>
-                <a:srgbClr val="333333"/>
-              </a:solidFill>
-              <a:latin typeface="Noto Sans Regular"/>
-            </a:endParaRPr>
-          </a:p>
-        </p:txBody>
-      </p:sp>
-      <p:sp>
-        <p:nvSpPr>
-          <p:cNvPr id="22" name="PlaceHolder 4"/>
+          <a:bodyPr lIns="0" rIns="0" tIns="0" bIns="0">
+            <a:normAutofit/>
+          </a:bodyPr>
+          <a:p>
+            <a:endParaRPr b="0" lang="en-GB" sz="3200" spc="-1" strike="noStrike">
+              <a:latin typeface="Arial"/>
+            </a:endParaRPr>
+          </a:p>
+        </p:txBody>
+      </p:sp>
+      <p:sp>
+        <p:nvSpPr>
+          <p:cNvPr id="19" name="PlaceHolder 4"/>
           <p:cNvSpPr>
             <a:spLocks noGrp="1"/>
           </p:cNvSpPr>
@@ -2612,13 +5198,12 @@
           </a:prstGeom>
         </p:spPr>
         <p:txBody>
-          <a:bodyPr lIns="0" rIns="0" tIns="0" bIns="0"/>
-          <a:p>
-            <a:endParaRPr b="0" lang="en-GB" sz="2800" spc="-1" strike="noStrike">
-              <a:solidFill>
-                <a:srgbClr val="333333"/>
-              </a:solidFill>
-              <a:latin typeface="Noto Sans Regular"/>
+          <a:bodyPr lIns="0" rIns="0" tIns="0" bIns="0">
+            <a:normAutofit/>
+          </a:bodyPr>
+          <a:p>
+            <a:endParaRPr b="0" lang="en-GB" sz="3200" spc="-1" strike="noStrike">
+              <a:latin typeface="Arial"/>
             </a:endParaRPr>
           </a:p>
         </p:txBody>
@@ -2647,7 +5232,7 @@
       </p:grpSpPr>
       <p:sp>
         <p:nvSpPr>
-          <p:cNvPr id="23" name="PlaceHolder 1"/>
+          <p:cNvPr id="20" name="PlaceHolder 1"/>
           <p:cNvSpPr>
             <a:spLocks noGrp="1"/>
           </p:cNvSpPr>
@@ -2658,7 +5243,7 @@
         <p:spPr>
           <a:xfrm>
             <a:off x="720000" y="300960"/>
-            <a:ext cx="8855640" cy="1262520"/>
+            <a:ext cx="8855280" cy="1262160"/>
           </a:xfrm>
           <a:prstGeom prst="rect">
             <a:avLst/>
@@ -2667,18 +5252,16 @@
         <p:txBody>
           <a:bodyPr lIns="0" rIns="0" tIns="0" bIns="0" anchor="ctr"/>
           <a:p>
-            <a:endParaRPr b="1" lang="en-GB" sz="4400" spc="-1" strike="noStrike">
-              <a:solidFill>
-                <a:srgbClr val="333333"/>
-              </a:solidFill>
-              <a:latin typeface="Noto Sans Regular"/>
-            </a:endParaRPr>
-          </a:p>
-        </p:txBody>
-      </p:sp>
-      <p:sp>
-        <p:nvSpPr>
-          <p:cNvPr id="24" name="PlaceHolder 2"/>
+            <a:pPr algn="ctr"/>
+            <a:endParaRPr b="0" lang="en-GB" sz="4400" spc="-1" strike="noStrike">
+              <a:latin typeface="Arial"/>
+            </a:endParaRPr>
+          </a:p>
+        </p:txBody>
+      </p:sp>
+      <p:sp>
+        <p:nvSpPr>
+          <p:cNvPr id="21" name="PlaceHolder 2"/>
           <p:cNvSpPr>
             <a:spLocks noGrp="1"/>
           </p:cNvSpPr>
@@ -2696,20 +5279,19 @@
           </a:prstGeom>
         </p:spPr>
         <p:txBody>
-          <a:bodyPr lIns="0" rIns="0" tIns="0" bIns="0"/>
-          <a:p>
-            <a:endParaRPr b="0" lang="en-GB" sz="2800" spc="-1" strike="noStrike">
-              <a:solidFill>
-                <a:srgbClr val="333333"/>
-              </a:solidFill>
-              <a:latin typeface="Noto Sans Regular"/>
-            </a:endParaRPr>
-          </a:p>
-        </p:txBody>
-      </p:sp>
-      <p:sp>
-        <p:nvSpPr>
-          <p:cNvPr id="25" name="PlaceHolder 3"/>
+          <a:bodyPr lIns="0" rIns="0" tIns="0" bIns="0">
+            <a:normAutofit/>
+          </a:bodyPr>
+          <a:p>
+            <a:endParaRPr b="0" lang="en-GB" sz="3200" spc="-1" strike="noStrike">
+              <a:latin typeface="Arial"/>
+            </a:endParaRPr>
+          </a:p>
+        </p:txBody>
+      </p:sp>
+      <p:sp>
+        <p:nvSpPr>
+          <p:cNvPr id="22" name="PlaceHolder 3"/>
           <p:cNvSpPr>
             <a:spLocks noGrp="1"/>
           </p:cNvSpPr>
@@ -2727,20 +5309,19 @@
           </a:prstGeom>
         </p:spPr>
         <p:txBody>
-          <a:bodyPr lIns="0" rIns="0" tIns="0" bIns="0"/>
-          <a:p>
-            <a:endParaRPr b="0" lang="en-GB" sz="2800" spc="-1" strike="noStrike">
-              <a:solidFill>
-                <a:srgbClr val="333333"/>
-              </a:solidFill>
-              <a:latin typeface="Noto Sans Regular"/>
-            </a:endParaRPr>
-          </a:p>
-        </p:txBody>
-      </p:sp>
-      <p:sp>
-        <p:nvSpPr>
-          <p:cNvPr id="26" name="PlaceHolder 4"/>
+          <a:bodyPr lIns="0" rIns="0" tIns="0" bIns="0">
+            <a:normAutofit/>
+          </a:bodyPr>
+          <a:p>
+            <a:endParaRPr b="0" lang="en-GB" sz="3200" spc="-1" strike="noStrike">
+              <a:latin typeface="Arial"/>
+            </a:endParaRPr>
+          </a:p>
+        </p:txBody>
+      </p:sp>
+      <p:sp>
+        <p:nvSpPr>
+          <p:cNvPr id="23" name="PlaceHolder 4"/>
           <p:cNvSpPr>
             <a:spLocks noGrp="1"/>
           </p:cNvSpPr>
@@ -2751,20 +5332,19 @@
         <p:spPr>
           <a:xfrm>
             <a:off x="720000" y="4450320"/>
-            <a:ext cx="8640000" cy="2091240"/>
-          </a:xfrm>
-          <a:prstGeom prst="rect">
-            <a:avLst/>
-          </a:prstGeom>
-        </p:spPr>
-        <p:txBody>
-          <a:bodyPr lIns="0" rIns="0" tIns="0" bIns="0"/>
-          <a:p>
-            <a:endParaRPr b="0" lang="en-GB" sz="2800" spc="-1" strike="noStrike">
-              <a:solidFill>
-                <a:srgbClr val="333333"/>
-              </a:solidFill>
-              <a:latin typeface="Noto Sans Regular"/>
+            <a:ext cx="8639640" cy="2091240"/>
+          </a:xfrm>
+          <a:prstGeom prst="rect">
+            <a:avLst/>
+          </a:prstGeom>
+        </p:spPr>
+        <p:txBody>
+          <a:bodyPr lIns="0" rIns="0" tIns="0" bIns="0">
+            <a:normAutofit/>
+          </a:bodyPr>
+          <a:p>
+            <a:endParaRPr b="0" lang="en-GB" sz="3200" spc="-1" strike="noStrike">
+              <a:latin typeface="Arial"/>
             </a:endParaRPr>
           </a:p>
         </p:txBody>
@@ -2793,7 +5373,35 @@
       </p:grpSpPr>
       <p:sp>
         <p:nvSpPr>
-          <p:cNvPr id="0" name="PlaceHolder 1"/>
+          <p:cNvPr id="0" name="CustomShape 1"/>
+          <p:cNvSpPr/>
+          <p:nvPr/>
+        </p:nvSpPr>
+        <p:spPr>
+          <a:xfrm>
+            <a:off x="0" y="4320000"/>
+            <a:ext cx="503640" cy="1079640"/>
+          </a:xfrm>
+          <a:prstGeom prst="rect">
+            <a:avLst/>
+          </a:prstGeom>
+          <a:solidFill>
+            <a:srgbClr val="ef2929"/>
+          </a:solidFill>
+          <a:ln>
+            <a:noFill/>
+          </a:ln>
+        </p:spPr>
+        <p:style>
+          <a:lnRef idx="0"/>
+          <a:fillRef idx="0"/>
+          <a:effectRef idx="0"/>
+          <a:fontRef idx="minor"/>
+        </p:style>
+      </p:sp>
+      <p:sp>
+        <p:nvSpPr>
+          <p:cNvPr id="1" name="PlaceHolder 2"/>
           <p:cNvSpPr>
             <a:spLocks noGrp="1"/>
           </p:cNvSpPr>
@@ -2803,39 +5411,31 @@
         </p:nvSpPr>
         <p:spPr>
           <a:xfrm>
-            <a:off x="792000" y="4104000"/>
-            <a:ext cx="8568000" cy="1440000"/>
-          </a:xfrm>
-          <a:prstGeom prst="rect">
-            <a:avLst/>
-          </a:prstGeom>
-        </p:spPr>
-        <p:txBody>
-          <a:bodyPr lIns="0" rIns="0" tIns="0" bIns="0" anchor="ctr">
-            <a:normAutofit/>
-          </a:bodyPr>
+            <a:off x="720000" y="300960"/>
+            <a:ext cx="8855280" cy="1262160"/>
+          </a:xfrm>
+          <a:prstGeom prst="rect">
+            <a:avLst/>
+          </a:prstGeom>
+        </p:spPr>
+        <p:txBody>
+          <a:bodyPr lIns="0" rIns="0" tIns="0" bIns="0" anchor="ctr"/>
           <a:p>
             <a:r>
-              <a:rPr b="1" lang="en-GB" sz="4800" spc="-1" strike="noStrike">
-                <a:solidFill>
-                  <a:srgbClr val="333333"/>
-                </a:solidFill>
-                <a:latin typeface="Noto Sans Regular"/>
+              <a:rPr b="0" lang="en-GB" sz="1800" spc="-1" strike="noStrike">
+                <a:latin typeface="Arial"/>
               </a:rPr>
               <a:t>Click to edit the title text format</a:t>
             </a:r>
-            <a:endParaRPr b="1" lang="en-GB" sz="4800" spc="-1" strike="noStrike">
-              <a:solidFill>
-                <a:srgbClr val="333333"/>
-              </a:solidFill>
-              <a:latin typeface="Noto Sans Regular"/>
-            </a:endParaRPr>
-          </a:p>
-        </p:txBody>
-      </p:sp>
-      <p:sp>
-        <p:nvSpPr>
-          <p:cNvPr id="1" name="PlaceHolder 2"/>
+            <a:endParaRPr b="0" lang="en-GB" sz="1800" spc="-1" strike="noStrike">
+              <a:latin typeface="Arial"/>
+            </a:endParaRPr>
+          </a:p>
+        </p:txBody>
+      </p:sp>
+      <p:sp>
+        <p:nvSpPr>
+          <p:cNvPr id="2" name="PlaceHolder 3"/>
           <p:cNvSpPr>
             <a:spLocks noGrp="1"/>
           </p:cNvSpPr>
@@ -2845,8 +5445,8 @@
         </p:nvSpPr>
         <p:spPr>
           <a:xfrm>
-            <a:off x="792000" y="5904000"/>
-            <a:ext cx="8568000" cy="982440"/>
+            <a:off x="504000" y="1768680"/>
+            <a:ext cx="9072000" cy="4384080"/>
           </a:xfrm>
           <a:prstGeom prst="rect">
             <a:avLst/>
@@ -2858,11 +5458,55 @@
           </a:bodyPr>
           <a:p>
             <a:pPr marL="432000" indent="-324000">
-              <a:spcAft>
-                <a:spcPts val="1879"/>
-              </a:spcAft>
+              <a:spcBef>
+                <a:spcPts val="1417"/>
+              </a:spcBef>
               <a:buClr>
-                <a:srgbClr val="333333"/>
+                <a:srgbClr val="000000"/>
+              </a:buClr>
+              <a:buSzPct val="45000"/>
+              <a:buFont typeface="Wingdings" charset="2"/>
+              <a:buChar char=""/>
+            </a:pPr>
+            <a:r>
+              <a:rPr b="0" lang="en-GB" sz="3200" spc="-1" strike="noStrike">
+                <a:latin typeface="Arial"/>
+              </a:rPr>
+              <a:t>Click to edit the outline text format</a:t>
+            </a:r>
+            <a:endParaRPr b="0" lang="en-GB" sz="3200" spc="-1" strike="noStrike">
+              <a:latin typeface="Arial"/>
+            </a:endParaRPr>
+          </a:p>
+          <a:p>
+            <a:pPr lvl="1" marL="864000" indent="-324000">
+              <a:spcBef>
+                <a:spcPts val="1134"/>
+              </a:spcBef>
+              <a:buClr>
+                <a:srgbClr val="000000"/>
+              </a:buClr>
+              <a:buSzPct val="75000"/>
+              <a:buFont typeface="Symbol" charset="2"/>
+              <a:buChar char=""/>
+            </a:pPr>
+            <a:r>
+              <a:rPr b="0" lang="en-GB" sz="2800" spc="-1" strike="noStrike">
+                <a:latin typeface="Arial"/>
+              </a:rPr>
+              <a:t>Second Outline Level</a:t>
+            </a:r>
+            <a:endParaRPr b="0" lang="en-GB" sz="2800" spc="-1" strike="noStrike">
+              <a:latin typeface="Arial"/>
+            </a:endParaRPr>
+          </a:p>
+          <a:p>
+            <a:pPr lvl="2" marL="1296000" indent="-288000">
+              <a:spcBef>
+                <a:spcPts val="850"/>
+              </a:spcBef>
+              <a:buClr>
+                <a:srgbClr val="000000"/>
               </a:buClr>
               <a:buSzPct val="45000"/>
               <a:buFont typeface="Wingdings" charset="2"/>
@@ -2870,333 +5514,103 @@
             </a:pPr>
             <a:r>
               <a:rPr b="0" lang="en-GB" sz="2400" spc="-1" strike="noStrike">
-                <a:solidFill>
-                  <a:srgbClr val="333333"/>
-                </a:solidFill>
-                <a:latin typeface="Noto Sans Bold"/>
+                <a:latin typeface="Arial"/>
               </a:rPr>
-              <a:t>Click to edit the outline text format</a:t>
+              <a:t>Third Outline Level</a:t>
             </a:r>
             <a:endParaRPr b="0" lang="en-GB" sz="2400" spc="-1" strike="noStrike">
-              <a:solidFill>
-                <a:srgbClr val="333333"/>
-              </a:solidFill>
-              <a:latin typeface="Noto Sans Bold"/>
-            </a:endParaRPr>
-          </a:p>
-          <a:p>
-            <a:pPr lvl="1" marL="864000" indent="-324000">
-              <a:spcAft>
-                <a:spcPts val="1497"/>
-              </a:spcAft>
+              <a:latin typeface="Arial"/>
+            </a:endParaRPr>
+          </a:p>
+          <a:p>
+            <a:pPr lvl="3" marL="1728000" indent="-216000">
+              <a:spcBef>
+                <a:spcPts val="567"/>
+              </a:spcBef>
               <a:buClr>
-                <a:srgbClr val="ffffff"/>
+                <a:srgbClr val="000000"/>
               </a:buClr>
               <a:buSzPct val="75000"/>
               <a:buFont typeface="Symbol" charset="2"/>
               <a:buChar char=""/>
             </a:pPr>
             <a:r>
-              <a:rPr b="0" lang="en-GB" sz="2400" spc="-1" strike="noStrike">
-                <a:solidFill>
-                  <a:srgbClr val="333333"/>
-                </a:solidFill>
-                <a:latin typeface="Noto Sans Bold"/>
+              <a:rPr b="0" lang="en-GB" sz="2000" spc="-1" strike="noStrike">
+                <a:latin typeface="Arial"/>
               </a:rPr>
-              <a:t>Second Outline Level</a:t>
+              <a:t>Fourth Outline Level</a:t>
             </a:r>
-            <a:endParaRPr b="0" lang="en-GB" sz="2400" spc="-1" strike="noStrike">
-              <a:solidFill>
-                <a:srgbClr val="333333"/>
-              </a:solidFill>
-              <a:latin typeface="Noto Sans Bold"/>
-            </a:endParaRPr>
-          </a:p>
-          <a:p>
-            <a:pPr lvl="2" marL="1296000" indent="-288000">
-              <a:spcAft>
-                <a:spcPts val="1120"/>
-              </a:spcAft>
+            <a:endParaRPr b="0" lang="en-GB" sz="2000" spc="-1" strike="noStrike">
+              <a:latin typeface="Arial"/>
+            </a:endParaRPr>
+          </a:p>
+          <a:p>
+            <a:pPr lvl="4" marL="2160000" indent="-216000">
+              <a:spcBef>
+                <a:spcPts val="283"/>
+              </a:spcBef>
               <a:buClr>
-                <a:srgbClr val="ffffff"/>
+                <a:srgbClr val="000000"/>
               </a:buClr>
               <a:buSzPct val="45000"/>
               <a:buFont typeface="Wingdings" charset="2"/>
               <a:buChar char=""/>
             </a:pPr>
             <a:r>
-              <a:rPr b="0" lang="en-GB" sz="2400" spc="-1" strike="noStrike">
-                <a:solidFill>
-                  <a:srgbClr val="333333"/>
-                </a:solidFill>
-                <a:latin typeface="Noto Sans Bold"/>
+              <a:rPr b="0" lang="en-GB" sz="2000" spc="-1" strike="noStrike">
+                <a:latin typeface="Arial"/>
               </a:rPr>
-              <a:t>Third Outline Level</a:t>
+              <a:t>Fifth Outline Level</a:t>
             </a:r>
-            <a:endParaRPr b="0" lang="en-GB" sz="2400" spc="-1" strike="noStrike">
-              <a:solidFill>
-                <a:srgbClr val="333333"/>
-              </a:solidFill>
-              <a:latin typeface="Noto Sans Bold"/>
-            </a:endParaRPr>
-          </a:p>
-          <a:p>
-            <a:pPr lvl="3" marL="1728000" indent="-216000">
-              <a:spcAft>
-                <a:spcPts val="743"/>
-              </a:spcAft>
+            <a:endParaRPr b="0" lang="en-GB" sz="2000" spc="-1" strike="noStrike">
+              <a:latin typeface="Arial"/>
+            </a:endParaRPr>
+          </a:p>
+          <a:p>
+            <a:pPr lvl="5" marL="2592000" indent="-216000">
+              <a:spcBef>
+                <a:spcPts val="283"/>
+              </a:spcBef>
               <a:buClr>
-                <a:srgbClr val="ffffff"/>
-              </a:buClr>
-              <a:buSzPct val="75000"/>
-              <a:buFont typeface="Symbol" charset="2"/>
-              <a:buChar char=""/>
-            </a:pPr>
-            <a:r>
-              <a:rPr b="0" lang="en-GB" sz="2400" spc="-1" strike="noStrike">
-                <a:solidFill>
-                  <a:srgbClr val="333333"/>
-                </a:solidFill>
-                <a:latin typeface="Noto Sans Bold"/>
-              </a:rPr>
-              <a:t>Fourth Outline Level</a:t>
-            </a:r>
-            <a:endParaRPr b="0" lang="en-GB" sz="2400" spc="-1" strike="noStrike">
-              <a:solidFill>
-                <a:srgbClr val="333333"/>
-              </a:solidFill>
-              <a:latin typeface="Noto Sans Bold"/>
-            </a:endParaRPr>
-          </a:p>
-          <a:p>
-            <a:pPr lvl="4" marL="2160000" indent="-216000">
-              <a:spcAft>
-                <a:spcPts val="366"/>
-              </a:spcAft>
-              <a:buClr>
-                <a:srgbClr val="ffffff"/>
+                <a:srgbClr val="000000"/>
               </a:buClr>
               <a:buSzPct val="45000"/>
               <a:buFont typeface="Wingdings" charset="2"/>
               <a:buChar char=""/>
             </a:pPr>
             <a:r>
-              <a:rPr b="0" lang="en-GB" sz="2400" spc="-1" strike="noStrike">
-                <a:solidFill>
-                  <a:srgbClr val="333333"/>
-                </a:solidFill>
-                <a:latin typeface="Noto Sans Bold"/>
+              <a:rPr b="0" lang="en-GB" sz="2000" spc="-1" strike="noStrike">
+                <a:latin typeface="Arial"/>
               </a:rPr>
-              <a:t>Fifth Outline Level</a:t>
+              <a:t>Sixth Outline Level</a:t>
             </a:r>
-            <a:endParaRPr b="0" lang="en-GB" sz="2400" spc="-1" strike="noStrike">
-              <a:solidFill>
-                <a:srgbClr val="333333"/>
-              </a:solidFill>
-              <a:latin typeface="Noto Sans Bold"/>
-            </a:endParaRPr>
-          </a:p>
-          <a:p>
-            <a:pPr lvl="5" marL="2592000" indent="-216000">
-              <a:spcAft>
-                <a:spcPts val="366"/>
-              </a:spcAft>
+            <a:endParaRPr b="0" lang="en-GB" sz="2000" spc="-1" strike="noStrike">
+              <a:latin typeface="Arial"/>
+            </a:endParaRPr>
+          </a:p>
+          <a:p>
+            <a:pPr lvl="6" marL="3024000" indent="-216000">
+              <a:spcBef>
+                <a:spcPts val="283"/>
+              </a:spcBef>
               <a:buClr>
-                <a:srgbClr val="ffffff"/>
+                <a:srgbClr val="000000"/>
               </a:buClr>
               <a:buSzPct val="45000"/>
               <a:buFont typeface="Wingdings" charset="2"/>
               <a:buChar char=""/>
             </a:pPr>
             <a:r>
-              <a:rPr b="0" lang="en-GB" sz="2400" spc="-1" strike="noStrike">
-                <a:solidFill>
-                  <a:srgbClr val="333333"/>
-                </a:solidFill>
-                <a:latin typeface="Noto Sans Bold"/>
-              </a:rPr>
-              <a:t>Sixth Outline Level</a:t>
-            </a:r>
-            <a:endParaRPr b="0" lang="en-GB" sz="2400" spc="-1" strike="noStrike">
-              <a:solidFill>
-                <a:srgbClr val="333333"/>
-              </a:solidFill>
-              <a:latin typeface="Noto Sans Bold"/>
-            </a:endParaRPr>
-          </a:p>
-          <a:p>
-            <a:pPr lvl="6" marL="3024000" indent="-216000">
-              <a:spcAft>
-                <a:spcPts val="366"/>
-              </a:spcAft>
-              <a:buClr>
-                <a:srgbClr val="ffffff"/>
-              </a:buClr>
-              <a:buSzPct val="45000"/>
-              <a:buFont typeface="Wingdings" charset="2"/>
-              <a:buChar char=""/>
-            </a:pPr>
-            <a:r>
-              <a:rPr b="0" lang="en-GB" sz="2400" spc="-1" strike="noStrike">
-                <a:solidFill>
-                  <a:srgbClr val="333333"/>
-                </a:solidFill>
-                <a:latin typeface="Noto Sans Bold"/>
+              <a:rPr b="0" lang="en-GB" sz="2000" spc="-1" strike="noStrike">
+                <a:latin typeface="Arial"/>
               </a:rPr>
               <a:t>Seventh Outline Level</a:t>
             </a:r>
-            <a:endParaRPr b="0" lang="en-GB" sz="2400" spc="-1" strike="noStrike">
-              <a:solidFill>
-                <a:srgbClr val="333333"/>
-              </a:solidFill>
-              <a:latin typeface="Noto Sans Bold"/>
-            </a:endParaRPr>
-          </a:p>
-        </p:txBody>
-      </p:sp>
-      <p:sp>
-        <p:nvSpPr>
-          <p:cNvPr id="2" name="PlaceHolder 3"/>
-          <p:cNvSpPr>
-            <a:spLocks noGrp="1"/>
-          </p:cNvSpPr>
-          <p:nvPr>
-            <p:ph type="dt"/>
-          </p:nvPr>
-        </p:nvSpPr>
-        <p:spPr>
-          <a:xfrm>
-            <a:off x="504000" y="6886440"/>
-            <a:ext cx="2348280" cy="521280"/>
-          </a:xfrm>
-          <a:prstGeom prst="rect">
-            <a:avLst/>
-          </a:prstGeom>
-        </p:spPr>
-        <p:txBody>
-          <a:bodyPr lIns="0" rIns="0" tIns="0" bIns="0"/>
-          <a:p>
-            <a:r>
-              <a:rPr b="0" lang="en-GB" sz="1400" spc="-1" strike="noStrike">
-                <a:latin typeface="Noto Sans Regular"/>
-              </a:rPr>
-              <a:t>&lt;date/time&gt;</a:t>
-            </a:r>
-            <a:endParaRPr b="0" lang="en-GB" sz="1400" spc="-1" strike="noStrike">
-              <a:latin typeface="Noto Sans Regular"/>
-            </a:endParaRPr>
-          </a:p>
-        </p:txBody>
-      </p:sp>
-      <p:sp>
-        <p:nvSpPr>
-          <p:cNvPr id="3" name="PlaceHolder 4"/>
-          <p:cNvSpPr>
-            <a:spLocks noGrp="1"/>
-          </p:cNvSpPr>
-          <p:nvPr>
-            <p:ph type="ftr"/>
-          </p:nvPr>
-        </p:nvSpPr>
-        <p:spPr>
-          <a:xfrm>
-            <a:off x="3447360" y="6886440"/>
-            <a:ext cx="3195000" cy="521280"/>
-          </a:xfrm>
-          <a:prstGeom prst="rect">
-            <a:avLst/>
-          </a:prstGeom>
-        </p:spPr>
-        <p:txBody>
-          <a:bodyPr lIns="0" rIns="0" tIns="0" bIns="0"/>
-          <a:p>
-            <a:pPr algn="ctr"/>
-            <a:r>
-              <a:rPr b="0" lang="en-GB" sz="1400" spc="-1" strike="noStrike">
-                <a:latin typeface="Noto Sans Regular"/>
-              </a:rPr>
-              <a:t>&lt;footer&gt;</a:t>
-            </a:r>
-            <a:endParaRPr b="0" lang="en-GB" sz="1400" spc="-1" strike="noStrike">
-              <a:latin typeface="Noto Sans Regular"/>
-            </a:endParaRPr>
-          </a:p>
-        </p:txBody>
-      </p:sp>
-      <p:sp>
-        <p:nvSpPr>
-          <p:cNvPr id="4" name="PlaceHolder 5"/>
-          <p:cNvSpPr>
-            <a:spLocks noGrp="1"/>
-          </p:cNvSpPr>
-          <p:nvPr>
-            <p:ph type="sldNum"/>
-          </p:nvPr>
-        </p:nvSpPr>
-        <p:spPr>
-          <a:xfrm>
-            <a:off x="7227360" y="6886440"/>
-            <a:ext cx="2348280" cy="521280"/>
-          </a:xfrm>
-          <a:prstGeom prst="rect">
-            <a:avLst/>
-          </a:prstGeom>
-        </p:spPr>
-        <p:txBody>
-          <a:bodyPr lIns="0" rIns="0" tIns="0" bIns="0"/>
-          <a:p>
-            <a:pPr algn="r"/>
-            <a:fld id="{B99897D0-8055-412A-9570-93826B18295A}" type="slidenum">
-              <a:rPr b="0" lang="en-GB" sz="1400" spc="-1" strike="noStrike">
-                <a:latin typeface="Noto Sans Regular"/>
-              </a:rPr>
-              <a:t>&lt;number&gt;</a:t>
-            </a:fld>
-            <a:r>
-              <a:rPr b="0" lang="en-GB" sz="1400" spc="-1" strike="noStrike">
-                <a:latin typeface="Noto Sans Regular"/>
-              </a:rPr>
-              <a:t> / </a:t>
-            </a:r>
-            <a:fld id="{98FDBB19-27A7-4774-B07D-3283069D8FA1}" type="slidecount">
-              <a:rPr b="0" lang="en-GB" sz="1400" spc="-1" strike="noStrike">
-                <a:latin typeface="Noto Sans Regular"/>
-              </a:rPr>
-              <a:t>10</a:t>
-            </a:fld>
-            <a:endParaRPr b="0" lang="en-GB" sz="1400" spc="-1" strike="noStrike">
-              <a:latin typeface="Noto Sans Regular"/>
-            </a:endParaRPr>
-          </a:p>
-        </p:txBody>
-      </p:sp>
-      <p:sp>
-        <p:nvSpPr>
-          <p:cNvPr id="5" name="CustomShape 6"/>
-          <p:cNvSpPr/>
-          <p:nvPr/>
-        </p:nvSpPr>
-        <p:spPr>
-          <a:xfrm>
-            <a:off x="0" y="4320000"/>
-            <a:ext cx="504000" cy="1080000"/>
-          </a:xfrm>
-          <a:prstGeom prst="rect">
-            <a:avLst/>
-          </a:prstGeom>
-          <a:solidFill>
-            <a:srgbClr val="ef2929"/>
-          </a:solidFill>
-          <a:ln>
-            <a:noFill/>
-          </a:ln>
-        </p:spPr>
-        <p:style>
-          <a:lnRef idx="0"/>
-          <a:fillRef idx="0"/>
-          <a:effectRef idx="0"/>
-          <a:fontRef idx="minor"/>
-        </p:style>
+            <a:endParaRPr b="0" lang="en-GB" sz="2000" spc="-1" strike="noStrike">
+              <a:latin typeface="Arial"/>
+            </a:endParaRPr>
+          </a:p>
+        </p:txBody>
       </p:sp>
     </p:spTree>
   </p:cSld>
@@ -3237,7 +5651,35 @@
       </p:grpSpPr>
       <p:sp>
         <p:nvSpPr>
-          <p:cNvPr id="42" name="PlaceHolder 1"/>
+          <p:cNvPr id="39" name="CustomShape 1"/>
+          <p:cNvSpPr/>
+          <p:nvPr/>
+        </p:nvSpPr>
+        <p:spPr>
+          <a:xfrm>
+            <a:off x="0" y="4320000"/>
+            <a:ext cx="503640" cy="1079640"/>
+          </a:xfrm>
+          <a:prstGeom prst="rect">
+            <a:avLst/>
+          </a:prstGeom>
+          <a:solidFill>
+            <a:srgbClr val="ef2929"/>
+          </a:solidFill>
+          <a:ln>
+            <a:noFill/>
+          </a:ln>
+        </p:spPr>
+        <p:style>
+          <a:lnRef idx="0"/>
+          <a:fillRef idx="0"/>
+          <a:effectRef idx="0"/>
+          <a:fontRef idx="minor"/>
+        </p:style>
+      </p:sp>
+      <p:sp>
+        <p:nvSpPr>
+          <p:cNvPr id="40" name="PlaceHolder 2"/>
           <p:cNvSpPr>
             <a:spLocks noGrp="1"/>
           </p:cNvSpPr>
@@ -3247,8 +5689,8 @@
         </p:nvSpPr>
         <p:spPr>
           <a:xfrm>
-            <a:off x="720000" y="300960"/>
-            <a:ext cx="8855640" cy="1262520"/>
+            <a:off x="504000" y="301320"/>
+            <a:ext cx="9072000" cy="1261800"/>
           </a:xfrm>
           <a:prstGeom prst="rect">
             <a:avLst/>
@@ -3257,27 +5699,22 @@
         <p:txBody>
           <a:bodyPr lIns="0" rIns="0" tIns="0" bIns="0" anchor="ctr"/>
           <a:p>
+            <a:pPr algn="ctr"/>
             <a:r>
-              <a:rPr b="1" lang="en-GB" sz="4400" spc="-1" strike="noStrike">
-                <a:solidFill>
-                  <a:srgbClr val="333333"/>
-                </a:solidFill>
-                <a:latin typeface="Noto Sans Regular"/>
+              <a:rPr b="0" lang="en-GB" sz="4400" spc="-1" strike="noStrike">
+                <a:latin typeface="Arial"/>
               </a:rPr>
               <a:t>Click to edit the title text format</a:t>
             </a:r>
-            <a:endParaRPr b="1" lang="en-GB" sz="4400" spc="-1" strike="noStrike">
-              <a:solidFill>
-                <a:srgbClr val="333333"/>
-              </a:solidFill>
-              <a:latin typeface="Noto Sans Regular"/>
-            </a:endParaRPr>
-          </a:p>
-        </p:txBody>
-      </p:sp>
-      <p:sp>
-        <p:nvSpPr>
-          <p:cNvPr id="43" name="PlaceHolder 2"/>
+            <a:endParaRPr b="0" lang="en-GB" sz="4400" spc="-1" strike="noStrike">
+              <a:latin typeface="Arial"/>
+            </a:endParaRPr>
+          </a:p>
+        </p:txBody>
+      </p:sp>
+      <p:sp>
+        <p:nvSpPr>
+          <p:cNvPr id="41" name="PlaceHolder 3"/>
           <p:cNvSpPr>
             <a:spLocks noGrp="1"/>
           </p:cNvSpPr>
@@ -3287,50 +5724,46 @@
         </p:nvSpPr>
         <p:spPr>
           <a:xfrm>
-            <a:off x="720000" y="2160000"/>
-            <a:ext cx="8640000" cy="4384800"/>
-          </a:xfrm>
-          <a:prstGeom prst="rect">
-            <a:avLst/>
-          </a:prstGeom>
-        </p:spPr>
-        <p:txBody>
-          <a:bodyPr lIns="0" rIns="0" tIns="0" bIns="0"/>
+            <a:off x="504000" y="1768680"/>
+            <a:ext cx="9072000" cy="4384080"/>
+          </a:xfrm>
+          <a:prstGeom prst="rect">
+            <a:avLst/>
+          </a:prstGeom>
+        </p:spPr>
+        <p:txBody>
+          <a:bodyPr lIns="0" rIns="0" tIns="0" bIns="0">
+            <a:normAutofit/>
+          </a:bodyPr>
           <a:p>
             <a:pPr marL="432000" indent="-324000">
-              <a:spcAft>
-                <a:spcPts val="1414"/>
-              </a:spcAft>
+              <a:spcBef>
+                <a:spcPts val="1417"/>
+              </a:spcBef>
               <a:buClr>
-                <a:srgbClr val="ef2929"/>
+                <a:srgbClr val="000000"/>
               </a:buClr>
               <a:buSzPct val="45000"/>
               <a:buFont typeface="Wingdings" charset="2"/>
               <a:buChar char=""/>
             </a:pPr>
             <a:r>
-              <a:rPr b="0" lang="en-GB" sz="2800" spc="-1" strike="noStrike">
-                <a:solidFill>
-                  <a:srgbClr val="333333"/>
-                </a:solidFill>
-                <a:latin typeface="Noto Sans Regular"/>
+              <a:rPr b="0" lang="en-GB" sz="3200" spc="-1" strike="noStrike">
+                <a:latin typeface="Arial"/>
               </a:rPr>
               <a:t>Click to edit the outline text format</a:t>
             </a:r>
-            <a:endParaRPr b="0" lang="en-GB" sz="2800" spc="-1" strike="noStrike">
-              <a:solidFill>
-                <a:srgbClr val="333333"/>
-              </a:solidFill>
-              <a:latin typeface="Noto Sans Regular"/>
+            <a:endParaRPr b="0" lang="en-GB" sz="3200" spc="-1" strike="noStrike">
+              <a:latin typeface="Arial"/>
             </a:endParaRPr>
           </a:p>
           <a:p>
             <a:pPr lvl="1" marL="864000" indent="-324000">
-              <a:spcAft>
+              <a:spcBef>
                 <a:spcPts val="1134"/>
-              </a:spcAft>
+              </a:spcBef>
               <a:buClr>
-                <a:srgbClr val="ef2929"/>
+                <a:srgbClr val="000000"/>
               </a:buClr>
               <a:buSzPct val="75000"/>
               <a:buFont typeface="Symbol" charset="2"/>
@@ -3338,305 +5771,125 @@
             </a:pPr>
             <a:r>
               <a:rPr b="0" lang="en-GB" sz="2800" spc="-1" strike="noStrike">
-                <a:solidFill>
-                  <a:srgbClr val="333333"/>
-                </a:solidFill>
-                <a:latin typeface="Noto Sans Regular"/>
+                <a:latin typeface="Arial"/>
               </a:rPr>
               <a:t>Second Outline Level</a:t>
             </a:r>
             <a:endParaRPr b="0" lang="en-GB" sz="2800" spc="-1" strike="noStrike">
-              <a:solidFill>
-                <a:srgbClr val="333333"/>
-              </a:solidFill>
-              <a:latin typeface="Noto Sans Regular"/>
+              <a:latin typeface="Arial"/>
             </a:endParaRPr>
           </a:p>
           <a:p>
             <a:pPr lvl="2" marL="1296000" indent="-288000">
-              <a:spcAft>
-                <a:spcPts val="845"/>
-              </a:spcAft>
+              <a:spcBef>
+                <a:spcPts val="850"/>
+              </a:spcBef>
               <a:buClr>
-                <a:srgbClr val="ef2929"/>
+                <a:srgbClr val="000000"/>
               </a:buClr>
               <a:buSzPct val="45000"/>
               <a:buFont typeface="Wingdings" charset="2"/>
               <a:buChar char=""/>
             </a:pPr>
             <a:r>
-              <a:rPr b="0" lang="en-GB" sz="2800" spc="-1" strike="noStrike">
-                <a:solidFill>
-                  <a:srgbClr val="333333"/>
-                </a:solidFill>
-                <a:latin typeface="Noto Sans Regular"/>
+              <a:rPr b="0" lang="en-GB" sz="2400" spc="-1" strike="noStrike">
+                <a:latin typeface="Arial"/>
               </a:rPr>
               <a:t>Third Outline Level</a:t>
             </a:r>
-            <a:endParaRPr b="0" lang="en-GB" sz="2800" spc="-1" strike="noStrike">
-              <a:solidFill>
-                <a:srgbClr val="333333"/>
-              </a:solidFill>
-              <a:latin typeface="Noto Sans Regular"/>
+            <a:endParaRPr b="0" lang="en-GB" sz="2400" spc="-1" strike="noStrike">
+              <a:latin typeface="Arial"/>
             </a:endParaRPr>
           </a:p>
           <a:p>
             <a:pPr lvl="3" marL="1728000" indent="-216000">
-              <a:spcAft>
+              <a:spcBef>
                 <a:spcPts val="567"/>
-              </a:spcAft>
+              </a:spcBef>
               <a:buClr>
-                <a:srgbClr val="ef2929"/>
+                <a:srgbClr val="000000"/>
               </a:buClr>
               <a:buSzPct val="75000"/>
               <a:buFont typeface="Symbol" charset="2"/>
               <a:buChar char=""/>
             </a:pPr>
             <a:r>
-              <a:rPr b="0" lang="en-GB" sz="2800" spc="-1" strike="noStrike">
-                <a:solidFill>
-                  <a:srgbClr val="333333"/>
-                </a:solidFill>
-                <a:latin typeface="Noto Sans Regular"/>
+              <a:rPr b="0" lang="en-GB" sz="2000" spc="-1" strike="noStrike">
+                <a:latin typeface="Arial"/>
               </a:rPr>
               <a:t>Fourth Outline Level</a:t>
             </a:r>
-            <a:endParaRPr b="0" lang="en-GB" sz="2800" spc="-1" strike="noStrike">
-              <a:solidFill>
-                <a:srgbClr val="333333"/>
-              </a:solidFill>
-              <a:latin typeface="Noto Sans Regular"/>
+            <a:endParaRPr b="0" lang="en-GB" sz="2000" spc="-1" strike="noStrike">
+              <a:latin typeface="Arial"/>
             </a:endParaRPr>
           </a:p>
           <a:p>
             <a:pPr lvl="4" marL="2160000" indent="-216000">
-              <a:spcAft>
+              <a:spcBef>
                 <a:spcPts val="283"/>
-              </a:spcAft>
+              </a:spcBef>
               <a:buClr>
-                <a:srgbClr val="ef2929"/>
+                <a:srgbClr val="000000"/>
               </a:buClr>
               <a:buSzPct val="45000"/>
               <a:buFont typeface="Wingdings" charset="2"/>
               <a:buChar char=""/>
             </a:pPr>
             <a:r>
-              <a:rPr b="0" lang="en-GB" sz="2800" spc="-1" strike="noStrike">
-                <a:solidFill>
-                  <a:srgbClr val="333333"/>
-                </a:solidFill>
-                <a:latin typeface="Noto Sans Regular"/>
+              <a:rPr b="0" lang="en-GB" sz="2000" spc="-1" strike="noStrike">
+                <a:latin typeface="Arial"/>
               </a:rPr>
               <a:t>Fifth Outline Level</a:t>
             </a:r>
-            <a:endParaRPr b="0" lang="en-GB" sz="2800" spc="-1" strike="noStrike">
-              <a:solidFill>
-                <a:srgbClr val="333333"/>
-              </a:solidFill>
-              <a:latin typeface="Noto Sans Regular"/>
+            <a:endParaRPr b="0" lang="en-GB" sz="2000" spc="-1" strike="noStrike">
+              <a:latin typeface="Arial"/>
             </a:endParaRPr>
           </a:p>
           <a:p>
             <a:pPr lvl="5" marL="2592000" indent="-216000">
-              <a:spcAft>
+              <a:spcBef>
                 <a:spcPts val="283"/>
-              </a:spcAft>
+              </a:spcBef>
               <a:buClr>
-                <a:srgbClr val="ef2929"/>
+                <a:srgbClr val="000000"/>
               </a:buClr>
               <a:buSzPct val="45000"/>
               <a:buFont typeface="Wingdings" charset="2"/>
               <a:buChar char=""/>
             </a:pPr>
             <a:r>
-              <a:rPr b="0" lang="en-GB" sz="2800" spc="-1" strike="noStrike">
-                <a:solidFill>
-                  <a:srgbClr val="333333"/>
-                </a:solidFill>
-                <a:latin typeface="Noto Sans Regular"/>
+              <a:rPr b="0" lang="en-GB" sz="2000" spc="-1" strike="noStrike">
+                <a:latin typeface="Arial"/>
               </a:rPr>
               <a:t>Sixth Outline Level</a:t>
             </a:r>
-            <a:endParaRPr b="0" lang="en-GB" sz="2800" spc="-1" strike="noStrike">
-              <a:solidFill>
-                <a:srgbClr val="333333"/>
-              </a:solidFill>
-              <a:latin typeface="Noto Sans Regular"/>
+            <a:endParaRPr b="0" lang="en-GB" sz="2000" spc="-1" strike="noStrike">
+              <a:latin typeface="Arial"/>
             </a:endParaRPr>
           </a:p>
           <a:p>
             <a:pPr lvl="6" marL="3024000" indent="-216000">
-              <a:spcAft>
+              <a:spcBef>
                 <a:spcPts val="283"/>
-              </a:spcAft>
+              </a:spcBef>
               <a:buClr>
-                <a:srgbClr val="ef2929"/>
+                <a:srgbClr val="000000"/>
               </a:buClr>
               <a:buSzPct val="45000"/>
               <a:buFont typeface="Wingdings" charset="2"/>
               <a:buChar char=""/>
             </a:pPr>
             <a:r>
-              <a:rPr b="0" lang="en-GB" sz="2800" spc="-1" strike="noStrike">
-                <a:solidFill>
-                  <a:srgbClr val="333333"/>
-                </a:solidFill>
-                <a:latin typeface="Noto Sans Regular"/>
+              <a:rPr b="0" lang="en-GB" sz="2000" spc="-1" strike="noStrike">
+                <a:latin typeface="Arial"/>
               </a:rPr>
               <a:t>Seventh Outline Level</a:t>
             </a:r>
-            <a:endParaRPr b="0" lang="en-GB" sz="2800" spc="-1" strike="noStrike">
-              <a:solidFill>
-                <a:srgbClr val="333333"/>
-              </a:solidFill>
-              <a:latin typeface="Noto Sans Regular"/>
-            </a:endParaRPr>
-          </a:p>
-        </p:txBody>
-      </p:sp>
-      <p:sp>
-        <p:nvSpPr>
-          <p:cNvPr id="44" name="PlaceHolder 3"/>
-          <p:cNvSpPr>
-            <a:spLocks noGrp="1"/>
-          </p:cNvSpPr>
-          <p:nvPr>
-            <p:ph type="dt"/>
-          </p:nvPr>
-        </p:nvSpPr>
-        <p:spPr>
-          <a:xfrm>
-            <a:off x="504000" y="6886800"/>
-            <a:ext cx="2348280" cy="521280"/>
-          </a:xfrm>
-          <a:prstGeom prst="rect">
-            <a:avLst/>
-          </a:prstGeom>
-        </p:spPr>
-        <p:txBody>
-          <a:bodyPr lIns="0" rIns="0" tIns="0" bIns="0"/>
-          <a:p>
-            <a:r>
-              <a:rPr b="0" lang="en-GB" sz="1400" spc="-1" strike="noStrike">
-                <a:latin typeface="Noto Sans Regular"/>
-              </a:rPr>
-              <a:t>&lt;date/time&gt;</a:t>
-            </a:r>
-            <a:endParaRPr b="0" lang="en-GB" sz="1400" spc="-1" strike="noStrike">
-              <a:latin typeface="Noto Sans Regular"/>
-            </a:endParaRPr>
-          </a:p>
-        </p:txBody>
-      </p:sp>
-      <p:sp>
-        <p:nvSpPr>
-          <p:cNvPr id="45" name="PlaceHolder 4"/>
-          <p:cNvSpPr>
-            <a:spLocks noGrp="1"/>
-          </p:cNvSpPr>
-          <p:nvPr>
-            <p:ph type="ftr"/>
-          </p:nvPr>
-        </p:nvSpPr>
-        <p:spPr>
-          <a:xfrm>
-            <a:off x="3447360" y="6886800"/>
-            <a:ext cx="3195000" cy="521280"/>
-          </a:xfrm>
-          <a:prstGeom prst="rect">
-            <a:avLst/>
-          </a:prstGeom>
-        </p:spPr>
-        <p:txBody>
-          <a:bodyPr lIns="0" rIns="0" tIns="0" bIns="0"/>
-          <a:p>
-            <a:pPr algn="ctr"/>
-            <a:r>
-              <a:rPr b="0" lang="en-GB" sz="1400" spc="-1" strike="noStrike">
-                <a:latin typeface="Noto Sans Regular"/>
-              </a:rPr>
-              <a:t>&lt;footer&gt;</a:t>
-            </a:r>
-            <a:endParaRPr b="0" lang="en-GB" sz="1400" spc="-1" strike="noStrike">
-              <a:latin typeface="Noto Sans Regular"/>
-            </a:endParaRPr>
-          </a:p>
-        </p:txBody>
-      </p:sp>
-      <p:sp>
-        <p:nvSpPr>
-          <p:cNvPr id="46" name="PlaceHolder 5"/>
-          <p:cNvSpPr>
-            <a:spLocks noGrp="1"/>
-          </p:cNvSpPr>
-          <p:nvPr>
-            <p:ph type="sldNum"/>
-          </p:nvPr>
-        </p:nvSpPr>
-        <p:spPr>
-          <a:xfrm>
-            <a:off x="7227360" y="6886800"/>
-            <a:ext cx="2348280" cy="521280"/>
-          </a:xfrm>
-          <a:prstGeom prst="rect">
-            <a:avLst/>
-          </a:prstGeom>
-        </p:spPr>
-        <p:txBody>
-          <a:bodyPr lIns="0" rIns="0" tIns="0" bIns="0"/>
-          <a:p>
-            <a:pPr algn="r"/>
-            <a:fld id="{8FF67E71-A865-404B-A214-E2B78F842C27}" type="slidenum">
-              <a:rPr b="0" lang="en-GB" sz="1400" spc="-1" strike="noStrike">
-                <a:latin typeface="Noto Sans Regular"/>
-              </a:rPr>
-              <a:t>&lt;number&gt;</a:t>
-            </a:fld>
-            <a:r>
-              <a:rPr b="0" lang="en-GB" sz="1400" spc="-1" strike="noStrike">
-                <a:latin typeface="Noto Sans Regular"/>
-              </a:rPr>
-              <a:t> / </a:t>
-            </a:r>
-            <a:fld id="{5B250B03-9232-4DBA-BA51-BEE806D38F81}" type="slidecount">
-              <a:rPr b="0" lang="en-GB" sz="1400" spc="-1" strike="noStrike">
-                <a:latin typeface="Noto Sans Regular"/>
-              </a:rPr>
-              <a:t>10</a:t>
-            </a:fld>
-            <a:endParaRPr b="0" lang="en-GB" sz="1400" spc="-1" strike="noStrike">
-              <a:latin typeface="Noto Sans Regular"/>
-            </a:endParaRPr>
-          </a:p>
-        </p:txBody>
-      </p:sp>
-      <p:sp>
-        <p:nvSpPr>
-          <p:cNvPr id="47" name="CustomShape 6"/>
-          <p:cNvSpPr/>
-          <p:nvPr/>
-        </p:nvSpPr>
-        <p:spPr>
-          <a:xfrm>
-            <a:off x="0" y="288000"/>
-            <a:ext cx="504000" cy="1080000"/>
-          </a:xfrm>
-          <a:prstGeom prst="rect">
-            <a:avLst/>
-          </a:prstGeom>
-          <a:solidFill>
-            <a:srgbClr val="ef2929"/>
-          </a:solidFill>
-          <a:ln>
-            <a:noFill/>
-          </a:ln>
-        </p:spPr>
-        <p:style>
-          <a:lnRef idx="0"/>
-          <a:fillRef idx="0"/>
-          <a:effectRef idx="0"/>
-          <a:fontRef idx="minor"/>
-        </p:style>
+            <a:endParaRPr b="0" lang="en-GB" sz="2000" spc="-1" strike="noStrike">
+              <a:latin typeface="Arial"/>
+            </a:endParaRPr>
+          </a:p>
+        </p:txBody>
       </p:sp>
     </p:spTree>
   </p:cSld>
@@ -3654,6 +5907,561 @@
     <p:sldLayoutId id="2147483671" r:id="rId11"/>
     <p:sldLayoutId id="2147483672" r:id="rId12"/>
     <p:sldLayoutId id="2147483673" r:id="rId13"/>
+  </p:sldLayoutIdLst>
+</p:sldMaster>
+</file>
+
+<file path=ppt/slideMasters/slideMaster3.xml><?xml version="1.0" encoding="utf-8"?>
+<p:sldMaster xmlns:a="http://schemas.openxmlformats.org/drawingml/2006/main" xmlns:p="http://schemas.openxmlformats.org/presentationml/2006/main" xmlns:r="http://schemas.openxmlformats.org/officeDocument/2006/relationships" xmlns:p14="http://schemas.microsoft.com/office/powerpoint/2010/main" xmlns:p15="http://schemas.microsoft.com/office/powerpoint/2012/main" xmlns:mc="http://schemas.openxmlformats.org/markup-compatibility/2006">
+  <p:cSld>
+    <p:spTree>
+      <p:nvGrpSpPr>
+        <p:cNvPr id="1" name=""/>
+        <p:cNvGrpSpPr/>
+        <p:nvPr/>
+      </p:nvGrpSpPr>
+      <p:grpSpPr>
+        <a:xfrm>
+          <a:off x="0" y="0"/>
+          <a:ext cx="0" cy="0"/>
+          <a:chOff x="0" y="0"/>
+          <a:chExt cx="0" cy="0"/>
+        </a:xfrm>
+      </p:grpSpPr>
+      <p:sp>
+        <p:nvSpPr>
+          <p:cNvPr id="78" name="CustomShape 1"/>
+          <p:cNvSpPr/>
+          <p:nvPr/>
+        </p:nvSpPr>
+        <p:spPr>
+          <a:xfrm>
+            <a:off x="0" y="288000"/>
+            <a:ext cx="503640" cy="1079640"/>
+          </a:xfrm>
+          <a:prstGeom prst="rect">
+            <a:avLst/>
+          </a:prstGeom>
+          <a:solidFill>
+            <a:srgbClr val="ef2929"/>
+          </a:solidFill>
+          <a:ln>
+            <a:noFill/>
+          </a:ln>
+        </p:spPr>
+        <p:style>
+          <a:lnRef idx="0"/>
+          <a:fillRef idx="0"/>
+          <a:effectRef idx="0"/>
+          <a:fontRef idx="minor"/>
+        </p:style>
+      </p:sp>
+      <p:sp>
+        <p:nvSpPr>
+          <p:cNvPr id="79" name="PlaceHolder 2"/>
+          <p:cNvSpPr>
+            <a:spLocks noGrp="1"/>
+          </p:cNvSpPr>
+          <p:nvPr>
+            <p:ph type="title"/>
+          </p:nvPr>
+        </p:nvSpPr>
+        <p:spPr>
+          <a:xfrm>
+            <a:off x="720000" y="300960"/>
+            <a:ext cx="8855280" cy="1262160"/>
+          </a:xfrm>
+          <a:prstGeom prst="rect">
+            <a:avLst/>
+          </a:prstGeom>
+        </p:spPr>
+        <p:txBody>
+          <a:bodyPr lIns="0" rIns="0" tIns="0" bIns="0" anchor="ctr"/>
+          <a:p>
+            <a:r>
+              <a:rPr b="0" lang="en-GB" sz="1800" spc="-1" strike="noStrike">
+                <a:latin typeface="Arial"/>
+              </a:rPr>
+              <a:t>Click to edit the title text format</a:t>
+            </a:r>
+            <a:endParaRPr b="0" lang="en-GB" sz="1800" spc="-1" strike="noStrike">
+              <a:latin typeface="Arial"/>
+            </a:endParaRPr>
+          </a:p>
+        </p:txBody>
+      </p:sp>
+      <p:sp>
+        <p:nvSpPr>
+          <p:cNvPr id="80" name="PlaceHolder 3"/>
+          <p:cNvSpPr>
+            <a:spLocks noGrp="1"/>
+          </p:cNvSpPr>
+          <p:nvPr>
+            <p:ph type="body"/>
+          </p:nvPr>
+        </p:nvSpPr>
+        <p:spPr>
+          <a:xfrm>
+            <a:off x="720000" y="2160000"/>
+            <a:ext cx="8639640" cy="4384440"/>
+          </a:xfrm>
+          <a:prstGeom prst="rect">
+            <a:avLst/>
+          </a:prstGeom>
+        </p:spPr>
+        <p:txBody>
+          <a:bodyPr lIns="0" rIns="0" tIns="0" bIns="0"/>
+          <a:p>
+            <a:pPr marL="432000" indent="-324000">
+              <a:spcBef>
+                <a:spcPts val="1417"/>
+              </a:spcBef>
+              <a:buClr>
+                <a:srgbClr val="000000"/>
+              </a:buClr>
+              <a:buSzPct val="45000"/>
+              <a:buFont typeface="Wingdings" charset="2"/>
+              <a:buChar char=""/>
+            </a:pPr>
+            <a:r>
+              <a:rPr b="0" lang="en-GB" sz="1800" spc="-1" strike="noStrike">
+                <a:latin typeface="Arial"/>
+              </a:rPr>
+              <a:t>Click to edit the outline text format</a:t>
+            </a:r>
+            <a:endParaRPr b="0" lang="en-GB" sz="1800" spc="-1" strike="noStrike">
+              <a:latin typeface="Arial"/>
+            </a:endParaRPr>
+          </a:p>
+          <a:p>
+            <a:pPr lvl="1" marL="864000" indent="-324000">
+              <a:spcBef>
+                <a:spcPts val="1134"/>
+              </a:spcBef>
+              <a:buClr>
+                <a:srgbClr val="000000"/>
+              </a:buClr>
+              <a:buSzPct val="75000"/>
+              <a:buFont typeface="Symbol" charset="2"/>
+              <a:buChar char=""/>
+            </a:pPr>
+            <a:r>
+              <a:rPr b="0" lang="en-GB" sz="1800" spc="-1" strike="noStrike">
+                <a:latin typeface="Arial"/>
+              </a:rPr>
+              <a:t>Second Outline Level</a:t>
+            </a:r>
+            <a:endParaRPr b="0" lang="en-GB" sz="1800" spc="-1" strike="noStrike">
+              <a:latin typeface="Arial"/>
+            </a:endParaRPr>
+          </a:p>
+          <a:p>
+            <a:pPr lvl="2" marL="1296000" indent="-288000">
+              <a:spcBef>
+                <a:spcPts val="850"/>
+              </a:spcBef>
+              <a:buClr>
+                <a:srgbClr val="000000"/>
+              </a:buClr>
+              <a:buSzPct val="45000"/>
+              <a:buFont typeface="Wingdings" charset="2"/>
+              <a:buChar char=""/>
+            </a:pPr>
+            <a:r>
+              <a:rPr b="0" lang="en-GB" sz="1800" spc="-1" strike="noStrike">
+                <a:latin typeface="Arial"/>
+              </a:rPr>
+              <a:t>Third Outline Level</a:t>
+            </a:r>
+            <a:endParaRPr b="0" lang="en-GB" sz="1800" spc="-1" strike="noStrike">
+              <a:latin typeface="Arial"/>
+            </a:endParaRPr>
+          </a:p>
+          <a:p>
+            <a:pPr lvl="3" marL="1728000" indent="-216000">
+              <a:spcBef>
+                <a:spcPts val="567"/>
+              </a:spcBef>
+              <a:buClr>
+                <a:srgbClr val="000000"/>
+              </a:buClr>
+              <a:buSzPct val="75000"/>
+              <a:buFont typeface="Symbol" charset="2"/>
+              <a:buChar char=""/>
+            </a:pPr>
+            <a:r>
+              <a:rPr b="0" lang="en-GB" sz="1800" spc="-1" strike="noStrike">
+                <a:latin typeface="Arial"/>
+              </a:rPr>
+              <a:t>Fourth Outline Level</a:t>
+            </a:r>
+            <a:endParaRPr b="0" lang="en-GB" sz="1800" spc="-1" strike="noStrike">
+              <a:latin typeface="Arial"/>
+            </a:endParaRPr>
+          </a:p>
+          <a:p>
+            <a:pPr lvl="4" marL="2160000" indent="-216000">
+              <a:spcBef>
+                <a:spcPts val="283"/>
+              </a:spcBef>
+              <a:buClr>
+                <a:srgbClr val="000000"/>
+              </a:buClr>
+              <a:buSzPct val="45000"/>
+              <a:buFont typeface="Wingdings" charset="2"/>
+              <a:buChar char=""/>
+            </a:pPr>
+            <a:r>
+              <a:rPr b="0" lang="en-GB" sz="1800" spc="-1" strike="noStrike">
+                <a:latin typeface="Arial"/>
+              </a:rPr>
+              <a:t>Fifth Outline Level</a:t>
+            </a:r>
+            <a:endParaRPr b="0" lang="en-GB" sz="1800" spc="-1" strike="noStrike">
+              <a:latin typeface="Arial"/>
+            </a:endParaRPr>
+          </a:p>
+          <a:p>
+            <a:pPr lvl="5" marL="2592000" indent="-216000">
+              <a:spcBef>
+                <a:spcPts val="283"/>
+              </a:spcBef>
+              <a:buClr>
+                <a:srgbClr val="000000"/>
+              </a:buClr>
+              <a:buSzPct val="45000"/>
+              <a:buFont typeface="Wingdings" charset="2"/>
+              <a:buChar char=""/>
+            </a:pPr>
+            <a:r>
+              <a:rPr b="0" lang="en-GB" sz="1800" spc="-1" strike="noStrike">
+                <a:latin typeface="Arial"/>
+              </a:rPr>
+              <a:t>Sixth Outline Level</a:t>
+            </a:r>
+            <a:endParaRPr b="0" lang="en-GB" sz="1800" spc="-1" strike="noStrike">
+              <a:latin typeface="Arial"/>
+            </a:endParaRPr>
+          </a:p>
+          <a:p>
+            <a:pPr lvl="6" marL="3024000" indent="-216000">
+              <a:spcBef>
+                <a:spcPts val="283"/>
+              </a:spcBef>
+              <a:buClr>
+                <a:srgbClr val="000000"/>
+              </a:buClr>
+              <a:buSzPct val="45000"/>
+              <a:buFont typeface="Wingdings" charset="2"/>
+              <a:buChar char=""/>
+            </a:pPr>
+            <a:r>
+              <a:rPr b="0" lang="en-GB" sz="1800" spc="-1" strike="noStrike">
+                <a:latin typeface="Arial"/>
+              </a:rPr>
+              <a:t>Seventh Outline Level</a:t>
+            </a:r>
+            <a:endParaRPr b="0" lang="en-GB" sz="1800" spc="-1" strike="noStrike">
+              <a:latin typeface="Arial"/>
+            </a:endParaRPr>
+          </a:p>
+        </p:txBody>
+      </p:sp>
+    </p:spTree>
+  </p:cSld>
+  <p:clrMap bg1="lt1" bg2="lt2" tx1="dk1" tx2="dk2" accent1="accent1" accent2="accent2" accent3="accent3" accent4="accent4" accent5="accent5" accent6="accent6" hlink="hlink" folHlink="folHlink"/>
+  <p:sldLayoutIdLst>
+    <p:sldLayoutId id="2147483675" r:id="rId2"/>
+    <p:sldLayoutId id="2147483676" r:id="rId3"/>
+    <p:sldLayoutId id="2147483677" r:id="rId4"/>
+    <p:sldLayoutId id="2147483678" r:id="rId5"/>
+    <p:sldLayoutId id="2147483679" r:id="rId6"/>
+    <p:sldLayoutId id="2147483680" r:id="rId7"/>
+    <p:sldLayoutId id="2147483681" r:id="rId8"/>
+    <p:sldLayoutId id="2147483682" r:id="rId9"/>
+    <p:sldLayoutId id="2147483683" r:id="rId10"/>
+    <p:sldLayoutId id="2147483684" r:id="rId11"/>
+    <p:sldLayoutId id="2147483685" r:id="rId12"/>
+    <p:sldLayoutId id="2147483686" r:id="rId13"/>
+  </p:sldLayoutIdLst>
+</p:sldMaster>
+</file>
+
+<file path=ppt/slideMasters/slideMaster4.xml><?xml version="1.0" encoding="utf-8"?>
+<p:sldMaster xmlns:a="http://schemas.openxmlformats.org/drawingml/2006/main" xmlns:p="http://schemas.openxmlformats.org/presentationml/2006/main" xmlns:r="http://schemas.openxmlformats.org/officeDocument/2006/relationships" xmlns:p14="http://schemas.microsoft.com/office/powerpoint/2010/main" xmlns:p15="http://schemas.microsoft.com/office/powerpoint/2012/main" xmlns:mc="http://schemas.openxmlformats.org/markup-compatibility/2006">
+  <p:cSld>
+    <p:spTree>
+      <p:nvGrpSpPr>
+        <p:cNvPr id="1" name=""/>
+        <p:cNvGrpSpPr/>
+        <p:nvPr/>
+      </p:nvGrpSpPr>
+      <p:grpSpPr>
+        <a:xfrm>
+          <a:off x="0" y="0"/>
+          <a:ext cx="0" cy="0"/>
+          <a:chOff x="0" y="0"/>
+          <a:chExt cx="0" cy="0"/>
+        </a:xfrm>
+      </p:grpSpPr>
+      <p:sp>
+        <p:nvSpPr>
+          <p:cNvPr id="117" name="CustomShape 1"/>
+          <p:cNvSpPr/>
+          <p:nvPr/>
+        </p:nvSpPr>
+        <p:spPr>
+          <a:xfrm>
+            <a:off x="0" y="288000"/>
+            <a:ext cx="503640" cy="1079640"/>
+          </a:xfrm>
+          <a:prstGeom prst="rect">
+            <a:avLst/>
+          </a:prstGeom>
+          <a:solidFill>
+            <a:srgbClr val="ef2929"/>
+          </a:solidFill>
+          <a:ln>
+            <a:noFill/>
+          </a:ln>
+        </p:spPr>
+        <p:style>
+          <a:lnRef idx="0"/>
+          <a:fillRef idx="0"/>
+          <a:effectRef idx="0"/>
+          <a:fontRef idx="minor"/>
+        </p:style>
+      </p:sp>
+      <p:sp>
+        <p:nvSpPr>
+          <p:cNvPr id="118" name="PlaceHolder 2"/>
+          <p:cNvSpPr>
+            <a:spLocks noGrp="1"/>
+          </p:cNvSpPr>
+          <p:nvPr>
+            <p:ph type="title"/>
+          </p:nvPr>
+        </p:nvSpPr>
+        <p:spPr>
+          <a:xfrm>
+            <a:off x="504000" y="301320"/>
+            <a:ext cx="9072000" cy="1261800"/>
+          </a:xfrm>
+          <a:prstGeom prst="rect">
+            <a:avLst/>
+          </a:prstGeom>
+        </p:spPr>
+        <p:txBody>
+          <a:bodyPr lIns="0" rIns="0" tIns="0" bIns="0" anchor="ctr"/>
+          <a:p>
+            <a:pPr algn="ctr"/>
+            <a:r>
+              <a:rPr b="0" lang="en-GB" sz="4400" spc="-1" strike="noStrike">
+                <a:latin typeface="Arial"/>
+              </a:rPr>
+              <a:t>Click to edit the title text format</a:t>
+            </a:r>
+            <a:endParaRPr b="0" lang="en-GB" sz="4400" spc="-1" strike="noStrike">
+              <a:latin typeface="Arial"/>
+            </a:endParaRPr>
+          </a:p>
+        </p:txBody>
+      </p:sp>
+      <p:sp>
+        <p:nvSpPr>
+          <p:cNvPr id="119" name="PlaceHolder 3"/>
+          <p:cNvSpPr>
+            <a:spLocks noGrp="1"/>
+          </p:cNvSpPr>
+          <p:nvPr>
+            <p:ph type="body"/>
+          </p:nvPr>
+        </p:nvSpPr>
+        <p:spPr>
+          <a:xfrm>
+            <a:off x="504000" y="1768680"/>
+            <a:ext cx="9072000" cy="4384080"/>
+          </a:xfrm>
+          <a:prstGeom prst="rect">
+            <a:avLst/>
+          </a:prstGeom>
+        </p:spPr>
+        <p:txBody>
+          <a:bodyPr lIns="0" rIns="0" tIns="0" bIns="0">
+            <a:normAutofit/>
+          </a:bodyPr>
+          <a:p>
+            <a:pPr marL="432000" indent="-324000">
+              <a:spcBef>
+                <a:spcPts val="1417"/>
+              </a:spcBef>
+              <a:buClr>
+                <a:srgbClr val="000000"/>
+              </a:buClr>
+              <a:buSzPct val="45000"/>
+              <a:buFont typeface="Wingdings" charset="2"/>
+              <a:buChar char=""/>
+            </a:pPr>
+            <a:r>
+              <a:rPr b="0" lang="en-GB" sz="3200" spc="-1" strike="noStrike">
+                <a:latin typeface="Arial"/>
+              </a:rPr>
+              <a:t>Click to edit the outline text format</a:t>
+            </a:r>
+            <a:endParaRPr b="0" lang="en-GB" sz="3200" spc="-1" strike="noStrike">
+              <a:latin typeface="Arial"/>
+            </a:endParaRPr>
+          </a:p>
+          <a:p>
+            <a:pPr lvl="1" marL="864000" indent="-324000">
+              <a:spcBef>
+                <a:spcPts val="1134"/>
+              </a:spcBef>
+              <a:buClr>
+                <a:srgbClr val="000000"/>
+              </a:buClr>
+              <a:buSzPct val="75000"/>
+              <a:buFont typeface="Symbol" charset="2"/>
+              <a:buChar char=""/>
+            </a:pPr>
+            <a:r>
+              <a:rPr b="0" lang="en-GB" sz="2800" spc="-1" strike="noStrike">
+                <a:latin typeface="Arial"/>
+              </a:rPr>
+              <a:t>Second Outline Level</a:t>
+            </a:r>
+            <a:endParaRPr b="0" lang="en-GB" sz="2800" spc="-1" strike="noStrike">
+              <a:latin typeface="Arial"/>
+            </a:endParaRPr>
+          </a:p>
+          <a:p>
+            <a:pPr lvl="2" marL="1296000" indent="-288000">
+              <a:spcBef>
+                <a:spcPts val="850"/>
+              </a:spcBef>
+              <a:buClr>
+                <a:srgbClr val="000000"/>
+              </a:buClr>
+              <a:buSzPct val="45000"/>
+              <a:buFont typeface="Wingdings" charset="2"/>
+              <a:buChar char=""/>
+            </a:pPr>
+            <a:r>
+              <a:rPr b="0" lang="en-GB" sz="2400" spc="-1" strike="noStrike">
+                <a:latin typeface="Arial"/>
+              </a:rPr>
+              <a:t>Third Outline Level</a:t>
+            </a:r>
+            <a:endParaRPr b="0" lang="en-GB" sz="2400" spc="-1" strike="noStrike">
+              <a:latin typeface="Arial"/>
+            </a:endParaRPr>
+          </a:p>
+          <a:p>
+            <a:pPr lvl="3" marL="1728000" indent="-216000">
+              <a:spcBef>
+                <a:spcPts val="567"/>
+              </a:spcBef>
+              <a:buClr>
+                <a:srgbClr val="000000"/>
+              </a:buClr>
+              <a:buSzPct val="75000"/>
+              <a:buFont typeface="Symbol" charset="2"/>
+              <a:buChar char=""/>
+            </a:pPr>
+            <a:r>
+              <a:rPr b="0" lang="en-GB" sz="2000" spc="-1" strike="noStrike">
+                <a:latin typeface="Arial"/>
+              </a:rPr>
+              <a:t>Fourth Outline Level</a:t>
+            </a:r>
+            <a:endParaRPr b="0" lang="en-GB" sz="2000" spc="-1" strike="noStrike">
+              <a:latin typeface="Arial"/>
+            </a:endParaRPr>
+          </a:p>
+          <a:p>
+            <a:pPr lvl="4" marL="2160000" indent="-216000">
+              <a:spcBef>
+                <a:spcPts val="283"/>
+              </a:spcBef>
+              <a:buClr>
+                <a:srgbClr val="000000"/>
+              </a:buClr>
+              <a:buSzPct val="45000"/>
+              <a:buFont typeface="Wingdings" charset="2"/>
+              <a:buChar char=""/>
+            </a:pPr>
+            <a:r>
+              <a:rPr b="0" lang="en-GB" sz="2000" spc="-1" strike="noStrike">
+                <a:latin typeface="Arial"/>
+              </a:rPr>
+              <a:t>Fifth Outline Level</a:t>
+            </a:r>
+            <a:endParaRPr b="0" lang="en-GB" sz="2000" spc="-1" strike="noStrike">
+              <a:latin typeface="Arial"/>
+            </a:endParaRPr>
+          </a:p>
+          <a:p>
+            <a:pPr lvl="5" marL="2592000" indent="-216000">
+              <a:spcBef>
+                <a:spcPts val="283"/>
+              </a:spcBef>
+              <a:buClr>
+                <a:srgbClr val="000000"/>
+              </a:buClr>
+              <a:buSzPct val="45000"/>
+              <a:buFont typeface="Wingdings" charset="2"/>
+              <a:buChar char=""/>
+            </a:pPr>
+            <a:r>
+              <a:rPr b="0" lang="en-GB" sz="2000" spc="-1" strike="noStrike">
+                <a:latin typeface="Arial"/>
+              </a:rPr>
+              <a:t>Sixth Outline Level</a:t>
+            </a:r>
+            <a:endParaRPr b="0" lang="en-GB" sz="2000" spc="-1" strike="noStrike">
+              <a:latin typeface="Arial"/>
+            </a:endParaRPr>
+          </a:p>
+          <a:p>
+            <a:pPr lvl="6" marL="3024000" indent="-216000">
+              <a:spcBef>
+                <a:spcPts val="283"/>
+              </a:spcBef>
+              <a:buClr>
+                <a:srgbClr val="000000"/>
+              </a:buClr>
+              <a:buSzPct val="45000"/>
+              <a:buFont typeface="Wingdings" charset="2"/>
+              <a:buChar char=""/>
+            </a:pPr>
+            <a:r>
+              <a:rPr b="0" lang="en-GB" sz="2000" spc="-1" strike="noStrike">
+                <a:latin typeface="Arial"/>
+              </a:rPr>
+              <a:t>Seventh Outline Level</a:t>
+            </a:r>
+            <a:endParaRPr b="0" lang="en-GB" sz="2000" spc="-1" strike="noStrike">
+              <a:latin typeface="Arial"/>
+            </a:endParaRPr>
+          </a:p>
+        </p:txBody>
+      </p:sp>
+    </p:spTree>
+  </p:cSld>
+  <p:clrMap bg1="lt1" bg2="lt2" tx1="dk1" tx2="dk2" accent1="accent1" accent2="accent2" accent3="accent3" accent4="accent4" accent5="accent5" accent6="accent6" hlink="hlink" folHlink="folHlink"/>
+  <p:sldLayoutIdLst>
+    <p:sldLayoutId id="2147483688" r:id="rId2"/>
+    <p:sldLayoutId id="2147483689" r:id="rId3"/>
+    <p:sldLayoutId id="2147483690" r:id="rId4"/>
+    <p:sldLayoutId id="2147483691" r:id="rId5"/>
+    <p:sldLayoutId id="2147483692" r:id="rId6"/>
+    <p:sldLayoutId id="2147483693" r:id="rId7"/>
+    <p:sldLayoutId id="2147483694" r:id="rId8"/>
+    <p:sldLayoutId id="2147483695" r:id="rId9"/>
+    <p:sldLayoutId id="2147483696" r:id="rId10"/>
+    <p:sldLayoutId id="2147483697" r:id="rId11"/>
+    <p:sldLayoutId id="2147483698" r:id="rId12"/>
+    <p:sldLayoutId id="2147483699" r:id="rId13"/>
   </p:sldLayoutIdLst>
 </p:sldMaster>
 </file>
@@ -3677,14 +6485,14 @@
       </p:grpSpPr>
       <p:sp>
         <p:nvSpPr>
-          <p:cNvPr id="84" name="TextShape 1"/>
-          <p:cNvSpPr txBox="1"/>
+          <p:cNvPr id="156" name="CustomShape 1"/>
+          <p:cNvSpPr/>
           <p:nvPr/>
         </p:nvSpPr>
         <p:spPr>
           <a:xfrm>
             <a:off x="792000" y="3993480"/>
-            <a:ext cx="8568000" cy="1661400"/>
+            <a:ext cx="8567640" cy="1661040"/>
           </a:xfrm>
           <a:prstGeom prst="rect">
             <a:avLst/>
@@ -3694,11 +6502,22 @@
             <a:noFill/>
           </a:ln>
         </p:spPr>
+        <p:style>
+          <a:lnRef idx="0"/>
+          <a:fillRef idx="0"/>
+          <a:effectRef idx="0"/>
+          <a:fontRef idx="minor"/>
+        </p:style>
         <p:txBody>
           <a:bodyPr lIns="0" rIns="0" tIns="0" bIns="0" anchor="ctr">
             <a:normAutofit/>
           </a:bodyPr>
           <a:p>
+            <a:pPr>
+              <a:lnSpc>
+                <a:spcPct val="100000"/>
+              </a:lnSpc>
+            </a:pPr>
             <a:r>
               <a:rPr b="1" lang="en-GB" sz="4800" spc="-1" strike="noStrike">
                 <a:solidFill>
@@ -3708,25 +6527,22 @@
               </a:rPr>
               <a:t>Online Judge</a:t>
             </a:r>
-            <a:endParaRPr b="1" lang="en-GB" sz="4800" spc="-1" strike="noStrike">
-              <a:solidFill>
-                <a:srgbClr val="333333"/>
-              </a:solidFill>
-              <a:latin typeface="Noto Sans Regular"/>
-            </a:endParaRPr>
-          </a:p>
-        </p:txBody>
-      </p:sp>
-      <p:sp>
-        <p:nvSpPr>
-          <p:cNvPr id="85" name="TextShape 2"/>
-          <p:cNvSpPr txBox="1"/>
+            <a:endParaRPr b="0" lang="en-GB" sz="4800" spc="-1" strike="noStrike">
+              <a:latin typeface="Arial"/>
+            </a:endParaRPr>
+          </a:p>
+        </p:txBody>
+      </p:sp>
+      <p:sp>
+        <p:nvSpPr>
+          <p:cNvPr id="157" name="CustomShape 2"/>
+          <p:cNvSpPr/>
           <p:nvPr/>
         </p:nvSpPr>
         <p:spPr>
           <a:xfrm>
             <a:off x="792000" y="5904000"/>
-            <a:ext cx="8568000" cy="982440"/>
+            <a:ext cx="8567640" cy="982080"/>
           </a:xfrm>
           <a:prstGeom prst="rect">
             <a:avLst/>
@@ -3736,15 +6552,12 @@
             <a:noFill/>
           </a:ln>
         </p:spPr>
-        <p:txBody>
-          <a:bodyPr lIns="0" rIns="0" tIns="0" bIns="0" anchor="ctr"/>
-          <a:p>
-            <a:pPr algn="ctr"/>
-            <a:endParaRPr b="0" lang="en-GB" sz="3200" spc="-1" strike="noStrike">
-              <a:latin typeface="Noto Sans Regular"/>
-            </a:endParaRPr>
-          </a:p>
-        </p:txBody>
+        <p:style>
+          <a:lnRef idx="0"/>
+          <a:fillRef idx="0"/>
+          <a:effectRef idx="0"/>
+          <a:fontRef idx="minor"/>
+        </p:style>
       </p:sp>
     </p:spTree>
   </p:cSld>
@@ -3797,14 +6610,14 @@
       </p:grpSpPr>
       <p:sp>
         <p:nvSpPr>
-          <p:cNvPr id="112" name="TextShape 1"/>
-          <p:cNvSpPr txBox="1"/>
+          <p:cNvPr id="185" name="CustomShape 1"/>
+          <p:cNvSpPr/>
           <p:nvPr/>
         </p:nvSpPr>
         <p:spPr>
           <a:xfrm>
             <a:off x="720000" y="300960"/>
-            <a:ext cx="8855640" cy="1262520"/>
+            <a:ext cx="8855280" cy="1262160"/>
           </a:xfrm>
           <a:prstGeom prst="rect">
             <a:avLst/>
@@ -3814,9 +6627,20 @@
             <a:noFill/>
           </a:ln>
         </p:spPr>
+        <p:style>
+          <a:lnRef idx="0"/>
+          <a:fillRef idx="0"/>
+          <a:effectRef idx="0"/>
+          <a:fontRef idx="minor"/>
+        </p:style>
         <p:txBody>
           <a:bodyPr lIns="0" rIns="0" tIns="0" bIns="0" anchor="ctr"/>
           <a:p>
+            <a:pPr>
+              <a:lnSpc>
+                <a:spcPct val="100000"/>
+              </a:lnSpc>
+            </a:pPr>
             <a:r>
               <a:rPr b="1" lang="en-GB" sz="4400" spc="-1" strike="noStrike">
                 <a:solidFill>
@@ -3826,25 +6650,22 @@
               </a:rPr>
               <a:t>MCQ</a:t>
             </a:r>
-            <a:endParaRPr b="1" lang="en-GB" sz="4400" spc="-1" strike="noStrike">
-              <a:solidFill>
-                <a:srgbClr val="333333"/>
-              </a:solidFill>
-              <a:latin typeface="Noto Sans Regular"/>
-            </a:endParaRPr>
-          </a:p>
-        </p:txBody>
-      </p:sp>
-      <p:sp>
-        <p:nvSpPr>
-          <p:cNvPr id="113" name="TextShape 2"/>
-          <p:cNvSpPr txBox="1"/>
+            <a:endParaRPr b="0" lang="en-GB" sz="4400" spc="-1" strike="noStrike">
+              <a:latin typeface="Arial"/>
+            </a:endParaRPr>
+          </a:p>
+        </p:txBody>
+      </p:sp>
+      <p:sp>
+        <p:nvSpPr>
+          <p:cNvPr id="186" name="CustomShape 2"/>
+          <p:cNvSpPr/>
           <p:nvPr/>
         </p:nvSpPr>
         <p:spPr>
           <a:xfrm>
             <a:off x="720000" y="2160000"/>
-            <a:ext cx="8640000" cy="4384800"/>
+            <a:ext cx="8639640" cy="4384440"/>
           </a:xfrm>
           <a:prstGeom prst="rect">
             <a:avLst/>
@@ -3854,10 +6675,19 @@
             <a:noFill/>
           </a:ln>
         </p:spPr>
+        <p:style>
+          <a:lnRef idx="0"/>
+          <a:fillRef idx="0"/>
+          <a:effectRef idx="0"/>
+          <a:fontRef idx="minor"/>
+        </p:style>
         <p:txBody>
           <a:bodyPr lIns="0" rIns="0" tIns="0" bIns="0"/>
           <a:p>
-            <a:pPr marL="432000" indent="-324000">
+            <a:pPr marL="432000" indent="-323640">
+              <a:lnSpc>
+                <a:spcPct val="100000"/>
+              </a:lnSpc>
               <a:spcAft>
                 <a:spcPts val="1414"/>
               </a:spcAft>
@@ -3878,14 +6708,14 @@
               <a:t>Each MCQ will have a statement, 4 options.</a:t>
             </a:r>
             <a:endParaRPr b="0" lang="en-GB" sz="2800" spc="-1" strike="noStrike">
-              <a:solidFill>
-                <a:srgbClr val="333333"/>
-              </a:solidFill>
-              <a:latin typeface="Noto Sans Regular"/>
-            </a:endParaRPr>
-          </a:p>
-          <a:p>
-            <a:pPr marL="432000" indent="-324000">
+              <a:latin typeface="Arial"/>
+            </a:endParaRPr>
+          </a:p>
+          <a:p>
+            <a:pPr marL="432000" indent="-323640">
+              <a:lnSpc>
+                <a:spcPct val="100000"/>
+              </a:lnSpc>
               <a:spcAft>
                 <a:spcPts val="1414"/>
               </a:spcAft>
@@ -3906,10 +6736,7 @@
               <a:t>MCQ will also have positive and negative marks. </a:t>
             </a:r>
             <a:endParaRPr b="0" lang="en-GB" sz="2800" spc="-1" strike="noStrike">
-              <a:solidFill>
-                <a:srgbClr val="333333"/>
-              </a:solidFill>
-              <a:latin typeface="Noto Sans Regular"/>
+              <a:latin typeface="Arial"/>
             </a:endParaRPr>
           </a:p>
         </p:txBody>
@@ -3946,6 +6773,324 @@
 </p:sld>
 </file>
 
+<file path=ppt/slides/slide11.xml><?xml version="1.0" encoding="utf-8"?>
+<p:sld xmlns:a="http://schemas.openxmlformats.org/drawingml/2006/main" xmlns:p="http://schemas.openxmlformats.org/presentationml/2006/main" xmlns:r="http://schemas.openxmlformats.org/officeDocument/2006/relationships" xmlns:p14="http://schemas.microsoft.com/office/powerpoint/2010/main" xmlns:p15="http://schemas.microsoft.com/office/powerpoint/2012/main" xmlns:mc="http://schemas.openxmlformats.org/markup-compatibility/2006">
+  <p:cSld>
+    <p:spTree>
+      <p:nvGrpSpPr>
+        <p:cNvPr id="1" name=""/>
+        <p:cNvGrpSpPr/>
+        <p:nvPr/>
+      </p:nvGrpSpPr>
+      <p:grpSpPr>
+        <a:xfrm>
+          <a:off x="0" y="0"/>
+          <a:ext cx="0" cy="0"/>
+          <a:chOff x="0" y="0"/>
+          <a:chExt cx="0" cy="0"/>
+        </a:xfrm>
+      </p:grpSpPr>
+      <p:sp>
+        <p:nvSpPr>
+          <p:cNvPr id="187" name="TextShape 1"/>
+          <p:cNvSpPr txBox="1"/>
+          <p:nvPr/>
+        </p:nvSpPr>
+        <p:spPr>
+          <a:xfrm>
+            <a:off x="720000" y="300960"/>
+            <a:ext cx="8855280" cy="1262160"/>
+          </a:xfrm>
+          <a:prstGeom prst="rect">
+            <a:avLst/>
+          </a:prstGeom>
+          <a:noFill/>
+          <a:ln>
+            <a:noFill/>
+          </a:ln>
+        </p:spPr>
+        <p:txBody>
+          <a:bodyPr lIns="0" rIns="0" tIns="0" bIns="0" anchor="ctr"/>
+          <a:p>
+            <a:r>
+              <a:rPr b="0" lang="en-GB" sz="4400" spc="-1" strike="noStrike">
+                <a:latin typeface="Arial"/>
+              </a:rPr>
+              <a:t>API Authorisation</a:t>
+            </a:r>
+            <a:endParaRPr b="0" lang="en-GB" sz="4400" spc="-1" strike="noStrike">
+              <a:latin typeface="Arial"/>
+            </a:endParaRPr>
+          </a:p>
+        </p:txBody>
+      </p:sp>
+      <p:sp>
+        <p:nvSpPr>
+          <p:cNvPr id="188" name="TextShape 2"/>
+          <p:cNvSpPr txBox="1"/>
+          <p:nvPr/>
+        </p:nvSpPr>
+        <p:spPr>
+          <a:xfrm>
+            <a:off x="720000" y="2160000"/>
+            <a:ext cx="8639640" cy="4384440"/>
+          </a:xfrm>
+          <a:prstGeom prst="rect">
+            <a:avLst/>
+          </a:prstGeom>
+          <a:noFill/>
+          <a:ln>
+            <a:noFill/>
+          </a:ln>
+        </p:spPr>
+        <p:txBody>
+          <a:bodyPr lIns="0" rIns="0" tIns="0" bIns="0">
+            <a:normAutofit/>
+          </a:bodyPr>
+          <a:p>
+            <a:pPr marL="432000" indent="-324000">
+              <a:spcBef>
+                <a:spcPts val="1417"/>
+              </a:spcBef>
+              <a:buClr>
+                <a:srgbClr val="000000"/>
+              </a:buClr>
+              <a:buSzPct val="45000"/>
+              <a:buFont typeface="Wingdings" charset="2"/>
+              <a:buChar char=""/>
+            </a:pPr>
+            <a:r>
+              <a:rPr b="0" lang="en-GB" sz="3200" spc="-1" strike="noStrike">
+                <a:latin typeface="Arial"/>
+              </a:rPr>
+              <a:t>To secure the APIs we use jsonwebtokens(JWT).</a:t>
+            </a:r>
+            <a:endParaRPr b="0" lang="en-GB" sz="3200" spc="-1" strike="noStrike">
+              <a:latin typeface="Arial"/>
+            </a:endParaRPr>
+          </a:p>
+          <a:p>
+            <a:pPr marL="432000" indent="-324000">
+              <a:spcBef>
+                <a:spcPts val="1417"/>
+              </a:spcBef>
+              <a:buClr>
+                <a:srgbClr val="000000"/>
+              </a:buClr>
+              <a:buSzPct val="45000"/>
+              <a:buFont typeface="Wingdings" charset="2"/>
+              <a:buChar char=""/>
+            </a:pPr>
+            <a:r>
+              <a:rPr b="0" lang="en-GB" sz="3200" spc="-1" strike="noStrike">
+                <a:latin typeface="Arial"/>
+              </a:rPr>
+              <a:t>To access the APIs, client has to login and retreive a token.</a:t>
+            </a:r>
+            <a:endParaRPr b="0" lang="en-GB" sz="3200" spc="-1" strike="noStrike">
+              <a:latin typeface="Arial"/>
+            </a:endParaRPr>
+          </a:p>
+          <a:p>
+            <a:pPr marL="432000" indent="-324000">
+              <a:spcBef>
+                <a:spcPts val="1417"/>
+              </a:spcBef>
+              <a:buClr>
+                <a:srgbClr val="000000"/>
+              </a:buClr>
+              <a:buSzPct val="45000"/>
+              <a:buFont typeface="Wingdings" charset="2"/>
+              <a:buChar char=""/>
+            </a:pPr>
+            <a:r>
+              <a:rPr b="0" lang="en-GB" sz="3200" spc="-1" strike="noStrike">
+                <a:latin typeface="Arial"/>
+              </a:rPr>
+              <a:t>This token will be sent with the requests to access the APIs. </a:t>
+            </a:r>
+            <a:endParaRPr b="0" lang="en-GB" sz="3200" spc="-1" strike="noStrike">
+              <a:latin typeface="Arial"/>
+            </a:endParaRPr>
+          </a:p>
+        </p:txBody>
+      </p:sp>
+    </p:spTree>
+  </p:cSld>
+  <p:timing>
+    <p:tnLst>
+      <p:par>
+        <p:cTn id="21" dur="indefinite" restart="never" nodeType="tmRoot">
+          <p:childTnLst>
+            <p:seq>
+              <p:cTn id="22" dur="indefinite" nodeType="mainSeq"/>
+              <p:prevCondLst>
+                <p:cond delay="0" evt="onPrev">
+                  <p:tgtEl>
+                    <p:sldTgt/>
+                  </p:tgtEl>
+                </p:cond>
+              </p:prevCondLst>
+              <p:nextCondLst>
+                <p:cond delay="0" evt="onNext">
+                  <p:tgtEl>
+                    <p:sldTgt/>
+                  </p:tgtEl>
+                </p:cond>
+              </p:nextCondLst>
+            </p:seq>
+          </p:childTnLst>
+        </p:cTn>
+      </p:par>
+    </p:tnLst>
+  </p:timing>
+</p:sld>
+</file>
+
+<file path=ppt/slides/slide12.xml><?xml version="1.0" encoding="utf-8"?>
+<p:sld xmlns:a="http://schemas.openxmlformats.org/drawingml/2006/main" xmlns:p="http://schemas.openxmlformats.org/presentationml/2006/main" xmlns:r="http://schemas.openxmlformats.org/officeDocument/2006/relationships" xmlns:p14="http://schemas.microsoft.com/office/powerpoint/2010/main" xmlns:p15="http://schemas.microsoft.com/office/powerpoint/2012/main" xmlns:mc="http://schemas.openxmlformats.org/markup-compatibility/2006">
+  <p:cSld>
+    <p:spTree>
+      <p:nvGrpSpPr>
+        <p:cNvPr id="1" name=""/>
+        <p:cNvGrpSpPr/>
+        <p:nvPr/>
+      </p:nvGrpSpPr>
+      <p:grpSpPr>
+        <a:xfrm>
+          <a:off x="0" y="0"/>
+          <a:ext cx="0" cy="0"/>
+          <a:chOff x="0" y="0"/>
+          <a:chExt cx="0" cy="0"/>
+        </a:xfrm>
+      </p:grpSpPr>
+      <p:sp>
+        <p:nvSpPr>
+          <p:cNvPr id="189" name="TextShape 1"/>
+          <p:cNvSpPr txBox="1"/>
+          <p:nvPr/>
+        </p:nvSpPr>
+        <p:spPr>
+          <a:xfrm>
+            <a:off x="720000" y="300960"/>
+            <a:ext cx="8855280" cy="1262160"/>
+          </a:xfrm>
+          <a:prstGeom prst="rect">
+            <a:avLst/>
+          </a:prstGeom>
+          <a:noFill/>
+          <a:ln>
+            <a:noFill/>
+          </a:ln>
+        </p:spPr>
+        <p:txBody>
+          <a:bodyPr lIns="0" rIns="0" tIns="0" bIns="0" anchor="ctr"/>
+          <a:p>
+            <a:r>
+              <a:rPr b="1" lang="en-GB" sz="4400" spc="-1" strike="noStrike">
+                <a:solidFill>
+                  <a:srgbClr val="333333"/>
+                </a:solidFill>
+                <a:latin typeface="Noto Sans Regular"/>
+              </a:rPr>
+              <a:t>Client</a:t>
+            </a:r>
+            <a:endParaRPr b="0" lang="en-GB" sz="4400" spc="-1" strike="noStrike">
+              <a:latin typeface="Arial"/>
+            </a:endParaRPr>
+          </a:p>
+        </p:txBody>
+      </p:sp>
+      <p:sp>
+        <p:nvSpPr>
+          <p:cNvPr id="190" name="TextShape 2"/>
+          <p:cNvSpPr txBox="1"/>
+          <p:nvPr/>
+        </p:nvSpPr>
+        <p:spPr>
+          <a:xfrm>
+            <a:off x="720000" y="2160000"/>
+            <a:ext cx="8639640" cy="4384440"/>
+          </a:xfrm>
+          <a:prstGeom prst="rect">
+            <a:avLst/>
+          </a:prstGeom>
+          <a:noFill/>
+          <a:ln>
+            <a:noFill/>
+          </a:ln>
+        </p:spPr>
+        <p:txBody>
+          <a:bodyPr lIns="0" rIns="0" tIns="0" bIns="0">
+            <a:normAutofit/>
+          </a:bodyPr>
+          <a:p>
+            <a:pPr marL="432000" indent="-324000">
+              <a:spcBef>
+                <a:spcPts val="1417"/>
+              </a:spcBef>
+              <a:buClr>
+                <a:srgbClr val="000000"/>
+              </a:buClr>
+              <a:buSzPct val="45000"/>
+              <a:buFont typeface="Wingdings" charset="2"/>
+              <a:buChar char=""/>
+            </a:pPr>
+            <a:r>
+              <a:rPr b="0" lang="en-GB" sz="3200" spc="-1" strike="noStrike">
+                <a:latin typeface="Arial"/>
+              </a:rPr>
+              <a:t>Using the microservices architecture gives us the flexibility to easily build the frontend client  for different platforms and using different frameworks(Andriod app, Web app, etc).</a:t>
+            </a:r>
+            <a:endParaRPr b="0" lang="en-GB" sz="3200" spc="-1" strike="noStrike">
+              <a:latin typeface="Arial"/>
+            </a:endParaRPr>
+          </a:p>
+          <a:p>
+            <a:pPr marL="432000" indent="-324000">
+              <a:spcBef>
+                <a:spcPts val="1417"/>
+              </a:spcBef>
+              <a:buClr>
+                <a:srgbClr val="000000"/>
+              </a:buClr>
+              <a:buSzPct val="45000"/>
+              <a:buFont typeface="Wingdings" charset="2"/>
+              <a:buChar char=""/>
+            </a:pPr>
+            <a:r>
+              <a:rPr b="0" lang="en-GB" sz="3200" spc="-1" strike="noStrike">
+                <a:latin typeface="Arial"/>
+              </a:rPr>
+              <a:t>We will build a web app that will make use of these APIs.</a:t>
+            </a:r>
+            <a:endParaRPr b="0" lang="en-GB" sz="3200" spc="-1" strike="noStrike">
+              <a:latin typeface="Arial"/>
+            </a:endParaRPr>
+          </a:p>
+          <a:p>
+            <a:pPr marL="432000" indent="-324000">
+              <a:spcBef>
+                <a:spcPts val="1417"/>
+              </a:spcBef>
+              <a:buClr>
+                <a:srgbClr val="000000"/>
+              </a:buClr>
+              <a:buSzPct val="45000"/>
+              <a:buFont typeface="Wingdings" charset="2"/>
+              <a:buChar char=""/>
+            </a:pPr>
+            <a:endParaRPr b="0" lang="en-GB" sz="3200" spc="-1" strike="noStrike">
+              <a:latin typeface="Arial"/>
+            </a:endParaRPr>
+          </a:p>
+        </p:txBody>
+      </p:sp>
+    </p:spTree>
+  </p:cSld>
+</p:sld>
+</file>
+
 <file path=ppt/slides/slide2.xml><?xml version="1.0" encoding="utf-8"?>
 <p:sld xmlns:a="http://schemas.openxmlformats.org/drawingml/2006/main" xmlns:p="http://schemas.openxmlformats.org/presentationml/2006/main" xmlns:r="http://schemas.openxmlformats.org/officeDocument/2006/relationships" xmlns:p14="http://schemas.microsoft.com/office/powerpoint/2010/main" xmlns:p15="http://schemas.microsoft.com/office/powerpoint/2012/main" xmlns:mc="http://schemas.openxmlformats.org/markup-compatibility/2006">
   <p:cSld>
@@ -3965,14 +7110,14 @@
       </p:grpSpPr>
       <p:sp>
         <p:nvSpPr>
-          <p:cNvPr id="86" name="TextShape 1"/>
-          <p:cNvSpPr txBox="1"/>
+          <p:cNvPr id="158" name="CustomShape 1"/>
+          <p:cNvSpPr/>
           <p:nvPr/>
         </p:nvSpPr>
         <p:spPr>
           <a:xfrm>
             <a:off x="1800000" y="864000"/>
-            <a:ext cx="4767840" cy="3676680"/>
+            <a:ext cx="5184000" cy="4464000"/>
           </a:xfrm>
           <a:prstGeom prst="rect">
             <a:avLst/>
@@ -3982,63 +7127,82 @@
             <a:noFill/>
           </a:ln>
         </p:spPr>
+        <p:style>
+          <a:lnRef idx="0"/>
+          <a:fillRef idx="0"/>
+          <a:effectRef idx="0"/>
+          <a:fontRef idx="minor"/>
+        </p:style>
         <p:txBody>
           <a:bodyPr lIns="90000" rIns="90000" tIns="45000" bIns="45000"/>
           <a:p>
+            <a:pPr>
+              <a:lnSpc>
+                <a:spcPct val="100000"/>
+              </a:lnSpc>
+            </a:pPr>
             <a:r>
-              <a:rPr b="0" lang="en-GB" sz="4000" spc="-1" strike="noStrike">
+              <a:rPr b="0" lang="en-GB" sz="5400" spc="-1" strike="noStrike">
                 <a:solidFill>
-                  <a:srgbClr val="fff200"/>
+                  <a:srgbClr val="ba131a"/>
                 </a:solidFill>
                 <a:latin typeface="Abyssinica SIL"/>
               </a:rPr>
               <a:t>Sarthak Rawat</a:t>
             </a:r>
-            <a:endParaRPr b="0" lang="en-GB" sz="4000" spc="-1" strike="noStrike">
-              <a:solidFill>
-                <a:srgbClr val="fff200"/>
-              </a:solidFill>
-              <a:latin typeface="Abyssinica SIL"/>
-            </a:endParaRPr>
-          </a:p>
-          <a:p>
-            <a:endParaRPr b="0" lang="en-GB" sz="4000" spc="-1" strike="noStrike">
-              <a:solidFill>
-                <a:srgbClr val="fff200"/>
-              </a:solidFill>
-              <a:latin typeface="Abyssinica SIL"/>
-            </a:endParaRPr>
-          </a:p>
-          <a:p>
+            <a:endParaRPr b="0" lang="en-GB" sz="5400" spc="-1" strike="noStrike">
+              <a:latin typeface="Arial"/>
+            </a:endParaRPr>
+          </a:p>
+          <a:p>
+            <a:pPr>
+              <a:lnSpc>
+                <a:spcPct val="100000"/>
+              </a:lnSpc>
+            </a:pPr>
+            <a:endParaRPr b="0" lang="en-GB" sz="5400" spc="-1" strike="noStrike">
+              <a:latin typeface="Arial"/>
+            </a:endParaRPr>
+          </a:p>
+          <a:p>
+            <a:pPr>
+              <a:lnSpc>
+                <a:spcPct val="100000"/>
+              </a:lnSpc>
+            </a:pPr>
             <a:r>
               <a:rPr b="0" lang="en-GB" sz="4000" spc="-1" strike="noStrike">
                 <a:solidFill>
-                  <a:srgbClr val="fff200"/>
+                  <a:srgbClr val="ba131a"/>
                 </a:solidFill>
                 <a:latin typeface="Abyssinica SIL"/>
               </a:rPr>
-              <a:t>Btech CSE-BDA</a:t>
+              <a:t>BTech CSE-BDA</a:t>
             </a:r>
             <a:endParaRPr b="0" lang="en-GB" sz="4000" spc="-1" strike="noStrike">
-              <a:solidFill>
-                <a:srgbClr val="fff200"/>
-              </a:solidFill>
-              <a:latin typeface="Abyssinica SIL"/>
-            </a:endParaRPr>
-          </a:p>
-          <a:p>
+              <a:latin typeface="Arial"/>
+            </a:endParaRPr>
+          </a:p>
+          <a:p>
+            <a:pPr>
+              <a:lnSpc>
+                <a:spcPct val="100000"/>
+              </a:lnSpc>
+            </a:pPr>
             <a:endParaRPr b="0" lang="en-GB" sz="4000" spc="-1" strike="noStrike">
-              <a:solidFill>
-                <a:srgbClr val="fff200"/>
-              </a:solidFill>
-              <a:latin typeface="Abyssinica SIL"/>
-            </a:endParaRPr>
-          </a:p>
-          <a:p>
+              <a:latin typeface="Arial"/>
+            </a:endParaRPr>
+          </a:p>
+          <a:p>
+            <a:pPr>
+              <a:lnSpc>
+                <a:spcPct val="100000"/>
+              </a:lnSpc>
+            </a:pPr>
             <a:r>
               <a:rPr b="0" lang="en-GB" sz="4000" spc="-1" strike="noStrike">
                 <a:solidFill>
-                  <a:srgbClr val="fff200"/>
+                  <a:srgbClr val="ba131a"/>
                 </a:solidFill>
                 <a:latin typeface="Abyssinica SIL"/>
               </a:rPr>
@@ -4047,7 +7211,7 @@
             <a:r>
               <a:rPr b="0" lang="en-GB" sz="4000" spc="-1" strike="noStrike" baseline="101000">
                 <a:solidFill>
-                  <a:srgbClr val="fff200"/>
+                  <a:srgbClr val="ba131a"/>
                 </a:solidFill>
                 <a:latin typeface="Abyssinica SIL"/>
               </a:rPr>
@@ -4056,42 +7220,144 @@
             <a:r>
               <a:rPr b="0" lang="en-GB" sz="4000" spc="-1" strike="noStrike">
                 <a:solidFill>
-                  <a:srgbClr val="fff200"/>
+                  <a:srgbClr val="ba131a"/>
                 </a:solidFill>
                 <a:latin typeface="Abyssinica SIL"/>
               </a:rPr>
               <a:t> Semester Project</a:t>
             </a:r>
             <a:endParaRPr b="0" lang="en-GB" sz="4000" spc="-1" strike="noStrike">
-              <a:solidFill>
-                <a:srgbClr val="fff200"/>
-              </a:solidFill>
-              <a:latin typeface="Abyssinica SIL"/>
-            </a:endParaRPr>
-          </a:p>
-          <a:p>
+              <a:latin typeface="Arial"/>
+            </a:endParaRPr>
+          </a:p>
+          <a:p>
+            <a:pPr>
+              <a:lnSpc>
+                <a:spcPct val="100000"/>
+              </a:lnSpc>
+            </a:pPr>
             <a:endParaRPr b="0" lang="en-GB" sz="4000" spc="-1" strike="noStrike">
-              <a:solidFill>
-                <a:srgbClr val="fff200"/>
-              </a:solidFill>
-              <a:latin typeface="Abyssinica SIL"/>
-            </a:endParaRPr>
-          </a:p>
-          <a:p>
+              <a:latin typeface="Arial"/>
+            </a:endParaRPr>
+          </a:p>
+          <a:p>
+            <a:pPr>
+              <a:lnSpc>
+                <a:spcPct val="100000"/>
+              </a:lnSpc>
+            </a:pPr>
             <a:r>
-              <a:rPr b="0" lang="en-GB" sz="4000" spc="-1" strike="noStrike">
+              <a:rPr b="0" lang="en-GB" sz="3600" spc="-1" strike="noStrike">
                 <a:solidFill>
-                  <a:srgbClr val="fff200"/>
+                  <a:srgbClr val="ba131a"/>
                 </a:solidFill>
                 <a:latin typeface="Abyssinica SIL"/>
               </a:rPr>
-              <a:t>2011640</a:t>
+              <a:t>Roll no : 2011640</a:t>
             </a:r>
-            <a:endParaRPr b="0" lang="en-GB" sz="4000" spc="-1" strike="noStrike">
-              <a:solidFill>
-                <a:srgbClr val="fff200"/>
-              </a:solidFill>
-              <a:latin typeface="Abyssinica SIL"/>
+            <a:endParaRPr b="0" lang="en-GB" sz="3600" spc="-1" strike="noStrike">
+              <a:latin typeface="Arial"/>
+            </a:endParaRPr>
+          </a:p>
+          <a:p>
+            <a:pPr>
+              <a:lnSpc>
+                <a:spcPct val="100000"/>
+              </a:lnSpc>
+            </a:pPr>
+            <a:endParaRPr b="0" lang="en-GB" sz="3600" spc="-1" strike="noStrike">
+              <a:latin typeface="Arial"/>
+            </a:endParaRPr>
+          </a:p>
+          <a:p>
+            <a:pPr>
+              <a:lnSpc>
+                <a:spcPct val="100000"/>
+              </a:lnSpc>
+            </a:pPr>
+            <a:r>
+              <a:rPr b="0" lang="en-GB" sz="3600" spc="-1" strike="noStrike">
+                <a:solidFill>
+                  <a:srgbClr val="ba131a"/>
+                </a:solidFill>
+                <a:latin typeface="Abyssinica SIL"/>
+              </a:rPr>
+              <a:t>Class roll no : 36</a:t>
+            </a:r>
+            <a:endParaRPr b="0" lang="en-GB" sz="3600" spc="-1" strike="noStrike">
+              <a:latin typeface="Arial"/>
+            </a:endParaRPr>
+          </a:p>
+          <a:p>
+            <a:pPr>
+              <a:lnSpc>
+                <a:spcPct val="100000"/>
+              </a:lnSpc>
+            </a:pPr>
+            <a:endParaRPr b="0" lang="en-GB" sz="3600" spc="-1" strike="noStrike">
+              <a:latin typeface="Arial"/>
+            </a:endParaRPr>
+          </a:p>
+          <a:p>
+            <a:pPr>
+              <a:lnSpc>
+                <a:spcPct val="100000"/>
+              </a:lnSpc>
+            </a:pPr>
+            <a:endParaRPr b="0" lang="en-GB" sz="3600" spc="-1" strike="noStrike">
+              <a:latin typeface="Arial"/>
+            </a:endParaRPr>
+          </a:p>
+        </p:txBody>
+      </p:sp>
+      <p:sp>
+        <p:nvSpPr>
+          <p:cNvPr id="159" name="TextShape 2"/>
+          <p:cNvSpPr txBox="1"/>
+          <p:nvPr/>
+        </p:nvSpPr>
+        <p:spPr>
+          <a:xfrm>
+            <a:off x="1872000" y="6696000"/>
+            <a:ext cx="4674960" cy="602280"/>
+          </a:xfrm>
+          <a:prstGeom prst="rect">
+            <a:avLst/>
+          </a:prstGeom>
+          <a:noFill/>
+          <a:ln>
+            <a:noFill/>
+          </a:ln>
+        </p:spPr>
+        <p:txBody>
+          <a:bodyPr lIns="90000" rIns="90000" tIns="45000" bIns="45000"/>
+          <a:p>
+            <a:r>
+              <a:rPr b="0" lang="en-GB" sz="1800" spc="-1" strike="noStrike">
+                <a:latin typeface="Arial"/>
+              </a:rPr>
+              <a:t>Github repo : </a:t>
+            </a:r>
+            <a:r>
+              <a:rPr b="0" lang="en-GB" sz="1800" spc="-1" strike="noStrike">
+                <a:latin typeface="Arial"/>
+                <a:hlinkClick r:id="rId1"/>
+              </a:rPr>
+              <a:t>https://github.com/srtkRWT/OJ</a:t>
+            </a:r>
+            <a:endParaRPr b="0" lang="en-GB" sz="1800" spc="-1" strike="noStrike">
+              <a:latin typeface="Arial"/>
+            </a:endParaRPr>
+          </a:p>
+          <a:p>
+            <a:r>
+              <a:rPr b="0" lang="en-GB" sz="1800" spc="-1" strike="noStrike">
+                <a:latin typeface="Arial"/>
+              </a:rPr>
+              <a:t>This repo contains code for the rest APIs</a:t>
+            </a:r>
+            <a:endParaRPr b="0" lang="en-GB" sz="1800" spc="-1" strike="noStrike">
+              <a:latin typeface="Arial"/>
             </a:endParaRPr>
           </a:p>
         </p:txBody>
@@ -4147,14 +7413,14 @@
       </p:grpSpPr>
       <p:sp>
         <p:nvSpPr>
-          <p:cNvPr id="87" name="TextShape 1"/>
-          <p:cNvSpPr txBox="1"/>
+          <p:cNvPr id="160" name="CustomShape 1"/>
+          <p:cNvSpPr/>
           <p:nvPr/>
         </p:nvSpPr>
         <p:spPr>
           <a:xfrm>
             <a:off x="720000" y="300960"/>
-            <a:ext cx="8855640" cy="1262520"/>
+            <a:ext cx="8855280" cy="1262160"/>
           </a:xfrm>
           <a:prstGeom prst="rect">
             <a:avLst/>
@@ -4164,9 +7430,20 @@
             <a:noFill/>
           </a:ln>
         </p:spPr>
+        <p:style>
+          <a:lnRef idx="0"/>
+          <a:fillRef idx="0"/>
+          <a:effectRef idx="0"/>
+          <a:fontRef idx="minor"/>
+        </p:style>
         <p:txBody>
           <a:bodyPr lIns="0" rIns="0" tIns="0" bIns="0" anchor="ctr"/>
           <a:p>
+            <a:pPr>
+              <a:lnSpc>
+                <a:spcPct val="100000"/>
+              </a:lnSpc>
+            </a:pPr>
             <a:r>
               <a:rPr b="1" lang="en-GB" sz="4400" spc="-1" strike="noStrike">
                 <a:solidFill>
@@ -4176,25 +7453,22 @@
               </a:rPr>
               <a:t>Overview</a:t>
             </a:r>
-            <a:endParaRPr b="1" lang="en-GB" sz="4400" spc="-1" strike="noStrike">
-              <a:solidFill>
-                <a:srgbClr val="333333"/>
-              </a:solidFill>
-              <a:latin typeface="Noto Sans Regular"/>
-            </a:endParaRPr>
-          </a:p>
-        </p:txBody>
-      </p:sp>
-      <p:sp>
-        <p:nvSpPr>
-          <p:cNvPr id="88" name="TextShape 2"/>
-          <p:cNvSpPr txBox="1"/>
+            <a:endParaRPr b="0" lang="en-GB" sz="4400" spc="-1" strike="noStrike">
+              <a:latin typeface="Arial"/>
+            </a:endParaRPr>
+          </a:p>
+        </p:txBody>
+      </p:sp>
+      <p:sp>
+        <p:nvSpPr>
+          <p:cNvPr id="161" name="CustomShape 2"/>
+          <p:cNvSpPr/>
           <p:nvPr/>
         </p:nvSpPr>
         <p:spPr>
           <a:xfrm>
             <a:off x="720000" y="2160000"/>
-            <a:ext cx="8640000" cy="4384800"/>
+            <a:ext cx="8639640" cy="4384440"/>
           </a:xfrm>
           <a:prstGeom prst="rect">
             <a:avLst/>
@@ -4204,10 +7478,19 @@
             <a:noFill/>
           </a:ln>
         </p:spPr>
+        <p:style>
+          <a:lnRef idx="0"/>
+          <a:fillRef idx="0"/>
+          <a:effectRef idx="0"/>
+          <a:fontRef idx="minor"/>
+        </p:style>
         <p:txBody>
           <a:bodyPr lIns="0" rIns="0" tIns="0" bIns="0"/>
           <a:p>
-            <a:pPr marL="432000" indent="-324000">
+            <a:pPr marL="432000" indent="-323640">
+              <a:lnSpc>
+                <a:spcPct val="100000"/>
+              </a:lnSpc>
               <a:spcAft>
                 <a:spcPts val="1414"/>
               </a:spcAft>
@@ -4228,14 +7511,14 @@
               <a:t>Our aim is to create a platform to provide easy interaction between teachers and students(by creating tools like online examination).</a:t>
             </a:r>
             <a:endParaRPr b="0" lang="en-GB" sz="2800" spc="-1" strike="noStrike">
-              <a:solidFill>
-                <a:srgbClr val="333333"/>
-              </a:solidFill>
-              <a:latin typeface="Noto Sans Regular"/>
-            </a:endParaRPr>
-          </a:p>
-          <a:p>
-            <a:pPr marL="432000" indent="-324000">
+              <a:latin typeface="Arial"/>
+            </a:endParaRPr>
+          </a:p>
+          <a:p>
+            <a:pPr marL="432000" indent="-323640">
+              <a:lnSpc>
+                <a:spcPct val="100000"/>
+              </a:lnSpc>
               <a:spcAft>
                 <a:spcPts val="1414"/>
               </a:spcAft>
@@ -4253,26 +7536,17 @@
                 </a:solidFill>
                 <a:latin typeface="Noto Sans Regular"/>
               </a:rPr>
-              <a:t>In future we are hoping to integrate more features like</a:t>
-            </a:r>
-            <a:r>
-              <a:rPr b="0" lang="en-GB" sz="2800" spc="-1" strike="noStrike">
-                <a:solidFill>
-                  <a:srgbClr val="333333"/>
-                </a:solidFill>
-                <a:latin typeface="Noto Sans Regular"/>
-              </a:rPr>
-              <a:t> whiteboard, chat room, code compiler, discussion forums, etc.</a:t>
+              <a:t>In future we are hoping to integrate more features like whiteboard, chat room, code compiler, discussion forums, etc.</a:t>
             </a:r>
             <a:endParaRPr b="0" lang="en-GB" sz="2800" spc="-1" strike="noStrike">
-              <a:solidFill>
-                <a:srgbClr val="333333"/>
-              </a:solidFill>
-              <a:latin typeface="Noto Sans Regular"/>
-            </a:endParaRPr>
-          </a:p>
-          <a:p>
-            <a:pPr marL="432000" indent="-324000">
+              <a:latin typeface="Arial"/>
+            </a:endParaRPr>
+          </a:p>
+          <a:p>
+            <a:pPr marL="432000" indent="-323640">
+              <a:lnSpc>
+                <a:spcPct val="100000"/>
+              </a:lnSpc>
               <a:spcAft>
                 <a:spcPts val="1414"/>
               </a:spcAft>
@@ -4283,11 +7557,30 @@
               <a:buFont typeface="Wingdings" charset="2"/>
               <a:buChar char=""/>
             </a:pPr>
+            <a:r>
+              <a:rPr b="0" lang="en-GB" sz="2800" spc="-1" strike="noStrike">
+                <a:solidFill>
+                  <a:srgbClr val="333333"/>
+                </a:solidFill>
+                <a:latin typeface="Noto Sans Regular"/>
+              </a:rPr>
+              <a:t>For now we are trying to create a simple app where students can give mcq based exams/tests.</a:t>
+            </a:r>
             <a:endParaRPr b="0" lang="en-GB" sz="2800" spc="-1" strike="noStrike">
-              <a:solidFill>
-                <a:srgbClr val="333333"/>
-              </a:solidFill>
-              <a:latin typeface="Noto Sans Regular"/>
+              <a:latin typeface="Arial"/>
+            </a:endParaRPr>
+          </a:p>
+          <a:p>
+            <a:pPr>
+              <a:lnSpc>
+                <a:spcPct val="100000"/>
+              </a:lnSpc>
+              <a:spcAft>
+                <a:spcPts val="1414"/>
+              </a:spcAft>
+            </a:pPr>
+            <a:endParaRPr b="0" lang="en-GB" sz="2800" spc="-1" strike="noStrike">
+              <a:latin typeface="Arial"/>
             </a:endParaRPr>
           </a:p>
         </p:txBody>
@@ -4343,14 +7636,14 @@
       </p:grpSpPr>
       <p:sp>
         <p:nvSpPr>
-          <p:cNvPr id="89" name="TextShape 1"/>
-          <p:cNvSpPr txBox="1"/>
+          <p:cNvPr id="162" name="CustomShape 1"/>
+          <p:cNvSpPr/>
           <p:nvPr/>
         </p:nvSpPr>
         <p:spPr>
           <a:xfrm>
             <a:off x="720000" y="300960"/>
-            <a:ext cx="8855640" cy="1262520"/>
+            <a:ext cx="8855280" cy="1262160"/>
           </a:xfrm>
           <a:prstGeom prst="rect">
             <a:avLst/>
@@ -4360,9 +7653,20 @@
             <a:noFill/>
           </a:ln>
         </p:spPr>
+        <p:style>
+          <a:lnRef idx="0"/>
+          <a:fillRef idx="0"/>
+          <a:effectRef idx="0"/>
+          <a:fontRef idx="minor"/>
+        </p:style>
         <p:txBody>
           <a:bodyPr lIns="0" rIns="0" tIns="0" bIns="0" anchor="ctr"/>
           <a:p>
+            <a:pPr>
+              <a:lnSpc>
+                <a:spcPct val="100000"/>
+              </a:lnSpc>
+            </a:pPr>
             <a:r>
               <a:rPr b="1" lang="en-GB" sz="4400" spc="-1" strike="noStrike">
                 <a:solidFill>
@@ -4372,25 +7676,22 @@
               </a:rPr>
               <a:t>Architecture</a:t>
             </a:r>
-            <a:endParaRPr b="1" lang="en-GB" sz="4400" spc="-1" strike="noStrike">
-              <a:solidFill>
-                <a:srgbClr val="333333"/>
-              </a:solidFill>
-              <a:latin typeface="Noto Sans Regular"/>
-            </a:endParaRPr>
-          </a:p>
-        </p:txBody>
-      </p:sp>
-      <p:sp>
-        <p:nvSpPr>
-          <p:cNvPr id="90" name="TextShape 2"/>
-          <p:cNvSpPr txBox="1"/>
+            <a:endParaRPr b="0" lang="en-GB" sz="4400" spc="-1" strike="noStrike">
+              <a:latin typeface="Arial"/>
+            </a:endParaRPr>
+          </a:p>
+        </p:txBody>
+      </p:sp>
+      <p:sp>
+        <p:nvSpPr>
+          <p:cNvPr id="163" name="CustomShape 2"/>
+          <p:cNvSpPr/>
           <p:nvPr/>
         </p:nvSpPr>
         <p:spPr>
           <a:xfrm>
             <a:off x="720000" y="2160000"/>
-            <a:ext cx="8640000" cy="4384800"/>
+            <a:ext cx="8639640" cy="4384440"/>
           </a:xfrm>
           <a:prstGeom prst="rect">
             <a:avLst/>
@@ -4400,10 +7701,19 @@
             <a:noFill/>
           </a:ln>
         </p:spPr>
+        <p:style>
+          <a:lnRef idx="0"/>
+          <a:fillRef idx="0"/>
+          <a:effectRef idx="0"/>
+          <a:fontRef idx="minor"/>
+        </p:style>
         <p:txBody>
           <a:bodyPr lIns="0" rIns="0" tIns="0" bIns="0"/>
           <a:p>
-            <a:pPr marL="432000" indent="-324000">
+            <a:pPr marL="432000" indent="-323640">
+              <a:lnSpc>
+                <a:spcPct val="100000"/>
+              </a:lnSpc>
               <a:spcAft>
                 <a:spcPts val="1414"/>
               </a:spcAft>
@@ -4424,14 +7734,14 @@
               <a:t>We are building the app using microservice architecture.</a:t>
             </a:r>
             <a:endParaRPr b="0" lang="en-GB" sz="2800" spc="-1" strike="noStrike">
-              <a:solidFill>
-                <a:srgbClr val="333333"/>
-              </a:solidFill>
-              <a:latin typeface="Noto Sans Regular"/>
-            </a:endParaRPr>
-          </a:p>
-          <a:p>
-            <a:pPr marL="432000" indent="-324000">
+              <a:latin typeface="Arial"/>
+            </a:endParaRPr>
+          </a:p>
+          <a:p>
+            <a:pPr marL="432000" indent="-323640">
+              <a:lnSpc>
+                <a:spcPct val="100000"/>
+              </a:lnSpc>
               <a:spcAft>
                 <a:spcPts val="1414"/>
               </a:spcAft>
@@ -4452,14 +7762,14 @@
               <a:t>Different services will be interacting with one another using RESTful APIs.</a:t>
             </a:r>
             <a:endParaRPr b="0" lang="en-GB" sz="2800" spc="-1" strike="noStrike">
-              <a:solidFill>
-                <a:srgbClr val="333333"/>
-              </a:solidFill>
-              <a:latin typeface="Noto Sans Regular"/>
-            </a:endParaRPr>
-          </a:p>
-          <a:p>
-            <a:pPr marL="432000" indent="-324000">
+              <a:latin typeface="Arial"/>
+            </a:endParaRPr>
+          </a:p>
+          <a:p>
+            <a:pPr marL="432000" indent="-323640">
+              <a:lnSpc>
+                <a:spcPct val="100000"/>
+              </a:lnSpc>
               <a:spcAft>
                 <a:spcPts val="1414"/>
               </a:spcAft>
@@ -4480,14 +7790,14 @@
               <a:t>We are using Node-JS to create the APIs.</a:t>
             </a:r>
             <a:endParaRPr b="0" lang="en-GB" sz="2800" spc="-1" strike="noStrike">
-              <a:solidFill>
-                <a:srgbClr val="333333"/>
-              </a:solidFill>
-              <a:latin typeface="Noto Sans Regular"/>
-            </a:endParaRPr>
-          </a:p>
-          <a:p>
-            <a:pPr marL="432000" indent="-324000">
+              <a:latin typeface="Arial"/>
+            </a:endParaRPr>
+          </a:p>
+          <a:p>
+            <a:pPr marL="432000" indent="-323640">
+              <a:lnSpc>
+                <a:spcPct val="100000"/>
+              </a:lnSpc>
               <a:spcAft>
                 <a:spcPts val="1414"/>
               </a:spcAft>
@@ -4508,29 +7818,20 @@
               <a:t>We are using MongoDB for the Database.</a:t>
             </a:r>
             <a:endParaRPr b="0" lang="en-GB" sz="2800" spc="-1" strike="noStrike">
-              <a:solidFill>
-                <a:srgbClr val="333333"/>
-              </a:solidFill>
-              <a:latin typeface="Noto Sans Regular"/>
-            </a:endParaRPr>
-          </a:p>
-          <a:p>
-            <a:pPr marL="432000" indent="-324000">
+              <a:latin typeface="Arial"/>
+            </a:endParaRPr>
+          </a:p>
+          <a:p>
+            <a:pPr>
+              <a:lnSpc>
+                <a:spcPct val="100000"/>
+              </a:lnSpc>
               <a:spcAft>
                 <a:spcPts val="1414"/>
               </a:spcAft>
-              <a:buClr>
-                <a:srgbClr val="ef2929"/>
-              </a:buClr>
-              <a:buSzPct val="45000"/>
-              <a:buFont typeface="Wingdings" charset="2"/>
-              <a:buChar char=""/>
             </a:pPr>
             <a:endParaRPr b="0" lang="en-GB" sz="2800" spc="-1" strike="noStrike">
-              <a:solidFill>
-                <a:srgbClr val="333333"/>
-              </a:solidFill>
-              <a:latin typeface="Noto Sans Regular"/>
+              <a:latin typeface="Arial"/>
             </a:endParaRPr>
           </a:p>
         </p:txBody>
@@ -4586,20 +7887,20 @@
       </p:grpSpPr>
       <p:sp>
         <p:nvSpPr>
-          <p:cNvPr id="91" name="CustomShape 1"/>
+          <p:cNvPr id="164" name="CustomShape 1"/>
           <p:cNvSpPr/>
           <p:nvPr/>
         </p:nvSpPr>
         <p:spPr>
           <a:xfrm>
             <a:off x="1800000" y="2592000"/>
-            <a:ext cx="1440000" cy="1944000"/>
+            <a:ext cx="1439640" cy="1943640"/>
           </a:xfrm>
           <a:custGeom>
             <a:avLst/>
             <a:gdLst/>
             <a:ahLst/>
-            <a:rect l="0" t="0" r="r" b="b"/>
+            <a:rect l="l" t="t" r="r" b="b"/>
             <a:pathLst>
               <a:path w="4001" h="5402">
                 <a:moveTo>
@@ -4658,10 +7959,18 @@
         <p:txBody>
           <a:bodyPr wrap="none" lIns="90000" rIns="90000" tIns="45000" bIns="45000" anchor="ctr"/>
           <a:p>
-            <a:pPr algn="ctr"/>
+            <a:pPr algn="ctr">
+              <a:lnSpc>
+                <a:spcPct val="100000"/>
+              </a:lnSpc>
+            </a:pPr>
             <a:r>
               <a:rPr b="0" lang="en-GB" sz="1800" spc="-1" strike="noStrike">
+                <a:solidFill>
+                  <a:srgbClr val="000000"/>
+                </a:solidFill>
                 <a:latin typeface="Arial"/>
+                <a:ea typeface="DejaVu Sans"/>
               </a:rPr>
               <a:t>Users</a:t>
             </a:r>
@@ -4673,20 +7982,20 @@
       </p:sp>
       <p:sp>
         <p:nvSpPr>
-          <p:cNvPr id="92" name="CustomShape 2"/>
+          <p:cNvPr id="165" name="CustomShape 2"/>
           <p:cNvSpPr/>
           <p:nvPr/>
         </p:nvSpPr>
         <p:spPr>
           <a:xfrm>
             <a:off x="1872000" y="216000"/>
-            <a:ext cx="1440000" cy="1944000"/>
+            <a:ext cx="1439640" cy="1943640"/>
           </a:xfrm>
           <a:custGeom>
             <a:avLst/>
             <a:gdLst/>
             <a:ahLst/>
-            <a:rect l="0" t="0" r="r" b="b"/>
+            <a:rect l="l" t="t" r="r" b="b"/>
             <a:pathLst>
               <a:path w="4001" h="5402">
                 <a:moveTo>
@@ -4745,10 +8054,18 @@
         <p:txBody>
           <a:bodyPr wrap="none" lIns="90000" rIns="90000" tIns="45000" bIns="45000" anchor="ctr"/>
           <a:p>
-            <a:pPr algn="ctr"/>
+            <a:pPr algn="ctr">
+              <a:lnSpc>
+                <a:spcPct val="100000"/>
+              </a:lnSpc>
+            </a:pPr>
             <a:r>
               <a:rPr b="0" lang="en-GB" sz="1800" spc="-1" strike="noStrike">
+                <a:solidFill>
+                  <a:srgbClr val="000000"/>
+                </a:solidFill>
                 <a:latin typeface="Arial"/>
+                <a:ea typeface="DejaVu Sans"/>
               </a:rPr>
               <a:t>Admin</a:t>
             </a:r>
@@ -4760,20 +8077,20 @@
       </p:sp>
       <p:sp>
         <p:nvSpPr>
-          <p:cNvPr id="93" name="CustomShape 3"/>
+          <p:cNvPr id="166" name="CustomShape 3"/>
           <p:cNvSpPr/>
           <p:nvPr/>
         </p:nvSpPr>
         <p:spPr>
           <a:xfrm>
             <a:off x="5112000" y="2592000"/>
-            <a:ext cx="1440000" cy="1944000"/>
+            <a:ext cx="1439640" cy="1943640"/>
           </a:xfrm>
           <a:custGeom>
             <a:avLst/>
             <a:gdLst/>
             <a:ahLst/>
-            <a:rect l="0" t="0" r="r" b="b"/>
+            <a:rect l="l" t="t" r="r" b="b"/>
             <a:pathLst>
               <a:path w="4001" h="5402">
                 <a:moveTo>
@@ -4832,10 +8149,18 @@
         <p:txBody>
           <a:bodyPr wrap="none" lIns="90000" rIns="90000" tIns="45000" bIns="45000" anchor="ctr"/>
           <a:p>
-            <a:pPr algn="ctr"/>
+            <a:pPr algn="ctr">
+              <a:lnSpc>
+                <a:spcPct val="100000"/>
+              </a:lnSpc>
+            </a:pPr>
             <a:r>
               <a:rPr b="0" lang="en-GB" sz="1800" spc="-1" strike="noStrike">
+                <a:solidFill>
+                  <a:srgbClr val="000000"/>
+                </a:solidFill>
                 <a:latin typeface="Arial"/>
+                <a:ea typeface="DejaVu Sans"/>
               </a:rPr>
               <a:t>Test-Series</a:t>
             </a:r>
@@ -4847,20 +8172,20 @@
       </p:sp>
       <p:sp>
         <p:nvSpPr>
-          <p:cNvPr id="94" name="CustomShape 4"/>
+          <p:cNvPr id="167" name="CustomShape 4"/>
           <p:cNvSpPr/>
           <p:nvPr/>
         </p:nvSpPr>
         <p:spPr>
           <a:xfrm>
             <a:off x="5184000" y="216000"/>
-            <a:ext cx="1440000" cy="1944000"/>
+            <a:ext cx="1439640" cy="1943640"/>
           </a:xfrm>
           <a:custGeom>
             <a:avLst/>
             <a:gdLst/>
             <a:ahLst/>
-            <a:rect l="0" t="0" r="r" b="b"/>
+            <a:rect l="l" t="t" r="r" b="b"/>
             <a:pathLst>
               <a:path w="4001" h="5402">
                 <a:moveTo>
@@ -4919,10 +8244,18 @@
         <p:txBody>
           <a:bodyPr wrap="none" lIns="90000" rIns="90000" tIns="45000" bIns="45000" anchor="ctr"/>
           <a:p>
-            <a:pPr algn="ctr"/>
+            <a:pPr algn="ctr">
+              <a:lnSpc>
+                <a:spcPct val="100000"/>
+              </a:lnSpc>
+            </a:pPr>
             <a:r>
               <a:rPr b="0" lang="en-GB" sz="1800" spc="-1" strike="noStrike">
+                <a:solidFill>
+                  <a:srgbClr val="000000"/>
+                </a:solidFill>
                 <a:latin typeface="Arial"/>
+                <a:ea typeface="DejaVu Sans"/>
               </a:rPr>
               <a:t>MCQs</a:t>
             </a:r>
@@ -4934,20 +8267,20 @@
       </p:sp>
       <p:sp>
         <p:nvSpPr>
-          <p:cNvPr id="95" name="CustomShape 5"/>
+          <p:cNvPr id="168" name="CustomShape 5"/>
           <p:cNvSpPr/>
           <p:nvPr/>
         </p:nvSpPr>
         <p:spPr>
           <a:xfrm>
             <a:off x="8280000" y="288000"/>
-            <a:ext cx="1440000" cy="1944000"/>
+            <a:ext cx="1439640" cy="1943640"/>
           </a:xfrm>
           <a:custGeom>
             <a:avLst/>
             <a:gdLst/>
             <a:ahLst/>
-            <a:rect l="0" t="0" r="r" b="b"/>
+            <a:rect l="l" t="t" r="r" b="b"/>
             <a:pathLst>
               <a:path w="4001" h="5402">
                 <a:moveTo>
@@ -5006,10 +8339,18 @@
         <p:txBody>
           <a:bodyPr wrap="none" lIns="90000" rIns="90000" tIns="45000" bIns="45000" anchor="ctr"/>
           <a:p>
-            <a:pPr algn="ctr"/>
+            <a:pPr algn="ctr">
+              <a:lnSpc>
+                <a:spcPct val="100000"/>
+              </a:lnSpc>
+            </a:pPr>
             <a:r>
               <a:rPr b="0" lang="en-GB" sz="1800" spc="-1" strike="noStrike">
+                <a:solidFill>
+                  <a:srgbClr val="000000"/>
+                </a:solidFill>
                 <a:latin typeface="Arial"/>
+                <a:ea typeface="DejaVu Sans"/>
               </a:rPr>
               <a:t>Tests</a:t>
             </a:r>
@@ -5021,14 +8362,14 @@
       </p:sp>
       <p:sp>
         <p:nvSpPr>
-          <p:cNvPr id="96" name="CustomShape 6"/>
+          <p:cNvPr id="169" name="CustomShape 6"/>
           <p:cNvSpPr/>
           <p:nvPr/>
         </p:nvSpPr>
         <p:spPr>
           <a:xfrm>
             <a:off x="1224000" y="3024000"/>
-            <a:ext cx="576000" cy="1224000"/>
+            <a:ext cx="575640" cy="1223640"/>
           </a:xfrm>
           <a:prstGeom prst="rect">
             <a:avLst/>
@@ -5051,10 +8392,18 @@
         <p:txBody>
           <a:bodyPr wrap="none" lIns="90000" rIns="90000" tIns="45000" bIns="45000" anchor="ctr"/>
           <a:p>
-            <a:pPr algn="ctr"/>
+            <a:pPr algn="ctr">
+              <a:lnSpc>
+                <a:spcPct val="100000"/>
+              </a:lnSpc>
+            </a:pPr>
             <a:r>
               <a:rPr b="0" lang="en-GB" sz="1800" spc="-1" strike="noStrike">
+                <a:solidFill>
+                  <a:srgbClr val="000000"/>
+                </a:solidFill>
                 <a:latin typeface="Arial"/>
+                <a:ea typeface="DejaVu Sans"/>
               </a:rPr>
               <a:t>Rest</a:t>
             </a:r>
@@ -5063,10 +8412,18 @@
             </a:endParaRPr>
           </a:p>
           <a:p>
-            <a:pPr algn="ctr"/>
+            <a:pPr algn="ctr">
+              <a:lnSpc>
+                <a:spcPct val="100000"/>
+              </a:lnSpc>
+            </a:pPr>
             <a:r>
               <a:rPr b="0" lang="en-GB" sz="1800" spc="-1" strike="noStrike">
+                <a:solidFill>
+                  <a:srgbClr val="000000"/>
+                </a:solidFill>
                 <a:latin typeface="Arial"/>
+                <a:ea typeface="DejaVu Sans"/>
               </a:rPr>
               <a:t>APIs</a:t>
             </a:r>
@@ -5078,14 +8435,14 @@
       </p:sp>
       <p:sp>
         <p:nvSpPr>
-          <p:cNvPr id="97" name="CustomShape 7"/>
+          <p:cNvPr id="170" name="CustomShape 7"/>
           <p:cNvSpPr/>
           <p:nvPr/>
         </p:nvSpPr>
         <p:spPr>
           <a:xfrm>
             <a:off x="1296000" y="576000"/>
-            <a:ext cx="576000" cy="1224000"/>
+            <a:ext cx="575640" cy="1223640"/>
           </a:xfrm>
           <a:prstGeom prst="rect">
             <a:avLst/>
@@ -5108,10 +8465,18 @@
         <p:txBody>
           <a:bodyPr wrap="none" lIns="90000" rIns="90000" tIns="45000" bIns="45000" anchor="ctr"/>
           <a:p>
-            <a:pPr algn="ctr"/>
+            <a:pPr algn="ctr">
+              <a:lnSpc>
+                <a:spcPct val="100000"/>
+              </a:lnSpc>
+            </a:pPr>
             <a:r>
               <a:rPr b="0" lang="en-GB" sz="1800" spc="-1" strike="noStrike">
+                <a:solidFill>
+                  <a:srgbClr val="000000"/>
+                </a:solidFill>
                 <a:latin typeface="Arial"/>
+                <a:ea typeface="DejaVu Sans"/>
               </a:rPr>
               <a:t>Rest</a:t>
             </a:r>
@@ -5120,10 +8485,18 @@
             </a:endParaRPr>
           </a:p>
           <a:p>
-            <a:pPr algn="ctr"/>
+            <a:pPr algn="ctr">
+              <a:lnSpc>
+                <a:spcPct val="100000"/>
+              </a:lnSpc>
+            </a:pPr>
             <a:r>
               <a:rPr b="0" lang="en-GB" sz="1800" spc="-1" strike="noStrike">
+                <a:solidFill>
+                  <a:srgbClr val="000000"/>
+                </a:solidFill>
                 <a:latin typeface="Arial"/>
+                <a:ea typeface="DejaVu Sans"/>
               </a:rPr>
               <a:t>APIs</a:t>
             </a:r>
@@ -5135,14 +8508,14 @@
       </p:sp>
       <p:sp>
         <p:nvSpPr>
-          <p:cNvPr id="98" name="CustomShape 8"/>
+          <p:cNvPr id="171" name="CustomShape 8"/>
           <p:cNvSpPr/>
           <p:nvPr/>
         </p:nvSpPr>
         <p:spPr>
           <a:xfrm>
             <a:off x="4536000" y="2951640"/>
-            <a:ext cx="576000" cy="1224000"/>
+            <a:ext cx="575640" cy="1223640"/>
           </a:xfrm>
           <a:prstGeom prst="rect">
             <a:avLst/>
@@ -5165,10 +8538,18 @@
         <p:txBody>
           <a:bodyPr wrap="none" lIns="90000" rIns="90000" tIns="45000" bIns="45000" anchor="ctr"/>
           <a:p>
-            <a:pPr algn="ctr"/>
+            <a:pPr algn="ctr">
+              <a:lnSpc>
+                <a:spcPct val="100000"/>
+              </a:lnSpc>
+            </a:pPr>
             <a:r>
               <a:rPr b="0" lang="en-GB" sz="1800" spc="-1" strike="noStrike">
+                <a:solidFill>
+                  <a:srgbClr val="000000"/>
+                </a:solidFill>
                 <a:latin typeface="Arial"/>
+                <a:ea typeface="DejaVu Sans"/>
               </a:rPr>
               <a:t>Rest</a:t>
             </a:r>
@@ -5177,10 +8558,18 @@
             </a:endParaRPr>
           </a:p>
           <a:p>
-            <a:pPr algn="ctr"/>
+            <a:pPr algn="ctr">
+              <a:lnSpc>
+                <a:spcPct val="100000"/>
+              </a:lnSpc>
+            </a:pPr>
             <a:r>
               <a:rPr b="0" lang="en-GB" sz="1800" spc="-1" strike="noStrike">
+                <a:solidFill>
+                  <a:srgbClr val="000000"/>
+                </a:solidFill>
                 <a:latin typeface="Arial"/>
+                <a:ea typeface="DejaVu Sans"/>
               </a:rPr>
               <a:t>APIs</a:t>
             </a:r>
@@ -5192,14 +8581,14 @@
       </p:sp>
       <p:sp>
         <p:nvSpPr>
-          <p:cNvPr id="99" name="CustomShape 9"/>
+          <p:cNvPr id="172" name="CustomShape 9"/>
           <p:cNvSpPr/>
           <p:nvPr/>
         </p:nvSpPr>
         <p:spPr>
           <a:xfrm>
             <a:off x="7704000" y="720000"/>
-            <a:ext cx="576000" cy="1224000"/>
+            <a:ext cx="575640" cy="1223640"/>
           </a:xfrm>
           <a:prstGeom prst="rect">
             <a:avLst/>
@@ -5222,10 +8611,18 @@
         <p:txBody>
           <a:bodyPr wrap="none" lIns="90000" rIns="90000" tIns="45000" bIns="45000" anchor="ctr"/>
           <a:p>
-            <a:pPr algn="ctr"/>
+            <a:pPr algn="ctr">
+              <a:lnSpc>
+                <a:spcPct val="100000"/>
+              </a:lnSpc>
+            </a:pPr>
             <a:r>
               <a:rPr b="0" lang="en-GB" sz="1800" spc="-1" strike="noStrike">
+                <a:solidFill>
+                  <a:srgbClr val="000000"/>
+                </a:solidFill>
                 <a:latin typeface="Arial"/>
+                <a:ea typeface="DejaVu Sans"/>
               </a:rPr>
               <a:t>Rest</a:t>
             </a:r>
@@ -5234,10 +8631,18 @@
             </a:endParaRPr>
           </a:p>
           <a:p>
-            <a:pPr algn="ctr"/>
+            <a:pPr algn="ctr">
+              <a:lnSpc>
+                <a:spcPct val="100000"/>
+              </a:lnSpc>
+            </a:pPr>
             <a:r>
               <a:rPr b="0" lang="en-GB" sz="1800" spc="-1" strike="noStrike">
+                <a:solidFill>
+                  <a:srgbClr val="000000"/>
+                </a:solidFill>
                 <a:latin typeface="Arial"/>
+                <a:ea typeface="DejaVu Sans"/>
               </a:rPr>
               <a:t>APIs</a:t>
             </a:r>
@@ -5249,14 +8654,14 @@
       </p:sp>
       <p:sp>
         <p:nvSpPr>
-          <p:cNvPr id="100" name="CustomShape 10"/>
+          <p:cNvPr id="173" name="CustomShape 10"/>
           <p:cNvSpPr/>
           <p:nvPr/>
         </p:nvSpPr>
         <p:spPr>
           <a:xfrm>
             <a:off x="4608000" y="648000"/>
-            <a:ext cx="576000" cy="1224000"/>
+            <a:ext cx="575640" cy="1223640"/>
           </a:xfrm>
           <a:prstGeom prst="rect">
             <a:avLst/>
@@ -5279,10 +8684,18 @@
         <p:txBody>
           <a:bodyPr wrap="none" lIns="90000" rIns="90000" tIns="45000" bIns="45000" anchor="ctr"/>
           <a:p>
-            <a:pPr algn="ctr"/>
+            <a:pPr algn="ctr">
+              <a:lnSpc>
+                <a:spcPct val="100000"/>
+              </a:lnSpc>
+            </a:pPr>
             <a:r>
               <a:rPr b="0" lang="en-GB" sz="1800" spc="-1" strike="noStrike">
+                <a:solidFill>
+                  <a:srgbClr val="000000"/>
+                </a:solidFill>
                 <a:latin typeface="Arial"/>
+                <a:ea typeface="DejaVu Sans"/>
               </a:rPr>
               <a:t>Rest</a:t>
             </a:r>
@@ -5291,10 +8704,18 @@
             </a:endParaRPr>
           </a:p>
           <a:p>
-            <a:pPr algn="ctr"/>
+            <a:pPr algn="ctr">
+              <a:lnSpc>
+                <a:spcPct val="100000"/>
+              </a:lnSpc>
+            </a:pPr>
             <a:r>
               <a:rPr b="0" lang="en-GB" sz="1800" spc="-1" strike="noStrike">
+                <a:solidFill>
+                  <a:srgbClr val="000000"/>
+                </a:solidFill>
                 <a:latin typeface="Arial"/>
+                <a:ea typeface="DejaVu Sans"/>
               </a:rPr>
               <a:t>APIs</a:t>
             </a:r>
@@ -5306,14 +8727,14 @@
       </p:sp>
       <p:sp>
         <p:nvSpPr>
-          <p:cNvPr id="101" name="CustomShape 11"/>
+          <p:cNvPr id="174" name="CustomShape 11"/>
           <p:cNvSpPr/>
           <p:nvPr/>
         </p:nvSpPr>
         <p:spPr>
           <a:xfrm>
             <a:off x="2232000" y="5544000"/>
-            <a:ext cx="5688000" cy="1440000"/>
+            <a:ext cx="5687640" cy="1439640"/>
           </a:xfrm>
           <a:prstGeom prst="ellipse">
             <a:avLst/>
@@ -5336,10 +8757,18 @@
         <p:txBody>
           <a:bodyPr wrap="none" lIns="90000" rIns="90000" tIns="45000" bIns="45000" anchor="ctr"/>
           <a:p>
-            <a:pPr algn="ctr"/>
+            <a:pPr algn="ctr">
+              <a:lnSpc>
+                <a:spcPct val="100000"/>
+              </a:lnSpc>
+            </a:pPr>
             <a:r>
               <a:rPr b="0" lang="en-GB" sz="1800" spc="-1" strike="noStrike">
+                <a:solidFill>
+                  <a:srgbClr val="000000"/>
+                </a:solidFill>
                 <a:latin typeface="Arial"/>
+                <a:ea typeface="DejaVu Sans"/>
               </a:rPr>
               <a:t>Client(web browser, mobile app, desktop app)</a:t>
             </a:r>
@@ -5348,10 +8777,18 @@
             </a:endParaRPr>
           </a:p>
           <a:p>
-            <a:pPr algn="ctr"/>
+            <a:pPr algn="ctr">
+              <a:lnSpc>
+                <a:spcPct val="100000"/>
+              </a:lnSpc>
+            </a:pPr>
             <a:r>
               <a:rPr b="0" lang="en-GB" sz="1800" spc="-1" strike="noStrike">
+                <a:solidFill>
+                  <a:srgbClr val="000000"/>
+                </a:solidFill>
                 <a:latin typeface="Arial"/>
+                <a:ea typeface="DejaVu Sans"/>
               </a:rPr>
               <a:t>Can use the APIs to interact with the services</a:t>
             </a:r>
@@ -5363,20 +8800,20 @@
       </p:sp>
       <p:sp>
         <p:nvSpPr>
-          <p:cNvPr id="102" name="CustomShape 12"/>
+          <p:cNvPr id="175" name="CustomShape 12"/>
           <p:cNvSpPr/>
           <p:nvPr/>
         </p:nvSpPr>
         <p:spPr>
           <a:xfrm>
             <a:off x="8280000" y="2592000"/>
-            <a:ext cx="1440000" cy="1944000"/>
+            <a:ext cx="1439640" cy="1943640"/>
           </a:xfrm>
           <a:custGeom>
             <a:avLst/>
             <a:gdLst/>
             <a:ahLst/>
-            <a:rect l="0" t="0" r="r" b="b"/>
+            <a:rect l="l" t="t" r="r" b="b"/>
             <a:pathLst>
               <a:path w="4001" h="5402">
                 <a:moveTo>
@@ -5435,10 +8872,18 @@
         <p:txBody>
           <a:bodyPr wrap="none" lIns="90000" rIns="90000" tIns="45000" bIns="45000" anchor="ctr"/>
           <a:p>
-            <a:pPr algn="ctr"/>
+            <a:pPr algn="ctr">
+              <a:lnSpc>
+                <a:spcPct val="100000"/>
+              </a:lnSpc>
+            </a:pPr>
             <a:r>
               <a:rPr b="0" lang="en-GB" sz="1800" spc="-1" strike="noStrike">
+                <a:solidFill>
+                  <a:srgbClr val="000000"/>
+                </a:solidFill>
                 <a:latin typeface="Arial"/>
+                <a:ea typeface="DejaVu Sans"/>
               </a:rPr>
               <a:t>Authentication</a:t>
             </a:r>
@@ -5450,14 +8895,14 @@
       </p:sp>
       <p:sp>
         <p:nvSpPr>
-          <p:cNvPr id="103" name="CustomShape 13"/>
+          <p:cNvPr id="176" name="CustomShape 13"/>
           <p:cNvSpPr/>
           <p:nvPr/>
         </p:nvSpPr>
         <p:spPr>
           <a:xfrm>
             <a:off x="7704000" y="2951640"/>
-            <a:ext cx="576000" cy="1224000"/>
+            <a:ext cx="575640" cy="1223640"/>
           </a:xfrm>
           <a:prstGeom prst="rect">
             <a:avLst/>
@@ -5480,10 +8925,18 @@
         <p:txBody>
           <a:bodyPr wrap="none" lIns="90000" rIns="90000" tIns="45000" bIns="45000" anchor="ctr"/>
           <a:p>
-            <a:pPr algn="ctr"/>
+            <a:pPr algn="ctr">
+              <a:lnSpc>
+                <a:spcPct val="100000"/>
+              </a:lnSpc>
+            </a:pPr>
             <a:r>
               <a:rPr b="0" lang="en-GB" sz="1800" spc="-1" strike="noStrike">
+                <a:solidFill>
+                  <a:srgbClr val="000000"/>
+                </a:solidFill>
                 <a:latin typeface="Arial"/>
+                <a:ea typeface="DejaVu Sans"/>
               </a:rPr>
               <a:t>Rest</a:t>
             </a:r>
@@ -5492,10 +8945,18 @@
             </a:endParaRPr>
           </a:p>
           <a:p>
-            <a:pPr algn="ctr"/>
+            <a:pPr algn="ctr">
+              <a:lnSpc>
+                <a:spcPct val="100000"/>
+              </a:lnSpc>
+            </a:pPr>
             <a:r>
               <a:rPr b="0" lang="en-GB" sz="1800" spc="-1" strike="noStrike">
+                <a:solidFill>
+                  <a:srgbClr val="000000"/>
+                </a:solidFill>
                 <a:latin typeface="Arial"/>
+                <a:ea typeface="DejaVu Sans"/>
               </a:rPr>
               <a:t>APIs</a:t>
             </a:r>
@@ -5556,14 +9017,14 @@
       </p:grpSpPr>
       <p:sp>
         <p:nvSpPr>
-          <p:cNvPr id="104" name="TextShape 1"/>
-          <p:cNvSpPr txBox="1"/>
+          <p:cNvPr id="177" name="CustomShape 1"/>
+          <p:cNvSpPr/>
           <p:nvPr/>
         </p:nvSpPr>
         <p:spPr>
           <a:xfrm>
             <a:off x="720000" y="300960"/>
-            <a:ext cx="8855640" cy="1262520"/>
+            <a:ext cx="8855280" cy="1262160"/>
           </a:xfrm>
           <a:prstGeom prst="rect">
             <a:avLst/>
@@ -5573,9 +9034,20 @@
             <a:noFill/>
           </a:ln>
         </p:spPr>
+        <p:style>
+          <a:lnRef idx="0"/>
+          <a:fillRef idx="0"/>
+          <a:effectRef idx="0"/>
+          <a:fontRef idx="minor"/>
+        </p:style>
         <p:txBody>
           <a:bodyPr lIns="0" rIns="0" tIns="0" bIns="0" anchor="ctr"/>
           <a:p>
+            <a:pPr>
+              <a:lnSpc>
+                <a:spcPct val="100000"/>
+              </a:lnSpc>
+            </a:pPr>
             <a:r>
               <a:rPr b="1" lang="en-GB" sz="4400" spc="-1" strike="noStrike">
                 <a:solidFill>
@@ -5585,25 +9057,22 @@
               </a:rPr>
               <a:t>Admin</a:t>
             </a:r>
-            <a:endParaRPr b="1" lang="en-GB" sz="4400" spc="-1" strike="noStrike">
-              <a:solidFill>
-                <a:srgbClr val="333333"/>
-              </a:solidFill>
-              <a:latin typeface="Noto Sans Regular"/>
-            </a:endParaRPr>
-          </a:p>
-        </p:txBody>
-      </p:sp>
-      <p:sp>
-        <p:nvSpPr>
-          <p:cNvPr id="105" name="TextShape 2"/>
-          <p:cNvSpPr txBox="1"/>
+            <a:endParaRPr b="0" lang="en-GB" sz="4400" spc="-1" strike="noStrike">
+              <a:latin typeface="Arial"/>
+            </a:endParaRPr>
+          </a:p>
+        </p:txBody>
+      </p:sp>
+      <p:sp>
+        <p:nvSpPr>
+          <p:cNvPr id="178" name="CustomShape 2"/>
+          <p:cNvSpPr/>
           <p:nvPr/>
         </p:nvSpPr>
         <p:spPr>
           <a:xfrm>
             <a:off x="720000" y="2160000"/>
-            <a:ext cx="8640000" cy="4384800"/>
+            <a:ext cx="8639640" cy="4384440"/>
           </a:xfrm>
           <a:prstGeom prst="rect">
             <a:avLst/>
@@ -5613,10 +9082,19 @@
             <a:noFill/>
           </a:ln>
         </p:spPr>
+        <p:style>
+          <a:lnRef idx="0"/>
+          <a:fillRef idx="0"/>
+          <a:effectRef idx="0"/>
+          <a:fontRef idx="minor"/>
+        </p:style>
         <p:txBody>
           <a:bodyPr lIns="0" rIns="0" tIns="0" bIns="0"/>
           <a:p>
-            <a:pPr marL="432000" indent="-324000">
+            <a:pPr marL="432000" indent="-323640">
+              <a:lnSpc>
+                <a:spcPct val="100000"/>
+              </a:lnSpc>
               <a:spcAft>
                 <a:spcPts val="1414"/>
               </a:spcAft>
@@ -5634,17 +9112,17 @@
                 </a:solidFill>
                 <a:latin typeface="Noto Sans Regular"/>
               </a:rPr>
-              <a:t>Admin will be able to manage different resources</a:t>
+              <a:t>Admin will be able to manage different resources.</a:t>
             </a:r>
             <a:endParaRPr b="0" lang="en-GB" sz="2800" spc="-1" strike="noStrike">
-              <a:solidFill>
-                <a:srgbClr val="333333"/>
-              </a:solidFill>
-              <a:latin typeface="Noto Sans Regular"/>
-            </a:endParaRPr>
-          </a:p>
-          <a:p>
-            <a:pPr marL="432000" indent="-324000">
+              <a:latin typeface="Arial"/>
+            </a:endParaRPr>
+          </a:p>
+          <a:p>
+            <a:pPr marL="432000" indent="-323640">
+              <a:lnSpc>
+                <a:spcPct val="100000"/>
+              </a:lnSpc>
               <a:spcAft>
                 <a:spcPts val="1414"/>
               </a:spcAft>
@@ -5662,13 +9140,10 @@
                 </a:solidFill>
                 <a:latin typeface="Noto Sans Regular"/>
               </a:rPr>
-              <a:t>The resources include Database, images, notices, etc</a:t>
+              <a:t>The resources include User information, Test series, MCQs , images, notices, etc.</a:t>
             </a:r>
             <a:endParaRPr b="0" lang="en-GB" sz="2800" spc="-1" strike="noStrike">
-              <a:solidFill>
-                <a:srgbClr val="333333"/>
-              </a:solidFill>
-              <a:latin typeface="Noto Sans Regular"/>
+              <a:latin typeface="Arial"/>
             </a:endParaRPr>
           </a:p>
         </p:txBody>
@@ -5724,14 +9199,14 @@
       </p:grpSpPr>
       <p:sp>
         <p:nvSpPr>
-          <p:cNvPr id="106" name="TextShape 1"/>
-          <p:cNvSpPr txBox="1"/>
+          <p:cNvPr id="179" name="CustomShape 1"/>
+          <p:cNvSpPr/>
           <p:nvPr/>
         </p:nvSpPr>
         <p:spPr>
           <a:xfrm>
             <a:off x="720000" y="300960"/>
-            <a:ext cx="8855640" cy="1262520"/>
+            <a:ext cx="8855280" cy="1262160"/>
           </a:xfrm>
           <a:prstGeom prst="rect">
             <a:avLst/>
@@ -5741,9 +9216,20 @@
             <a:noFill/>
           </a:ln>
         </p:spPr>
+        <p:style>
+          <a:lnRef idx="0"/>
+          <a:fillRef idx="0"/>
+          <a:effectRef idx="0"/>
+          <a:fontRef idx="minor"/>
+        </p:style>
         <p:txBody>
           <a:bodyPr lIns="0" rIns="0" tIns="0" bIns="0" anchor="ctr"/>
           <a:p>
+            <a:pPr>
+              <a:lnSpc>
+                <a:spcPct val="100000"/>
+              </a:lnSpc>
+            </a:pPr>
             <a:r>
               <a:rPr b="1" lang="en-GB" sz="4400" spc="-1" strike="noStrike">
                 <a:solidFill>
@@ -5753,25 +9239,22 @@
               </a:rPr>
               <a:t>Users</a:t>
             </a:r>
-            <a:endParaRPr b="1" lang="en-GB" sz="4400" spc="-1" strike="noStrike">
-              <a:solidFill>
-                <a:srgbClr val="333333"/>
-              </a:solidFill>
-              <a:latin typeface="Noto Sans Regular"/>
-            </a:endParaRPr>
-          </a:p>
-        </p:txBody>
-      </p:sp>
-      <p:sp>
-        <p:nvSpPr>
-          <p:cNvPr id="107" name="TextShape 2"/>
-          <p:cNvSpPr txBox="1"/>
+            <a:endParaRPr b="0" lang="en-GB" sz="4400" spc="-1" strike="noStrike">
+              <a:latin typeface="Arial"/>
+            </a:endParaRPr>
+          </a:p>
+        </p:txBody>
+      </p:sp>
+      <p:sp>
+        <p:nvSpPr>
+          <p:cNvPr id="180" name="CustomShape 2"/>
+          <p:cNvSpPr/>
           <p:nvPr/>
         </p:nvSpPr>
         <p:spPr>
           <a:xfrm>
             <a:off x="720000" y="2160000"/>
-            <a:ext cx="8640000" cy="4384800"/>
+            <a:ext cx="8639640" cy="4384440"/>
           </a:xfrm>
           <a:prstGeom prst="rect">
             <a:avLst/>
@@ -5781,10 +9264,19 @@
             <a:noFill/>
           </a:ln>
         </p:spPr>
+        <p:style>
+          <a:lnRef idx="0"/>
+          <a:fillRef idx="0"/>
+          <a:effectRef idx="0"/>
+          <a:fontRef idx="minor"/>
+        </p:style>
         <p:txBody>
           <a:bodyPr lIns="0" rIns="0" tIns="0" bIns="0"/>
           <a:p>
-            <a:pPr marL="432000" indent="-324000">
+            <a:pPr marL="432000" indent="-323640">
+              <a:lnSpc>
+                <a:spcPct val="100000"/>
+              </a:lnSpc>
               <a:spcAft>
                 <a:spcPts val="1414"/>
               </a:spcAft>
@@ -5805,14 +9297,14 @@
               <a:t>A user will be able to subscribe to Test series.</a:t>
             </a:r>
             <a:endParaRPr b="0" lang="en-GB" sz="2800" spc="-1" strike="noStrike">
-              <a:solidFill>
-                <a:srgbClr val="333333"/>
-              </a:solidFill>
-              <a:latin typeface="Noto Sans Regular"/>
-            </a:endParaRPr>
-          </a:p>
-          <a:p>
-            <a:pPr marL="432000" indent="-324000">
+              <a:latin typeface="Arial"/>
+            </a:endParaRPr>
+          </a:p>
+          <a:p>
+            <a:pPr marL="432000" indent="-323640">
+              <a:lnSpc>
+                <a:spcPct val="100000"/>
+              </a:lnSpc>
               <a:spcAft>
                 <a:spcPts val="1414"/>
               </a:spcAft>
@@ -5833,14 +9325,14 @@
               <a:t>User will have a dashboard, that will show the results of tests taken by user.</a:t>
             </a:r>
             <a:endParaRPr b="0" lang="en-GB" sz="2800" spc="-1" strike="noStrike">
-              <a:solidFill>
-                <a:srgbClr val="333333"/>
-              </a:solidFill>
-              <a:latin typeface="Noto Sans Regular"/>
-            </a:endParaRPr>
-          </a:p>
-          <a:p>
-            <a:pPr marL="432000" indent="-324000">
+              <a:latin typeface="Arial"/>
+            </a:endParaRPr>
+          </a:p>
+          <a:p>
+            <a:pPr marL="432000" indent="-323640">
+              <a:lnSpc>
+                <a:spcPct val="100000"/>
+              </a:lnSpc>
               <a:spcAft>
                 <a:spcPts val="1414"/>
               </a:spcAft>
@@ -5861,10 +9353,7 @@
               <a:t>A user will also be able to create his own Test series. Other users will be able to subscribe to this test series.</a:t>
             </a:r>
             <a:endParaRPr b="0" lang="en-GB" sz="2800" spc="-1" strike="noStrike">
-              <a:solidFill>
-                <a:srgbClr val="333333"/>
-              </a:solidFill>
-              <a:latin typeface="Noto Sans Regular"/>
+              <a:latin typeface="Arial"/>
             </a:endParaRPr>
           </a:p>
         </p:txBody>
@@ -5920,14 +9409,14 @@
       </p:grpSpPr>
       <p:sp>
         <p:nvSpPr>
-          <p:cNvPr id="108" name="TextShape 1"/>
-          <p:cNvSpPr txBox="1"/>
+          <p:cNvPr id="181" name="CustomShape 1"/>
+          <p:cNvSpPr/>
           <p:nvPr/>
         </p:nvSpPr>
         <p:spPr>
           <a:xfrm>
             <a:off x="720000" y="300960"/>
-            <a:ext cx="8855640" cy="1262520"/>
+            <a:ext cx="8855280" cy="1262160"/>
           </a:xfrm>
           <a:prstGeom prst="rect">
             <a:avLst/>
@@ -5937,9 +9426,20 @@
             <a:noFill/>
           </a:ln>
         </p:spPr>
+        <p:style>
+          <a:lnRef idx="0"/>
+          <a:fillRef idx="0"/>
+          <a:effectRef idx="0"/>
+          <a:fontRef idx="minor"/>
+        </p:style>
         <p:txBody>
           <a:bodyPr lIns="0" rIns="0" tIns="0" bIns="0" anchor="ctr"/>
           <a:p>
+            <a:pPr>
+              <a:lnSpc>
+                <a:spcPct val="100000"/>
+              </a:lnSpc>
+            </a:pPr>
             <a:r>
               <a:rPr b="1" lang="en-GB" sz="4400" spc="-1" strike="noStrike">
                 <a:solidFill>
@@ -5949,25 +9449,22 @@
               </a:rPr>
               <a:t>Test Series</a:t>
             </a:r>
-            <a:endParaRPr b="1" lang="en-GB" sz="4400" spc="-1" strike="noStrike">
-              <a:solidFill>
-                <a:srgbClr val="333333"/>
-              </a:solidFill>
-              <a:latin typeface="Noto Sans Regular"/>
-            </a:endParaRPr>
-          </a:p>
-        </p:txBody>
-      </p:sp>
-      <p:sp>
-        <p:nvSpPr>
-          <p:cNvPr id="109" name="TextShape 2"/>
-          <p:cNvSpPr txBox="1"/>
+            <a:endParaRPr b="0" lang="en-GB" sz="4400" spc="-1" strike="noStrike">
+              <a:latin typeface="Arial"/>
+            </a:endParaRPr>
+          </a:p>
+        </p:txBody>
+      </p:sp>
+      <p:sp>
+        <p:nvSpPr>
+          <p:cNvPr id="182" name="CustomShape 2"/>
+          <p:cNvSpPr/>
           <p:nvPr/>
         </p:nvSpPr>
         <p:spPr>
           <a:xfrm>
             <a:off x="720000" y="2160000"/>
-            <a:ext cx="8640000" cy="4384800"/>
+            <a:ext cx="8639640" cy="4384440"/>
           </a:xfrm>
           <a:prstGeom prst="rect">
             <a:avLst/>
@@ -5977,10 +9474,19 @@
             <a:noFill/>
           </a:ln>
         </p:spPr>
+        <p:style>
+          <a:lnRef idx="0"/>
+          <a:fillRef idx="0"/>
+          <a:effectRef idx="0"/>
+          <a:fontRef idx="minor"/>
+        </p:style>
         <p:txBody>
           <a:bodyPr lIns="0" rIns="0" tIns="0" bIns="0"/>
           <a:p>
-            <a:pPr marL="432000" indent="-324000">
+            <a:pPr marL="432000" indent="-323640">
+              <a:lnSpc>
+                <a:spcPct val="100000"/>
+              </a:lnSpc>
               <a:spcAft>
                 <a:spcPts val="1414"/>
               </a:spcAft>
@@ -6001,14 +9507,14 @@
               <a:t>A test series contains different tests.</a:t>
             </a:r>
             <a:endParaRPr b="0" lang="en-GB" sz="2800" spc="-1" strike="noStrike">
-              <a:solidFill>
-                <a:srgbClr val="333333"/>
-              </a:solidFill>
-              <a:latin typeface="Noto Sans Regular"/>
-            </a:endParaRPr>
-          </a:p>
-          <a:p>
-            <a:pPr marL="432000" indent="-324000">
+              <a:latin typeface="Arial"/>
+            </a:endParaRPr>
+          </a:p>
+          <a:p>
+            <a:pPr marL="432000" indent="-323640">
+              <a:lnSpc>
+                <a:spcPct val="100000"/>
+              </a:lnSpc>
               <a:spcAft>
                 <a:spcPts val="1414"/>
               </a:spcAft>
@@ -6029,14 +9535,14 @@
               <a:t>A user will have to subscribe to the test series.</a:t>
             </a:r>
             <a:endParaRPr b="0" lang="en-GB" sz="2800" spc="-1" strike="noStrike">
-              <a:solidFill>
-                <a:srgbClr val="333333"/>
-              </a:solidFill>
-              <a:latin typeface="Noto Sans Regular"/>
-            </a:endParaRPr>
-          </a:p>
-          <a:p>
-            <a:pPr marL="432000" indent="-324000">
+              <a:latin typeface="Arial"/>
+            </a:endParaRPr>
+          </a:p>
+          <a:p>
+            <a:pPr marL="432000" indent="-323640">
+              <a:lnSpc>
+                <a:spcPct val="100000"/>
+              </a:lnSpc>
               <a:spcAft>
                 <a:spcPts val="1414"/>
               </a:spcAft>
@@ -6057,10 +9563,7 @@
               <a:t>Report will be generated for the test series. </a:t>
             </a:r>
             <a:endParaRPr b="0" lang="en-GB" sz="2800" spc="-1" strike="noStrike">
-              <a:solidFill>
-                <a:srgbClr val="333333"/>
-              </a:solidFill>
-              <a:latin typeface="Noto Sans Regular"/>
+              <a:latin typeface="Arial"/>
             </a:endParaRPr>
           </a:p>
         </p:txBody>
@@ -6116,14 +9619,14 @@
       </p:grpSpPr>
       <p:sp>
         <p:nvSpPr>
-          <p:cNvPr id="110" name="TextShape 1"/>
-          <p:cNvSpPr txBox="1"/>
+          <p:cNvPr id="183" name="CustomShape 1"/>
+          <p:cNvSpPr/>
           <p:nvPr/>
         </p:nvSpPr>
         <p:spPr>
           <a:xfrm>
             <a:off x="720000" y="300960"/>
-            <a:ext cx="8855640" cy="1262520"/>
+            <a:ext cx="8855280" cy="1262160"/>
           </a:xfrm>
           <a:prstGeom prst="rect">
             <a:avLst/>
@@ -6133,9 +9636,20 @@
             <a:noFill/>
           </a:ln>
         </p:spPr>
+        <p:style>
+          <a:lnRef idx="0"/>
+          <a:fillRef idx="0"/>
+          <a:effectRef idx="0"/>
+          <a:fontRef idx="minor"/>
+        </p:style>
         <p:txBody>
           <a:bodyPr lIns="0" rIns="0" tIns="0" bIns="0" anchor="ctr"/>
           <a:p>
+            <a:pPr>
+              <a:lnSpc>
+                <a:spcPct val="100000"/>
+              </a:lnSpc>
+            </a:pPr>
             <a:r>
               <a:rPr b="1" lang="en-GB" sz="4400" spc="-1" strike="noStrike">
                 <a:solidFill>
@@ -6145,25 +9659,22 @@
               </a:rPr>
               <a:t>Tests</a:t>
             </a:r>
-            <a:endParaRPr b="1" lang="en-GB" sz="4400" spc="-1" strike="noStrike">
-              <a:solidFill>
-                <a:srgbClr val="333333"/>
-              </a:solidFill>
-              <a:latin typeface="Noto Sans Regular"/>
-            </a:endParaRPr>
-          </a:p>
-        </p:txBody>
-      </p:sp>
-      <p:sp>
-        <p:nvSpPr>
-          <p:cNvPr id="111" name="TextShape 2"/>
-          <p:cNvSpPr txBox="1"/>
+            <a:endParaRPr b="0" lang="en-GB" sz="4400" spc="-1" strike="noStrike">
+              <a:latin typeface="Arial"/>
+            </a:endParaRPr>
+          </a:p>
+        </p:txBody>
+      </p:sp>
+      <p:sp>
+        <p:nvSpPr>
+          <p:cNvPr id="184" name="CustomShape 2"/>
+          <p:cNvSpPr/>
           <p:nvPr/>
         </p:nvSpPr>
         <p:spPr>
           <a:xfrm>
             <a:off x="720000" y="2160000"/>
-            <a:ext cx="8640000" cy="4384800"/>
+            <a:ext cx="8639640" cy="4384440"/>
           </a:xfrm>
           <a:prstGeom prst="rect">
             <a:avLst/>
@@ -6173,10 +9684,19 @@
             <a:noFill/>
           </a:ln>
         </p:spPr>
+        <p:style>
+          <a:lnRef idx="0"/>
+          <a:fillRef idx="0"/>
+          <a:effectRef idx="0"/>
+          <a:fontRef idx="minor"/>
+        </p:style>
         <p:txBody>
           <a:bodyPr lIns="0" rIns="0" tIns="0" bIns="0"/>
           <a:p>
-            <a:pPr marL="432000" indent="-324000">
+            <a:pPr marL="432000" indent="-323640">
+              <a:lnSpc>
+                <a:spcPct val="100000"/>
+              </a:lnSpc>
               <a:spcAft>
                 <a:spcPts val="1414"/>
               </a:spcAft>
@@ -6194,17 +9714,17 @@
                 </a:solidFill>
                 <a:latin typeface="Noto Sans Regular"/>
               </a:rPr>
-              <a:t>Test wil contain many MCQs.</a:t>
+              <a:t>Test will contain many MCQs.</a:t>
             </a:r>
             <a:endParaRPr b="0" lang="en-GB" sz="2800" spc="-1" strike="noStrike">
-              <a:solidFill>
-                <a:srgbClr val="333333"/>
-              </a:solidFill>
-              <a:latin typeface="Noto Sans Regular"/>
-            </a:endParaRPr>
-          </a:p>
-          <a:p>
-            <a:pPr marL="432000" indent="-324000">
+              <a:latin typeface="Arial"/>
+            </a:endParaRPr>
+          </a:p>
+          <a:p>
+            <a:pPr marL="432000" indent="-323640">
+              <a:lnSpc>
+                <a:spcPct val="100000"/>
+              </a:lnSpc>
               <a:spcAft>
                 <a:spcPts val="1414"/>
               </a:spcAft>
@@ -6225,14 +9745,14 @@
               <a:t>Test will have a start time, end time.</a:t>
             </a:r>
             <a:endParaRPr b="0" lang="en-GB" sz="2800" spc="-1" strike="noStrike">
-              <a:solidFill>
-                <a:srgbClr val="333333"/>
-              </a:solidFill>
-              <a:latin typeface="Noto Sans Regular"/>
-            </a:endParaRPr>
-          </a:p>
-          <a:p>
-            <a:pPr marL="432000" indent="-324000">
+              <a:latin typeface="Arial"/>
+            </a:endParaRPr>
+          </a:p>
+          <a:p>
+            <a:pPr marL="432000" indent="-323640">
+              <a:lnSpc>
+                <a:spcPct val="100000"/>
+              </a:lnSpc>
               <a:spcAft>
                 <a:spcPts val="1414"/>
               </a:spcAft>
@@ -6253,10 +9773,7 @@
               <a:t>Report will be generated after the test</a:t>
             </a:r>
             <a:endParaRPr b="0" lang="en-GB" sz="2800" spc="-1" strike="noStrike">
-              <a:solidFill>
-                <a:srgbClr val="333333"/>
-              </a:solidFill>
-              <a:latin typeface="Noto Sans Regular"/>
+              <a:latin typeface="Arial"/>
             </a:endParaRPr>
           </a:p>
         </p:txBody>
@@ -6737,4 +10254,450 @@
     </a:fmtScheme>
   </a:themeElements>
 </a:theme>
+</file>
+
+<file path=ppt/theme/theme3.xml><?xml version="1.0" encoding="utf-8"?>
+<a:theme xmlns:a="http://schemas.openxmlformats.org/drawingml/2006/main" name="Office Theme">
+  <a:themeElements>
+    <a:clrScheme name="Office">
+      <a:dk1>
+        <a:sysClr val="windowText" lastClr="000000"/>
+      </a:dk1>
+      <a:lt1>
+        <a:sysClr val="window" lastClr="FFFFFF"/>
+      </a:lt1>
+      <a:dk2>
+        <a:srgbClr val="1f497d"/>
+      </a:dk2>
+      <a:lt2>
+        <a:srgbClr val="eeece1"/>
+      </a:lt2>
+      <a:accent1>
+        <a:srgbClr val="4f81bd"/>
+      </a:accent1>
+      <a:accent2>
+        <a:srgbClr val="c0504d"/>
+      </a:accent2>
+      <a:accent3>
+        <a:srgbClr val="9bbb59"/>
+      </a:accent3>
+      <a:accent4>
+        <a:srgbClr val="8064a2"/>
+      </a:accent4>
+      <a:accent5>
+        <a:srgbClr val="4bacc6"/>
+      </a:accent5>
+      <a:accent6>
+        <a:srgbClr val="f79646"/>
+      </a:accent6>
+      <a:hlink>
+        <a:srgbClr val="0000ff"/>
+      </a:hlink>
+      <a:folHlink>
+        <a:srgbClr val="800080"/>
+      </a:folHlink>
+    </a:clrScheme>
+    <a:fontScheme name="Office">
+      <a:majorFont>
+        <a:latin typeface="Arial"/>
+        <a:ea typeface="DejaVu Sans"/>
+        <a:cs typeface="DejaVu Sans"/>
+      </a:majorFont>
+      <a:minorFont>
+        <a:latin typeface="Arial"/>
+        <a:ea typeface="DejaVu Sans"/>
+        <a:cs typeface="DejaVu Sans"/>
+      </a:minorFont>
+    </a:fontScheme>
+    <a:fmtScheme name="Office">
+      <a:fillStyleLst>
+        <a:solidFill>
+          <a:schemeClr val="phClr"/>
+        </a:solidFill>
+        <a:gradFill rotWithShape="1">
+          <a:gsLst>
+            <a:gs pos="0">
+              <a:schemeClr val="phClr">
+                <a:tint val="50000"/>
+                <a:satMod val="300000"/>
+              </a:schemeClr>
+            </a:gs>
+            <a:gs pos="35000">
+              <a:schemeClr val="phClr">
+                <a:tint val="37000"/>
+                <a:satMod val="300000"/>
+              </a:schemeClr>
+            </a:gs>
+            <a:gs pos="100000">
+              <a:schemeClr val="phClr">
+                <a:tint val="15000"/>
+                <a:satMod val="350000"/>
+              </a:schemeClr>
+            </a:gs>
+          </a:gsLst>
+          <a:lin ang="16200000" scaled="1"/>
+        </a:gradFill>
+        <a:gradFill rotWithShape="1">
+          <a:gsLst>
+            <a:gs pos="0">
+              <a:schemeClr val="phClr">
+                <a:shade val="51000"/>
+                <a:satMod val="130000"/>
+              </a:schemeClr>
+            </a:gs>
+            <a:gs pos="80000">
+              <a:schemeClr val="phClr">
+                <a:shade val="93000"/>
+                <a:satMod val="130000"/>
+              </a:schemeClr>
+            </a:gs>
+            <a:gs pos="100000">
+              <a:schemeClr val="phClr">
+                <a:shade val="94000"/>
+                <a:satMod val="135000"/>
+              </a:schemeClr>
+            </a:gs>
+          </a:gsLst>
+          <a:lin ang="16200000" scaled="0"/>
+        </a:gradFill>
+      </a:fillStyleLst>
+      <a:lnStyleLst>
+        <a:ln w="9525" cap="flat" cmpd="sng" algn="ctr">
+          <a:solidFill>
+            <a:schemeClr val="phClr">
+              <a:shade val="95000"/>
+              <a:satMod val="105000"/>
+            </a:schemeClr>
+          </a:solidFill>
+          <a:prstDash val="solid"/>
+        </a:ln>
+        <a:ln w="25400" cap="flat" cmpd="sng" algn="ctr">
+          <a:solidFill>
+            <a:schemeClr val="phClr"/>
+          </a:solidFill>
+          <a:prstDash val="solid"/>
+        </a:ln>
+        <a:ln w="38100" cap="flat" cmpd="sng" algn="ctr">
+          <a:solidFill>
+            <a:schemeClr val="phClr"/>
+          </a:solidFill>
+          <a:prstDash val="solid"/>
+        </a:ln>
+      </a:lnStyleLst>
+      <a:effectStyleLst>
+        <a:effectStyle>
+          <a:effectLst>
+            <a:outerShdw blurRad="40000" dist="20000" dir="5400000" rotWithShape="0">
+              <a:srgbClr val="000000">
+                <a:alpha val="38000"/>
+              </a:srgbClr>
+            </a:outerShdw>
+          </a:effectLst>
+        </a:effectStyle>
+        <a:effectStyle>
+          <a:effectLst>
+            <a:outerShdw blurRad="40000" dist="23000" dir="5400000" rotWithShape="0">
+              <a:srgbClr val="000000">
+                <a:alpha val="35000"/>
+              </a:srgbClr>
+            </a:outerShdw>
+          </a:effectLst>
+        </a:effectStyle>
+        <a:effectStyle>
+          <a:effectLst>
+            <a:outerShdw blurRad="40000" dist="23000" dir="5400000" rotWithShape="0">
+              <a:srgbClr val="000000">
+                <a:alpha val="35000"/>
+              </a:srgbClr>
+            </a:outerShdw>
+          </a:effectLst>
+          <a:scene3d>
+            <a:camera prst="orthographicFront">
+              <a:rot lat="0" lon="0" rev="0"/>
+            </a:camera>
+            <a:lightRig rig="threePt" dir="t">
+              <a:rot lat="0" lon="0" rev="1200000"/>
+            </a:lightRig>
+          </a:scene3d>
+          <a:sp3d>
+            <a:bevelT w="63500" h="25400"/>
+          </a:sp3d>
+        </a:effectStyle>
+      </a:effectStyleLst>
+      <a:bgFillStyleLst>
+        <a:solidFill>
+          <a:schemeClr val="phClr"/>
+        </a:solidFill>
+        <a:gradFill rotWithShape="1">
+          <a:gsLst>
+            <a:gs pos="0">
+              <a:schemeClr val="phClr">
+                <a:tint val="40000"/>
+                <a:satMod val="350000"/>
+              </a:schemeClr>
+            </a:gs>
+            <a:gs pos="40000">
+              <a:schemeClr val="phClr">
+                <a:tint val="45000"/>
+                <a:shade val="99000"/>
+                <a:satMod val="350000"/>
+              </a:schemeClr>
+            </a:gs>
+            <a:gs pos="100000">
+              <a:schemeClr val="phClr">
+                <a:shade val="20000"/>
+                <a:satMod val="255000"/>
+              </a:schemeClr>
+            </a:gs>
+          </a:gsLst>
+          <a:path path="circle">
+            <a:fillToRect l="50000" t="-80000" r="50000" b="180000"/>
+          </a:path>
+        </a:gradFill>
+        <a:gradFill rotWithShape="1">
+          <a:gsLst>
+            <a:gs pos="0">
+              <a:schemeClr val="phClr">
+                <a:tint val="80000"/>
+                <a:satMod val="300000"/>
+              </a:schemeClr>
+            </a:gs>
+            <a:gs pos="100000">
+              <a:schemeClr val="phClr">
+                <a:shade val="30000"/>
+                <a:satMod val="200000"/>
+              </a:schemeClr>
+            </a:gs>
+          </a:gsLst>
+          <a:path path="circle">
+            <a:fillToRect l="50000" t="50000" r="50000" b="50000"/>
+          </a:path>
+        </a:gradFill>
+      </a:bgFillStyleLst>
+    </a:fmtScheme>
+  </a:themeElements>
+</a:theme>
+</file>
+
+<file path=ppt/theme/theme4.xml><?xml version="1.0" encoding="utf-8"?>
+<a:theme xmlns:a="http://schemas.openxmlformats.org/drawingml/2006/main" name="Office Theme">
+  <a:themeElements>
+    <a:clrScheme name="Office">
+      <a:dk1>
+        <a:sysClr val="windowText" lastClr="000000"/>
+      </a:dk1>
+      <a:lt1>
+        <a:sysClr val="window" lastClr="FFFFFF"/>
+      </a:lt1>
+      <a:dk2>
+        <a:srgbClr val="1f497d"/>
+      </a:dk2>
+      <a:lt2>
+        <a:srgbClr val="eeece1"/>
+      </a:lt2>
+      <a:accent1>
+        <a:srgbClr val="4f81bd"/>
+      </a:accent1>
+      <a:accent2>
+        <a:srgbClr val="c0504d"/>
+      </a:accent2>
+      <a:accent3>
+        <a:srgbClr val="9bbb59"/>
+      </a:accent3>
+      <a:accent4>
+        <a:srgbClr val="8064a2"/>
+      </a:accent4>
+      <a:accent5>
+        <a:srgbClr val="4bacc6"/>
+      </a:accent5>
+      <a:accent6>
+        <a:srgbClr val="f79646"/>
+      </a:accent6>
+      <a:hlink>
+        <a:srgbClr val="0000ff"/>
+      </a:hlink>
+      <a:folHlink>
+        <a:srgbClr val="800080"/>
+      </a:folHlink>
+    </a:clrScheme>
+    <a:fontScheme name="Office">
+      <a:majorFont>
+        <a:latin typeface="Arial"/>
+        <a:ea typeface="DejaVu Sans"/>
+        <a:cs typeface="DejaVu Sans"/>
+      </a:majorFont>
+      <a:minorFont>
+        <a:latin typeface="Arial"/>
+        <a:ea typeface="DejaVu Sans"/>
+        <a:cs typeface="DejaVu Sans"/>
+      </a:minorFont>
+    </a:fontScheme>
+    <a:fmtScheme name="Office">
+      <a:fillStyleLst>
+        <a:solidFill>
+          <a:schemeClr val="phClr"/>
+        </a:solidFill>
+        <a:gradFill rotWithShape="1">
+          <a:gsLst>
+            <a:gs pos="0">
+              <a:schemeClr val="phClr">
+                <a:tint val="50000"/>
+                <a:satMod val="300000"/>
+              </a:schemeClr>
+            </a:gs>
+            <a:gs pos="35000">
+              <a:schemeClr val="phClr">
+                <a:tint val="37000"/>
+                <a:satMod val="300000"/>
+              </a:schemeClr>
+            </a:gs>
+            <a:gs pos="100000">
+              <a:schemeClr val="phClr">
+                <a:tint val="15000"/>
+                <a:satMod val="350000"/>
+              </a:schemeClr>
+            </a:gs>
+          </a:gsLst>
+          <a:lin ang="16200000" scaled="1"/>
+        </a:gradFill>
+        <a:gradFill rotWithShape="1">
+          <a:gsLst>
+            <a:gs pos="0">
+              <a:schemeClr val="phClr">
+                <a:shade val="51000"/>
+                <a:satMod val="130000"/>
+              </a:schemeClr>
+            </a:gs>
+            <a:gs pos="80000">
+              <a:schemeClr val="phClr">
+                <a:shade val="93000"/>
+                <a:satMod val="130000"/>
+              </a:schemeClr>
+            </a:gs>
+            <a:gs pos="100000">
+              <a:schemeClr val="phClr">
+                <a:shade val="94000"/>
+                <a:satMod val="135000"/>
+              </a:schemeClr>
+            </a:gs>
+          </a:gsLst>
+          <a:lin ang="16200000" scaled="0"/>
+        </a:gradFill>
+      </a:fillStyleLst>
+      <a:lnStyleLst>
+        <a:ln w="9525" cap="flat" cmpd="sng" algn="ctr">
+          <a:solidFill>
+            <a:schemeClr val="phClr">
+              <a:shade val="95000"/>
+              <a:satMod val="105000"/>
+            </a:schemeClr>
+          </a:solidFill>
+          <a:prstDash val="solid"/>
+        </a:ln>
+        <a:ln w="25400" cap="flat" cmpd="sng" algn="ctr">
+          <a:solidFill>
+            <a:schemeClr val="phClr"/>
+          </a:solidFill>
+          <a:prstDash val="solid"/>
+        </a:ln>
+        <a:ln w="38100" cap="flat" cmpd="sng" algn="ctr">
+          <a:solidFill>
+            <a:schemeClr val="phClr"/>
+          </a:solidFill>
+          <a:prstDash val="solid"/>
+        </a:ln>
+      </a:lnStyleLst>
+      <a:effectStyleLst>
+        <a:effectStyle>
+          <a:effectLst>
+            <a:outerShdw blurRad="40000" dist="20000" dir="5400000" rotWithShape="0">
+              <a:srgbClr val="000000">
+                <a:alpha val="38000"/>
+              </a:srgbClr>
+            </a:outerShdw>
+          </a:effectLst>
+        </a:effectStyle>
+        <a:effectStyle>
+          <a:effectLst>
+            <a:outerShdw blurRad="40000" dist="23000" dir="5400000" rotWithShape="0">
+              <a:srgbClr val="000000">
+                <a:alpha val="35000"/>
+              </a:srgbClr>
+            </a:outerShdw>
+          </a:effectLst>
+        </a:effectStyle>
+        <a:effectStyle>
+          <a:effectLst>
+            <a:outerShdw blurRad="40000" dist="23000" dir="5400000" rotWithShape="0">
+              <a:srgbClr val="000000">
+                <a:alpha val="35000"/>
+              </a:srgbClr>
+            </a:outerShdw>
+          </a:effectLst>
+          <a:scene3d>
+            <a:camera prst="orthographicFront">
+              <a:rot lat="0" lon="0" rev="0"/>
+            </a:camera>
+            <a:lightRig rig="threePt" dir="t">
+              <a:rot lat="0" lon="0" rev="1200000"/>
+            </a:lightRig>
+          </a:scene3d>
+          <a:sp3d>
+            <a:bevelT w="63500" h="25400"/>
+          </a:sp3d>
+        </a:effectStyle>
+      </a:effectStyleLst>
+      <a:bgFillStyleLst>
+        <a:solidFill>
+          <a:schemeClr val="phClr"/>
+        </a:solidFill>
+        <a:gradFill rotWithShape="1">
+          <a:gsLst>
+            <a:gs pos="0">
+              <a:schemeClr val="phClr">
+                <a:tint val="40000"/>
+                <a:satMod val="350000"/>
+              </a:schemeClr>
+            </a:gs>
+            <a:gs pos="40000">
+              <a:schemeClr val="phClr">
+                <a:tint val="45000"/>
+                <a:shade val="99000"/>
+                <a:satMod val="350000"/>
+              </a:schemeClr>
+            </a:gs>
+            <a:gs pos="100000">
+              <a:schemeClr val="phClr">
+                <a:shade val="20000"/>
+                <a:satMod val="255000"/>
+              </a:schemeClr>
+            </a:gs>
+          </a:gsLst>
+          <a:path path="circle">
+            <a:fillToRect l="50000" t="-80000" r="50000" b="180000"/>
+          </a:path>
+        </a:gradFill>
+        <a:gradFill rotWithShape="1">
+          <a:gsLst>
+            <a:gs pos="0">
+              <a:schemeClr val="phClr">
+                <a:tint val="80000"/>
+                <a:satMod val="300000"/>
+              </a:schemeClr>
+            </a:gs>
+            <a:gs pos="100000">
+              <a:schemeClr val="phClr">
+                <a:shade val="30000"/>
+                <a:satMod val="200000"/>
+              </a:schemeClr>
+            </a:gs>
+          </a:gsLst>
+          <a:path path="circle">
+            <a:fillToRect l="50000" t="50000" r="50000" b="50000"/>
+          </a:path>
+        </a:gradFill>
+      </a:bgFillStyleLst>
+    </a:fmtScheme>
+  </a:themeElements>
+</a:theme>
 </file>